--- a/15. Arquitetura de Negócio para cada Cenário.pptx
+++ b/15. Arquitetura de Negócio para cada Cenário.pptx
@@ -13,10 +13,6 @@
     <p:sldId id="258" r:id="rId7"/>
     <p:sldId id="259" r:id="rId8"/>
     <p:sldId id="260" r:id="rId9"/>
-    <p:sldId id="261" r:id="rId10"/>
-    <p:sldId id="262" r:id="rId11"/>
-    <p:sldId id="263" r:id="rId12"/>
-    <p:sldId id="264" r:id="rId13"/>
   </p:sldIdLst>
   <p:sldSz cy="5143500" cx="9144000"/>
   <p:notesSz cx="6858000" cy="9144000"/>
@@ -1066,7 +1062,7 @@
       </p:grpSpPr>
       <p:sp>
         <p:nvSpPr>
-          <p:cNvPr id="108" name="Google Shape;108;g72997cc204_1_0:notes"/>
+          <p:cNvPr id="108" name="Google Shape;108;g7f77d2d03a_0_52:notes"/>
           <p:cNvSpPr/>
           <p:nvPr>
             <p:ph idx="2" type="sldImg"/>
@@ -1111,7 +1107,7 @@
       </p:sp>
       <p:sp>
         <p:nvSpPr>
-          <p:cNvPr id="109" name="Google Shape;109;g72997cc204_1_0:notes"/>
+          <p:cNvPr id="109" name="Google Shape;109;g7f77d2d03a_0_52:notes"/>
           <p:cNvSpPr txBox="1"/>
           <p:nvPr>
             <p:ph idx="1" type="body"/>
@@ -1183,7 +1179,7 @@
       </p:grpSpPr>
       <p:sp>
         <p:nvSpPr>
-          <p:cNvPr id="128" name="Google Shape;128;g7f77d2d03a_0_52:notes"/>
+          <p:cNvPr id="128" name="Google Shape;128;g7f77d2d03a_0_99:notes"/>
           <p:cNvSpPr/>
           <p:nvPr>
             <p:ph idx="2" type="sldImg"/>
@@ -1228,7 +1224,7 @@
       </p:sp>
       <p:sp>
         <p:nvSpPr>
-          <p:cNvPr id="129" name="Google Shape;129;g7f77d2d03a_0_52:notes"/>
+          <p:cNvPr id="129" name="Google Shape;129;g7f77d2d03a_0_99:notes"/>
           <p:cNvSpPr txBox="1"/>
           <p:nvPr>
             <p:ph idx="1" type="body"/>
@@ -1300,7 +1296,7 @@
       </p:grpSpPr>
       <p:sp>
         <p:nvSpPr>
-          <p:cNvPr id="148" name="Google Shape;148;g7f77d2d03a_0_99:notes"/>
+          <p:cNvPr id="148" name="Google Shape;148;g7fd86786c5_0_27:notes"/>
           <p:cNvSpPr/>
           <p:nvPr>
             <p:ph idx="2" type="sldImg"/>
@@ -1345,478 +1341,7 @@
       </p:sp>
       <p:sp>
         <p:nvSpPr>
-          <p:cNvPr id="149" name="Google Shape;149;g7f77d2d03a_0_99:notes"/>
-          <p:cNvSpPr txBox="1"/>
-          <p:nvPr>
-            <p:ph idx="1" type="body"/>
-          </p:nvPr>
-        </p:nvSpPr>
-        <p:spPr>
-          <a:xfrm>
-            <a:off x="685800" y="4343400"/>
-            <a:ext cx="5486400" cy="4114800"/>
-          </a:xfrm>
-          <a:prstGeom prst="rect">
-            <a:avLst/>
-          </a:prstGeom>
-          <a:noFill/>
-          <a:ln>
-            <a:noFill/>
-          </a:ln>
-        </p:spPr>
-        <p:txBody>
-          <a:bodyPr anchorCtr="0" anchor="t" bIns="91425" lIns="91425" spcFirstLastPara="1" rIns="91425" wrap="square" tIns="91425">
-            <a:noAutofit/>
-          </a:bodyPr>
-          <a:lstStyle/>
-          <a:p>
-            <a:pPr indent="0" lvl="0" marL="0" rtl="0" algn="l">
-              <a:lnSpc>
-                <a:spcPct val="100000"/>
-              </a:lnSpc>
-              <a:spcBef>
-                <a:spcPts val="0"/>
-              </a:spcBef>
-              <a:spcAft>
-                <a:spcPts val="0"/>
-              </a:spcAft>
-              <a:buSzPts val="1100"/>
-              <a:buNone/>
-            </a:pPr>
-            <a:r>
-              <a:t/>
-            </a:r>
-            <a:endParaRPr/>
-          </a:p>
-        </p:txBody>
-      </p:sp>
-    </p:spTree>
-  </p:cSld>
-  <p:clrMapOvr>
-    <a:masterClrMapping/>
-  </p:clrMapOvr>
-</p:notes>
-</file>
-
-<file path=ppt/notesSlides/notesSlide6.xml><?xml version="1.0" encoding="utf-8"?>
-<p:notes xmlns:a="http://schemas.openxmlformats.org/drawingml/2006/main" xmlns:r="http://schemas.openxmlformats.org/officeDocument/2006/relationships" xmlns:mc="http://schemas.openxmlformats.org/markup-compatibility/2006" xmlns:mv="urn:schemas-microsoft-com:mac:vml" xmlns:p="http://schemas.openxmlformats.org/presentationml/2006/main" xmlns:c="http://schemas.openxmlformats.org/drawingml/2006/chart" xmlns:dgm="http://schemas.openxmlformats.org/drawingml/2006/diagram" xmlns:o="urn:schemas-microsoft-com:office:office" xmlns:v="urn:schemas-microsoft-com:vml" xmlns:pvml="urn:schemas-microsoft-com:office:powerpoint" xmlns:com="http://schemas.openxmlformats.org/drawingml/2006/compatibility" xmlns:p14="http://schemas.microsoft.com/office/powerpoint/2010/main" xmlns:p15="http://schemas.microsoft.com/office/powerpoint/2012/main" showMasterPhAnim="0" showMasterSp="0">
-  <p:cSld>
-    <p:spTree>
-      <p:nvGrpSpPr>
-        <p:cNvPr id="167" name="Shape 167"/>
-        <p:cNvGrpSpPr/>
-        <p:nvPr/>
-      </p:nvGrpSpPr>
-      <p:grpSpPr>
-        <a:xfrm>
-          <a:off x="0" y="0"/>
-          <a:ext cx="0" cy="0"/>
-          <a:chOff x="0" y="0"/>
-          <a:chExt cx="0" cy="0"/>
-        </a:xfrm>
-      </p:grpSpPr>
-      <p:sp>
-        <p:nvSpPr>
-          <p:cNvPr id="168" name="Google Shape;168;g72997cc204_1_19:notes"/>
-          <p:cNvSpPr/>
-          <p:nvPr>
-            <p:ph idx="2" type="sldImg"/>
-          </p:nvPr>
-        </p:nvSpPr>
-        <p:spPr>
-          <a:xfrm>
-            <a:off x="381300" y="685800"/>
-            <a:ext cx="6096000" cy="3429000"/>
-          </a:xfrm>
-          <a:custGeom>
-            <a:rect b="b" l="l" r="r" t="t"/>
-            <a:pathLst>
-              <a:path extrusionOk="0" h="120000" w="120000">
-                <a:moveTo>
-                  <a:pt x="0" y="0"/>
-                </a:moveTo>
-                <a:lnTo>
-                  <a:pt x="120000" y="0"/>
-                </a:lnTo>
-                <a:lnTo>
-                  <a:pt x="120000" y="120000"/>
-                </a:lnTo>
-                <a:lnTo>
-                  <a:pt x="0" y="120000"/>
-                </a:lnTo>
-                <a:close/>
-              </a:path>
-            </a:pathLst>
-          </a:custGeom>
-          <a:noFill/>
-          <a:ln cap="flat" cmpd="sng" w="9525">
-            <a:solidFill>
-              <a:srgbClr val="000000"/>
-            </a:solidFill>
-            <a:prstDash val="solid"/>
-            <a:round/>
-            <a:headEnd len="sm" w="sm" type="none"/>
-            <a:tailEnd len="sm" w="sm" type="none"/>
-          </a:ln>
-        </p:spPr>
-      </p:sp>
-      <p:sp>
-        <p:nvSpPr>
-          <p:cNvPr id="169" name="Google Shape;169;g72997cc204_1_19:notes"/>
-          <p:cNvSpPr txBox="1"/>
-          <p:nvPr>
-            <p:ph idx="1" type="body"/>
-          </p:nvPr>
-        </p:nvSpPr>
-        <p:spPr>
-          <a:xfrm>
-            <a:off x="685800" y="4343400"/>
-            <a:ext cx="5486400" cy="4114800"/>
-          </a:xfrm>
-          <a:prstGeom prst="rect">
-            <a:avLst/>
-          </a:prstGeom>
-          <a:noFill/>
-          <a:ln>
-            <a:noFill/>
-          </a:ln>
-        </p:spPr>
-        <p:txBody>
-          <a:bodyPr anchorCtr="0" anchor="t" bIns="91425" lIns="91425" spcFirstLastPara="1" rIns="91425" wrap="square" tIns="91425">
-            <a:noAutofit/>
-          </a:bodyPr>
-          <a:lstStyle/>
-          <a:p>
-            <a:pPr indent="0" lvl="0" marL="0" rtl="0" algn="l">
-              <a:lnSpc>
-                <a:spcPct val="100000"/>
-              </a:lnSpc>
-              <a:spcBef>
-                <a:spcPts val="0"/>
-              </a:spcBef>
-              <a:spcAft>
-                <a:spcPts val="0"/>
-              </a:spcAft>
-              <a:buSzPts val="1100"/>
-              <a:buNone/>
-            </a:pPr>
-            <a:r>
-              <a:rPr lang="pt-BR"/>
-              <a:t>validar dados de acesso</a:t>
-            </a:r>
-            <a:endParaRPr/>
-          </a:p>
-        </p:txBody>
-      </p:sp>
-    </p:spTree>
-  </p:cSld>
-  <p:clrMapOvr>
-    <a:masterClrMapping/>
-  </p:clrMapOvr>
-</p:notes>
-</file>
-
-<file path=ppt/notesSlides/notesSlide7.xml><?xml version="1.0" encoding="utf-8"?>
-<p:notes xmlns:a="http://schemas.openxmlformats.org/drawingml/2006/main" xmlns:r="http://schemas.openxmlformats.org/officeDocument/2006/relationships" xmlns:mc="http://schemas.openxmlformats.org/markup-compatibility/2006" xmlns:mv="urn:schemas-microsoft-com:mac:vml" xmlns:p="http://schemas.openxmlformats.org/presentationml/2006/main" xmlns:c="http://schemas.openxmlformats.org/drawingml/2006/chart" xmlns:dgm="http://schemas.openxmlformats.org/drawingml/2006/diagram" xmlns:o="urn:schemas-microsoft-com:office:office" xmlns:v="urn:schemas-microsoft-com:vml" xmlns:pvml="urn:schemas-microsoft-com:office:powerpoint" xmlns:com="http://schemas.openxmlformats.org/drawingml/2006/compatibility" xmlns:p14="http://schemas.microsoft.com/office/powerpoint/2010/main" xmlns:p15="http://schemas.microsoft.com/office/powerpoint/2012/main" showMasterPhAnim="0" showMasterSp="0">
-  <p:cSld>
-    <p:spTree>
-      <p:nvGrpSpPr>
-        <p:cNvPr id="187" name="Shape 187"/>
-        <p:cNvGrpSpPr/>
-        <p:nvPr/>
-      </p:nvGrpSpPr>
-      <p:grpSpPr>
-        <a:xfrm>
-          <a:off x="0" y="0"/>
-          <a:ext cx="0" cy="0"/>
-          <a:chOff x="0" y="0"/>
-          <a:chExt cx="0" cy="0"/>
-        </a:xfrm>
-      </p:grpSpPr>
-      <p:sp>
-        <p:nvSpPr>
-          <p:cNvPr id="188" name="Google Shape;188;g72997cc204_1_38:notes"/>
-          <p:cNvSpPr/>
-          <p:nvPr>
-            <p:ph idx="2" type="sldImg"/>
-          </p:nvPr>
-        </p:nvSpPr>
-        <p:spPr>
-          <a:xfrm>
-            <a:off x="381300" y="685800"/>
-            <a:ext cx="6096000" cy="3429000"/>
-          </a:xfrm>
-          <a:custGeom>
-            <a:rect b="b" l="l" r="r" t="t"/>
-            <a:pathLst>
-              <a:path extrusionOk="0" h="120000" w="120000">
-                <a:moveTo>
-                  <a:pt x="0" y="0"/>
-                </a:moveTo>
-                <a:lnTo>
-                  <a:pt x="120000" y="0"/>
-                </a:lnTo>
-                <a:lnTo>
-                  <a:pt x="120000" y="120000"/>
-                </a:lnTo>
-                <a:lnTo>
-                  <a:pt x="0" y="120000"/>
-                </a:lnTo>
-                <a:close/>
-              </a:path>
-            </a:pathLst>
-          </a:custGeom>
-          <a:noFill/>
-          <a:ln cap="flat" cmpd="sng" w="9525">
-            <a:solidFill>
-              <a:srgbClr val="000000"/>
-            </a:solidFill>
-            <a:prstDash val="solid"/>
-            <a:round/>
-            <a:headEnd len="sm" w="sm" type="none"/>
-            <a:tailEnd len="sm" w="sm" type="none"/>
-          </a:ln>
-        </p:spPr>
-      </p:sp>
-      <p:sp>
-        <p:nvSpPr>
-          <p:cNvPr id="189" name="Google Shape;189;g72997cc204_1_38:notes"/>
-          <p:cNvSpPr txBox="1"/>
-          <p:nvPr>
-            <p:ph idx="1" type="body"/>
-          </p:nvPr>
-        </p:nvSpPr>
-        <p:spPr>
-          <a:xfrm>
-            <a:off x="685800" y="4343400"/>
-            <a:ext cx="5486400" cy="4114800"/>
-          </a:xfrm>
-          <a:prstGeom prst="rect">
-            <a:avLst/>
-          </a:prstGeom>
-          <a:noFill/>
-          <a:ln>
-            <a:noFill/>
-          </a:ln>
-        </p:spPr>
-        <p:txBody>
-          <a:bodyPr anchorCtr="0" anchor="t" bIns="91425" lIns="91425" spcFirstLastPara="1" rIns="91425" wrap="square" tIns="91425">
-            <a:noAutofit/>
-          </a:bodyPr>
-          <a:lstStyle/>
-          <a:p>
-            <a:pPr indent="0" lvl="0" marL="0" rtl="0" algn="l">
-              <a:lnSpc>
-                <a:spcPct val="100000"/>
-              </a:lnSpc>
-              <a:spcBef>
-                <a:spcPts val="0"/>
-              </a:spcBef>
-              <a:spcAft>
-                <a:spcPts val="0"/>
-              </a:spcAft>
-              <a:buSzPts val="1100"/>
-              <a:buNone/>
-            </a:pPr>
-            <a:r>
-              <a:rPr lang="pt-BR"/>
-              <a:t>validar pagamentos,  emitir cobrança de multa</a:t>
-            </a:r>
-            <a:endParaRPr/>
-          </a:p>
-        </p:txBody>
-      </p:sp>
-    </p:spTree>
-  </p:cSld>
-  <p:clrMapOvr>
-    <a:masterClrMapping/>
-  </p:clrMapOvr>
-</p:notes>
-</file>
-
-<file path=ppt/notesSlides/notesSlide8.xml><?xml version="1.0" encoding="utf-8"?>
-<p:notes xmlns:a="http://schemas.openxmlformats.org/drawingml/2006/main" xmlns:r="http://schemas.openxmlformats.org/officeDocument/2006/relationships" xmlns:mc="http://schemas.openxmlformats.org/markup-compatibility/2006" xmlns:mv="urn:schemas-microsoft-com:mac:vml" xmlns:p="http://schemas.openxmlformats.org/presentationml/2006/main" xmlns:c="http://schemas.openxmlformats.org/drawingml/2006/chart" xmlns:dgm="http://schemas.openxmlformats.org/drawingml/2006/diagram" xmlns:o="urn:schemas-microsoft-com:office:office" xmlns:v="urn:schemas-microsoft-com:vml" xmlns:pvml="urn:schemas-microsoft-com:office:powerpoint" xmlns:com="http://schemas.openxmlformats.org/drawingml/2006/compatibility" xmlns:p14="http://schemas.microsoft.com/office/powerpoint/2010/main" xmlns:p15="http://schemas.microsoft.com/office/powerpoint/2012/main" showMasterPhAnim="0" showMasterSp="0">
-  <p:cSld>
-    <p:spTree>
-      <p:nvGrpSpPr>
-        <p:cNvPr id="207" name="Shape 207"/>
-        <p:cNvGrpSpPr/>
-        <p:nvPr/>
-      </p:nvGrpSpPr>
-      <p:grpSpPr>
-        <a:xfrm>
-          <a:off x="0" y="0"/>
-          <a:ext cx="0" cy="0"/>
-          <a:chOff x="0" y="0"/>
-          <a:chExt cx="0" cy="0"/>
-        </a:xfrm>
-      </p:grpSpPr>
-      <p:sp>
-        <p:nvSpPr>
-          <p:cNvPr id="208" name="Google Shape;208;g72997cc204_1_57:notes"/>
-          <p:cNvSpPr/>
-          <p:nvPr>
-            <p:ph idx="2" type="sldImg"/>
-          </p:nvPr>
-        </p:nvSpPr>
-        <p:spPr>
-          <a:xfrm>
-            <a:off x="381300" y="685800"/>
-            <a:ext cx="6096000" cy="3429000"/>
-          </a:xfrm>
-          <a:custGeom>
-            <a:rect b="b" l="l" r="r" t="t"/>
-            <a:pathLst>
-              <a:path extrusionOk="0" h="120000" w="120000">
-                <a:moveTo>
-                  <a:pt x="0" y="0"/>
-                </a:moveTo>
-                <a:lnTo>
-                  <a:pt x="120000" y="0"/>
-                </a:lnTo>
-                <a:lnTo>
-                  <a:pt x="120000" y="120000"/>
-                </a:lnTo>
-                <a:lnTo>
-                  <a:pt x="0" y="120000"/>
-                </a:lnTo>
-                <a:close/>
-              </a:path>
-            </a:pathLst>
-          </a:custGeom>
-          <a:noFill/>
-          <a:ln cap="flat" cmpd="sng" w="9525">
-            <a:solidFill>
-              <a:srgbClr val="000000"/>
-            </a:solidFill>
-            <a:prstDash val="solid"/>
-            <a:round/>
-            <a:headEnd len="sm" w="sm" type="none"/>
-            <a:tailEnd len="sm" w="sm" type="none"/>
-          </a:ln>
-        </p:spPr>
-      </p:sp>
-      <p:sp>
-        <p:nvSpPr>
-          <p:cNvPr id="209" name="Google Shape;209;g72997cc204_1_57:notes"/>
-          <p:cNvSpPr txBox="1"/>
-          <p:nvPr>
-            <p:ph idx="1" type="body"/>
-          </p:nvPr>
-        </p:nvSpPr>
-        <p:spPr>
-          <a:xfrm>
-            <a:off x="685800" y="4343400"/>
-            <a:ext cx="5486400" cy="4114800"/>
-          </a:xfrm>
-          <a:prstGeom prst="rect">
-            <a:avLst/>
-          </a:prstGeom>
-          <a:noFill/>
-          <a:ln>
-            <a:noFill/>
-          </a:ln>
-        </p:spPr>
-        <p:txBody>
-          <a:bodyPr anchorCtr="0" anchor="t" bIns="91425" lIns="91425" spcFirstLastPara="1" rIns="91425" wrap="square" tIns="91425">
-            <a:noAutofit/>
-          </a:bodyPr>
-          <a:lstStyle/>
-          <a:p>
-            <a:pPr indent="0" lvl="0" marL="0" rtl="0" algn="l">
-              <a:lnSpc>
-                <a:spcPct val="100000"/>
-              </a:lnSpc>
-              <a:spcBef>
-                <a:spcPts val="0"/>
-              </a:spcBef>
-              <a:spcAft>
-                <a:spcPts val="0"/>
-              </a:spcAft>
-              <a:buSzPts val="1100"/>
-              <a:buNone/>
-            </a:pPr>
-            <a:r>
-              <a:rPr lang="pt-BR"/>
-              <a:t>validar dados cadastrais e reativar aluno</a:t>
-            </a:r>
-            <a:endParaRPr/>
-          </a:p>
-        </p:txBody>
-      </p:sp>
-    </p:spTree>
-  </p:cSld>
-  <p:clrMapOvr>
-    <a:masterClrMapping/>
-  </p:clrMapOvr>
-</p:notes>
-</file>
-
-<file path=ppt/notesSlides/notesSlide9.xml><?xml version="1.0" encoding="utf-8"?>
-<p:notes xmlns:a="http://schemas.openxmlformats.org/drawingml/2006/main" xmlns:r="http://schemas.openxmlformats.org/officeDocument/2006/relationships" xmlns:mc="http://schemas.openxmlformats.org/markup-compatibility/2006" xmlns:mv="urn:schemas-microsoft-com:mac:vml" xmlns:p="http://schemas.openxmlformats.org/presentationml/2006/main" xmlns:c="http://schemas.openxmlformats.org/drawingml/2006/chart" xmlns:dgm="http://schemas.openxmlformats.org/drawingml/2006/diagram" xmlns:o="urn:schemas-microsoft-com:office:office" xmlns:v="urn:schemas-microsoft-com:vml" xmlns:pvml="urn:schemas-microsoft-com:office:powerpoint" xmlns:com="http://schemas.openxmlformats.org/drawingml/2006/compatibility" xmlns:p14="http://schemas.microsoft.com/office/powerpoint/2010/main" xmlns:p15="http://schemas.microsoft.com/office/powerpoint/2012/main" showMasterPhAnim="0" showMasterSp="0">
-  <p:cSld>
-    <p:spTree>
-      <p:nvGrpSpPr>
-        <p:cNvPr id="227" name="Shape 227"/>
-        <p:cNvGrpSpPr/>
-        <p:nvPr/>
-      </p:nvGrpSpPr>
-      <p:grpSpPr>
-        <a:xfrm>
-          <a:off x="0" y="0"/>
-          <a:ext cx="0" cy="0"/>
-          <a:chOff x="0" y="0"/>
-          <a:chExt cx="0" cy="0"/>
-        </a:xfrm>
-      </p:grpSpPr>
-      <p:sp>
-        <p:nvSpPr>
-          <p:cNvPr id="228" name="Google Shape;228;g72997cc204_1_77:notes"/>
-          <p:cNvSpPr/>
-          <p:nvPr>
-            <p:ph idx="2" type="sldImg"/>
-          </p:nvPr>
-        </p:nvSpPr>
-        <p:spPr>
-          <a:xfrm>
-            <a:off x="381300" y="685800"/>
-            <a:ext cx="6096000" cy="3429000"/>
-          </a:xfrm>
-          <a:custGeom>
-            <a:rect b="b" l="l" r="r" t="t"/>
-            <a:pathLst>
-              <a:path extrusionOk="0" h="120000" w="120000">
-                <a:moveTo>
-                  <a:pt x="0" y="0"/>
-                </a:moveTo>
-                <a:lnTo>
-                  <a:pt x="120000" y="0"/>
-                </a:lnTo>
-                <a:lnTo>
-                  <a:pt x="120000" y="120000"/>
-                </a:lnTo>
-                <a:lnTo>
-                  <a:pt x="0" y="120000"/>
-                </a:lnTo>
-                <a:close/>
-              </a:path>
-            </a:pathLst>
-          </a:custGeom>
-          <a:noFill/>
-          <a:ln cap="flat" cmpd="sng" w="9525">
-            <a:solidFill>
-              <a:srgbClr val="000000"/>
-            </a:solidFill>
-            <a:prstDash val="solid"/>
-            <a:round/>
-            <a:headEnd len="sm" w="sm" type="none"/>
-            <a:tailEnd len="sm" w="sm" type="none"/>
-          </a:ln>
-        </p:spPr>
-      </p:sp>
-      <p:sp>
-        <p:nvSpPr>
-          <p:cNvPr id="229" name="Google Shape;229;g72997cc204_1_77:notes"/>
+          <p:cNvPr id="149" name="Google Shape;149;g7fd86786c5_0_27:notes"/>
           <p:cNvSpPr txBox="1"/>
           <p:nvPr>
             <p:ph idx="1" type="body"/>
@@ -10532,7 +10057,7 @@
         <p:spPr>
           <a:xfrm>
             <a:off x="2435525" y="3534675"/>
-            <a:ext cx="2165100" cy="964500"/>
+            <a:ext cx="2794800" cy="964500"/>
           </a:xfrm>
           <a:prstGeom prst="rect">
             <a:avLst/>
@@ -10571,7 +10096,23 @@
                   <a:schemeClr val="dk1"/>
                 </a:solidFill>
               </a:rPr>
-              <a:t>Realizar treino</a:t>
+              <a:t>Realizar </a:t>
+            </a:r>
+            <a:r>
+              <a:rPr lang="pt-BR" sz="1000">
+                <a:solidFill>
+                  <a:schemeClr val="dk1"/>
+                </a:solidFill>
+              </a:rPr>
+              <a:t>avaliação física e  </a:t>
+            </a:r>
+            <a:r>
+              <a:rPr lang="pt-BR" sz="1000">
+                <a:solidFill>
+                  <a:schemeClr val="dk1"/>
+                </a:solidFill>
+              </a:rPr>
+              <a:t>treino</a:t>
             </a:r>
             <a:endParaRPr sz="1000">
               <a:solidFill>
@@ -10602,7 +10143,7 @@
                   <a:schemeClr val="dk1"/>
                 </a:solidFill>
               </a:rPr>
-              <a:t>Visualizar avaliação física</a:t>
+              <a:t>Realizar pagamento</a:t>
             </a:r>
             <a:endParaRPr sz="1000">
               <a:solidFill>
@@ -10611,60 +10152,20 @@
             </a:endParaRPr>
           </a:p>
           <a:p>
-            <a:pPr indent="-292100" lvl="0" marL="457200" marR="0" rtl="0" algn="l">
-              <a:lnSpc>
-                <a:spcPct val="100000"/>
-              </a:lnSpc>
-              <a:spcBef>
-                <a:spcPts val="0"/>
-              </a:spcBef>
-              <a:spcAft>
-                <a:spcPts val="0"/>
-              </a:spcAft>
-              <a:buClr>
-                <a:schemeClr val="dk1"/>
-              </a:buClr>
-              <a:buSzPts val="1000"/>
-              <a:buChar char="❖"/>
+            <a:pPr indent="0" lvl="0" marL="0" marR="0" rtl="0" algn="l">
+              <a:lnSpc>
+                <a:spcPct val="100000"/>
+              </a:lnSpc>
+              <a:spcBef>
+                <a:spcPts val="0"/>
+              </a:spcBef>
+              <a:spcAft>
+                <a:spcPts val="0"/>
+              </a:spcAft>
+              <a:buNone/>
             </a:pPr>
             <a:r>
-              <a:rPr lang="pt-BR" sz="1000">
-                <a:solidFill>
-                  <a:schemeClr val="dk1"/>
-                </a:solidFill>
-              </a:rPr>
-              <a:t>Visualizar notificações</a:t>
-            </a:r>
-            <a:endParaRPr sz="1000">
-              <a:solidFill>
-                <a:schemeClr val="dk1"/>
-              </a:solidFill>
-            </a:endParaRPr>
-          </a:p>
-          <a:p>
-            <a:pPr indent="-292100" lvl="0" marL="457200" marR="0" rtl="0" algn="l">
-              <a:lnSpc>
-                <a:spcPct val="100000"/>
-              </a:lnSpc>
-              <a:spcBef>
-                <a:spcPts val="0"/>
-              </a:spcBef>
-              <a:spcAft>
-                <a:spcPts val="0"/>
-              </a:spcAft>
-              <a:buClr>
-                <a:schemeClr val="dk1"/>
-              </a:buClr>
-              <a:buSzPts val="1000"/>
-              <a:buChar char="❖"/>
-            </a:pPr>
-            <a:r>
-              <a:rPr lang="pt-BR" sz="1000">
-                <a:solidFill>
-                  <a:schemeClr val="dk1"/>
-                </a:solidFill>
-              </a:rPr>
-              <a:t>Realizar pagamento</a:t>
+              <a:t/>
             </a:r>
             <a:endParaRPr sz="1000">
               <a:solidFill>
@@ -11535,40 +11036,9 @@
           </p:txBody>
         </p:sp>
       </p:grpSp>
-      <p:cxnSp>
-        <p:nvCxnSpPr>
-          <p:cNvPr id="101" name="Google Shape;101;p14"/>
-          <p:cNvCxnSpPr>
-            <a:stCxn id="102" idx="0"/>
-            <a:endCxn id="92" idx="2"/>
-          </p:cNvCxnSpPr>
-          <p:nvPr/>
-        </p:nvCxnSpPr>
-        <p:spPr>
-          <a:xfrm rot="-5400000">
-            <a:off x="3866050" y="1137850"/>
-            <a:ext cx="934800" cy="467100"/>
-          </a:xfrm>
-          <a:prstGeom prst="curvedConnector3">
-            <a:avLst>
-              <a:gd fmla="val 47211" name="adj1"/>
-            </a:avLst>
-          </a:prstGeom>
-          <a:noFill/>
-          <a:ln cap="flat" cmpd="sng" w="9525">
-            <a:solidFill>
-              <a:schemeClr val="dk2"/>
-            </a:solidFill>
-            <a:prstDash val="solid"/>
-            <a:round/>
-            <a:headEnd len="sm" w="sm" type="none"/>
-            <a:tailEnd len="sm" w="sm" type="none"/>
-          </a:ln>
-        </p:spPr>
-      </p:cxnSp>
       <p:sp>
         <p:nvSpPr>
-          <p:cNvPr id="103" name="Google Shape;103;p14"/>
+          <p:cNvPr id="101" name="Google Shape;101;p14"/>
           <p:cNvSpPr txBox="1"/>
           <p:nvPr/>
         </p:nvSpPr>
@@ -11640,7 +11110,7 @@
       </p:sp>
       <p:cxnSp>
         <p:nvCxnSpPr>
-          <p:cNvPr id="104" name="Google Shape;104;p14"/>
+          <p:cNvPr id="102" name="Google Shape;102;p14"/>
           <p:cNvCxnSpPr>
             <a:stCxn id="95" idx="0"/>
             <a:endCxn id="92" idx="2"/>
@@ -11669,100 +11139,15 @@
           </a:ln>
         </p:spPr>
       </p:cxnSp>
-      <p:cxnSp>
-        <p:nvCxnSpPr>
-          <p:cNvPr id="105" name="Google Shape;105;p14"/>
-          <p:cNvCxnSpPr>
-            <a:stCxn id="102" idx="2"/>
-            <a:endCxn id="106" idx="1"/>
-          </p:cNvCxnSpPr>
-          <p:nvPr/>
-        </p:nvCxnSpPr>
-        <p:spPr>
-          <a:xfrm flipH="1" rot="-5400000">
-            <a:off x="3836650" y="2633650"/>
-            <a:ext cx="1234500" cy="708000"/>
-          </a:xfrm>
-          <a:prstGeom prst="curvedConnector2">
-            <a:avLst/>
-          </a:prstGeom>
-          <a:noFill/>
-          <a:ln cap="flat" cmpd="sng" w="9525">
-            <a:solidFill>
-              <a:schemeClr val="dk2"/>
-            </a:solidFill>
-            <a:prstDash val="solid"/>
-            <a:round/>
-            <a:headEnd len="sm" w="sm" type="none"/>
-            <a:tailEnd len="sm" w="sm" type="none"/>
-          </a:ln>
-        </p:spPr>
-      </p:cxnSp>
       <p:sp>
         <p:nvSpPr>
-          <p:cNvPr id="106" name="Google Shape;106;p14"/>
+          <p:cNvPr id="103" name="Google Shape;103;p14"/>
           <p:cNvSpPr/>
           <p:nvPr/>
         </p:nvSpPr>
         <p:spPr>
           <a:xfrm>
-            <a:off x="4807825" y="3266600"/>
-            <a:ext cx="2231100" cy="676800"/>
-          </a:xfrm>
-          <a:prstGeom prst="bracketPair">
-            <a:avLst/>
-          </a:prstGeom>
-          <a:noFill/>
-          <a:ln cap="flat" cmpd="sng" w="9525">
-            <a:solidFill>
-              <a:schemeClr val="dk2"/>
-            </a:solidFill>
-            <a:prstDash val="solid"/>
-            <a:round/>
-            <a:headEnd len="sm" w="sm" type="none"/>
-            <a:tailEnd len="sm" w="sm" type="none"/>
-          </a:ln>
-        </p:spPr>
-        <p:txBody>
-          <a:bodyPr anchorCtr="0" anchor="ctr" bIns="91425" lIns="91425" spcFirstLastPara="1" rIns="91425" wrap="square" tIns="91425">
-            <a:noAutofit/>
-          </a:bodyPr>
-          <a:lstStyle/>
-          <a:p>
-            <a:pPr indent="-292100" lvl="0" marL="457200" marR="0" rtl="0" algn="l">
-              <a:lnSpc>
-                <a:spcPct val="100000"/>
-              </a:lnSpc>
-              <a:spcBef>
-                <a:spcPts val="0"/>
-              </a:spcBef>
-              <a:spcAft>
-                <a:spcPts val="0"/>
-              </a:spcAft>
-              <a:buClr>
-                <a:srgbClr val="000000"/>
-              </a:buClr>
-              <a:buSzPts val="1000"/>
-              <a:buFont typeface="Arial"/>
-              <a:buChar char="●"/>
-            </a:pPr>
-            <a:r>
-              <a:rPr lang="pt-BR" sz="1000"/>
-              <a:t>Cadastro de aluno</a:t>
-            </a:r>
-            <a:endParaRPr sz="1000"/>
-          </a:p>
-        </p:txBody>
-      </p:sp>
-      <p:sp>
-        <p:nvSpPr>
-          <p:cNvPr id="102" name="Google Shape;102;p14"/>
-          <p:cNvSpPr/>
-          <p:nvPr/>
-        </p:nvSpPr>
-        <p:spPr>
-          <a:xfrm>
-            <a:off x="3564400" y="1838800"/>
+            <a:off x="4031550" y="1863613"/>
             <a:ext cx="1071000" cy="531600"/>
           </a:xfrm>
           <a:prstGeom prst="roundRect">
@@ -11829,6 +11214,154 @@
               <a:ea typeface="Arial"/>
               <a:cs typeface="Arial"/>
               <a:sym typeface="Arial"/>
+            </a:endParaRPr>
+          </a:p>
+        </p:txBody>
+      </p:sp>
+      <p:cxnSp>
+        <p:nvCxnSpPr>
+          <p:cNvPr id="104" name="Google Shape;104;p14"/>
+          <p:cNvCxnSpPr>
+            <a:stCxn id="103" idx="0"/>
+            <a:endCxn id="92" idx="2"/>
+          </p:cNvCxnSpPr>
+          <p:nvPr/>
+        </p:nvCxnSpPr>
+        <p:spPr>
+          <a:xfrm rot="-5400000">
+            <a:off x="4087650" y="1383613"/>
+            <a:ext cx="959400" cy="600"/>
+          </a:xfrm>
+          <a:prstGeom prst="curvedConnector3">
+            <a:avLst>
+              <a:gd fmla="val 47294" name="adj1"/>
+            </a:avLst>
+          </a:prstGeom>
+          <a:noFill/>
+          <a:ln cap="flat" cmpd="sng" w="9525">
+            <a:solidFill>
+              <a:schemeClr val="dk2"/>
+            </a:solidFill>
+            <a:prstDash val="solid"/>
+            <a:round/>
+            <a:headEnd len="sm" w="sm" type="none"/>
+            <a:tailEnd len="sm" w="sm" type="none"/>
+          </a:ln>
+        </p:spPr>
+      </p:cxnSp>
+      <p:cxnSp>
+        <p:nvCxnSpPr>
+          <p:cNvPr id="105" name="Google Shape;105;p14"/>
+          <p:cNvCxnSpPr>
+            <a:stCxn id="103" idx="2"/>
+            <a:endCxn id="106" idx="1"/>
+          </p:cNvCxnSpPr>
+          <p:nvPr/>
+        </p:nvCxnSpPr>
+        <p:spPr>
+          <a:xfrm flipH="1" rot="-5400000">
+            <a:off x="4522200" y="2440063"/>
+            <a:ext cx="1243800" cy="1154100"/>
+          </a:xfrm>
+          <a:prstGeom prst="curvedConnector2">
+            <a:avLst/>
+          </a:prstGeom>
+          <a:noFill/>
+          <a:ln cap="flat" cmpd="sng" w="9525">
+            <a:solidFill>
+              <a:schemeClr val="dk2"/>
+            </a:solidFill>
+            <a:prstDash val="solid"/>
+            <a:round/>
+            <a:headEnd len="sm" w="sm" type="none"/>
+            <a:tailEnd len="sm" w="sm" type="none"/>
+          </a:ln>
+        </p:spPr>
+      </p:cxnSp>
+      <p:sp>
+        <p:nvSpPr>
+          <p:cNvPr id="106" name="Google Shape;106;p14"/>
+          <p:cNvSpPr/>
+          <p:nvPr/>
+        </p:nvSpPr>
+        <p:spPr>
+          <a:xfrm>
+            <a:off x="5721050" y="3300675"/>
+            <a:ext cx="2231100" cy="676800"/>
+          </a:xfrm>
+          <a:prstGeom prst="bracketPair">
+            <a:avLst/>
+          </a:prstGeom>
+          <a:noFill/>
+          <a:ln cap="flat" cmpd="sng" w="9525">
+            <a:solidFill>
+              <a:schemeClr val="dk2"/>
+            </a:solidFill>
+            <a:prstDash val="solid"/>
+            <a:round/>
+            <a:headEnd len="sm" w="sm" type="none"/>
+            <a:tailEnd len="sm" w="sm" type="none"/>
+          </a:ln>
+        </p:spPr>
+        <p:txBody>
+          <a:bodyPr anchorCtr="0" anchor="ctr" bIns="91425" lIns="91425" spcFirstLastPara="1" rIns="91425" wrap="square" tIns="91425">
+            <a:noAutofit/>
+          </a:bodyPr>
+          <a:lstStyle/>
+          <a:p>
+            <a:pPr indent="-292100" lvl="0" marL="457200" rtl="0" algn="l">
+              <a:spcBef>
+                <a:spcPts val="0"/>
+              </a:spcBef>
+              <a:spcAft>
+                <a:spcPts val="0"/>
+              </a:spcAft>
+              <a:buClr>
+                <a:schemeClr val="dk1"/>
+              </a:buClr>
+              <a:buSzPts val="1000"/>
+              <a:buChar char="●"/>
+            </a:pPr>
+            <a:r>
+              <a:rPr lang="pt-BR" sz="1000">
+                <a:solidFill>
+                  <a:schemeClr val="dk1"/>
+                </a:solidFill>
+              </a:rPr>
+              <a:t>Cobrança da taxa de matrícula e mensalidade</a:t>
+            </a:r>
+            <a:endParaRPr sz="1000">
+              <a:solidFill>
+                <a:schemeClr val="dk1"/>
+              </a:solidFill>
+            </a:endParaRPr>
+          </a:p>
+          <a:p>
+            <a:pPr indent="-292100" lvl="0" marL="457200" rtl="0" algn="l">
+              <a:spcBef>
+                <a:spcPts val="0"/>
+              </a:spcBef>
+              <a:spcAft>
+                <a:spcPts val="0"/>
+              </a:spcAft>
+              <a:buClr>
+                <a:schemeClr val="dk1"/>
+              </a:buClr>
+              <a:buSzPts val="1000"/>
+              <a:buChar char="●"/>
+            </a:pPr>
+            <a:r>
+              <a:rPr lang="pt-BR" sz="1000">
+                <a:solidFill>
+                  <a:schemeClr val="dk1"/>
+                </a:solidFill>
+              </a:rPr>
+              <a:t>Matrícula de aluno</a:t>
+            </a:r>
+            <a:endParaRPr sz="1000">
+              <a:solidFill>
+                <a:schemeClr val="dk1"/>
+              </a:solidFill>
             </a:endParaRPr>
           </a:p>
         </p:txBody>
@@ -11939,7 +11472,7 @@
         <p:spPr>
           <a:xfrm>
             <a:off x="3659550" y="186275"/>
-            <a:ext cx="1815000" cy="771900"/>
+            <a:ext cx="2160300" cy="771900"/>
           </a:xfrm>
           <a:prstGeom prst="wave">
             <a:avLst>
@@ -11984,26 +11517,309 @@
               <a:buChar char="❖"/>
             </a:pPr>
             <a:r>
-              <a:rPr lang="pt-BR" sz="1000">
-                <a:solidFill>
-                  <a:schemeClr val="dk1"/>
-                </a:solidFill>
-              </a:rPr>
-              <a:t>Fazer m</a:t>
-            </a:r>
-            <a:r>
-              <a:rPr b="0" i="0" lang="pt-BR" sz="1000" u="none" cap="none" strike="noStrike">
-                <a:solidFill>
-                  <a:schemeClr val="dk1"/>
-                </a:solidFill>
-                <a:latin typeface="Arial"/>
-                <a:ea typeface="Arial"/>
-                <a:cs typeface="Arial"/>
-                <a:sym typeface="Arial"/>
-              </a:rPr>
-              <a:t>atrícula</a:t>
+              <a:rPr lang="pt-BR" sz="1200"/>
+              <a:t>Pagamento</a:t>
             </a:r>
             <a:endParaRPr b="0" i="0" sz="1200" u="none" cap="none" strike="noStrike">
+              <a:solidFill>
+                <a:srgbClr val="000000"/>
+              </a:solidFill>
+              <a:latin typeface="Arial"/>
+              <a:ea typeface="Arial"/>
+              <a:cs typeface="Arial"/>
+              <a:sym typeface="Arial"/>
+            </a:endParaRPr>
+          </a:p>
+        </p:txBody>
+      </p:sp>
+      <p:cxnSp>
+        <p:nvCxnSpPr>
+          <p:cNvPr id="113" name="Google Shape;113;p15"/>
+          <p:cNvCxnSpPr>
+            <a:stCxn id="114" idx="0"/>
+            <a:endCxn id="112" idx="2"/>
+          </p:cNvCxnSpPr>
+          <p:nvPr/>
+        </p:nvCxnSpPr>
+        <p:spPr>
+          <a:xfrm rot="-5400000">
+            <a:off x="4272600" y="1371100"/>
+            <a:ext cx="934800" cy="600"/>
+          </a:xfrm>
+          <a:prstGeom prst="curvedConnector3">
+            <a:avLst>
+              <a:gd fmla="val 47211" name="adj1"/>
+            </a:avLst>
+          </a:prstGeom>
+          <a:noFill/>
+          <a:ln cap="flat" cmpd="sng" w="9525">
+            <a:solidFill>
+              <a:schemeClr val="dk2"/>
+            </a:solidFill>
+            <a:prstDash val="solid"/>
+            <a:round/>
+            <a:headEnd len="sm" w="sm" type="none"/>
+            <a:tailEnd len="sm" w="sm" type="none"/>
+          </a:ln>
+        </p:spPr>
+      </p:cxnSp>
+      <p:sp>
+        <p:nvSpPr>
+          <p:cNvPr id="115" name="Google Shape;115;p15"/>
+          <p:cNvSpPr txBox="1"/>
+          <p:nvPr/>
+        </p:nvSpPr>
+        <p:spPr>
+          <a:xfrm>
+            <a:off x="130400" y="2813122"/>
+            <a:ext cx="8542500" cy="1367400"/>
+          </a:xfrm>
+          <a:prstGeom prst="rect">
+            <a:avLst/>
+          </a:prstGeom>
+          <a:noFill/>
+          <a:ln cap="flat" cmpd="sng" w="9525">
+            <a:solidFill>
+              <a:srgbClr val="FF9900"/>
+            </a:solidFill>
+            <a:prstDash val="solid"/>
+            <a:round/>
+            <a:headEnd len="sm" w="sm" type="none"/>
+            <a:tailEnd len="sm" w="sm" type="none"/>
+          </a:ln>
+        </p:spPr>
+        <p:txBody>
+          <a:bodyPr anchorCtr="0" anchor="t" bIns="91425" lIns="91425" spcFirstLastPara="1" rIns="91425" wrap="square" tIns="91425">
+            <a:noAutofit/>
+          </a:bodyPr>
+          <a:lstStyle/>
+          <a:p>
+            <a:pPr indent="0" lvl="0" marL="0" marR="0" rtl="0" algn="l">
+              <a:lnSpc>
+                <a:spcPct val="100000"/>
+              </a:lnSpc>
+              <a:spcBef>
+                <a:spcPts val="0"/>
+              </a:spcBef>
+              <a:spcAft>
+                <a:spcPts val="0"/>
+              </a:spcAft>
+              <a:buClr>
+                <a:srgbClr val="000000"/>
+              </a:buClr>
+              <a:buSzPts val="1400"/>
+              <a:buFont typeface="Arial"/>
+              <a:buNone/>
+            </a:pPr>
+            <a:r>
+              <a:rPr b="0" i="0" lang="pt-BR" sz="1400" u="none" cap="none" strike="noStrike">
+                <a:solidFill>
+                  <a:srgbClr val="000000"/>
+                </a:solidFill>
+                <a:latin typeface="Arial"/>
+                <a:ea typeface="Arial"/>
+                <a:cs typeface="Arial"/>
+                <a:sym typeface="Arial"/>
+              </a:rPr>
+              <a:t>Capacidades Operacionais</a:t>
+            </a:r>
+            <a:endParaRPr b="0" i="0" sz="1400" u="none" cap="none" strike="noStrike">
+              <a:solidFill>
+                <a:srgbClr val="000000"/>
+              </a:solidFill>
+              <a:latin typeface="Arial"/>
+              <a:ea typeface="Arial"/>
+              <a:cs typeface="Arial"/>
+              <a:sym typeface="Arial"/>
+            </a:endParaRPr>
+          </a:p>
+        </p:txBody>
+      </p:sp>
+      <p:cxnSp>
+        <p:nvCxnSpPr>
+          <p:cNvPr id="116" name="Google Shape;116;p15"/>
+          <p:cNvCxnSpPr>
+            <a:stCxn id="114" idx="2"/>
+            <a:endCxn id="117" idx="1"/>
+          </p:cNvCxnSpPr>
+          <p:nvPr/>
+        </p:nvCxnSpPr>
+        <p:spPr>
+          <a:xfrm flipH="1" rot="-5400000">
+            <a:off x="4716600" y="2393500"/>
+            <a:ext cx="1126500" cy="1080300"/>
+          </a:xfrm>
+          <a:prstGeom prst="curvedConnector2">
+            <a:avLst/>
+          </a:prstGeom>
+          <a:noFill/>
+          <a:ln cap="flat" cmpd="sng" w="9525">
+            <a:solidFill>
+              <a:schemeClr val="dk2"/>
+            </a:solidFill>
+            <a:prstDash val="solid"/>
+            <a:round/>
+            <a:headEnd len="sm" w="sm" type="none"/>
+            <a:tailEnd len="sm" w="sm" type="none"/>
+          </a:ln>
+        </p:spPr>
+      </p:cxnSp>
+      <p:sp>
+        <p:nvSpPr>
+          <p:cNvPr id="117" name="Google Shape;117;p15"/>
+          <p:cNvSpPr/>
+          <p:nvPr/>
+        </p:nvSpPr>
+        <p:spPr>
+          <a:xfrm>
+            <a:off x="5819850" y="3004525"/>
+            <a:ext cx="2467500" cy="984600"/>
+          </a:xfrm>
+          <a:prstGeom prst="bracketPair">
+            <a:avLst/>
+          </a:prstGeom>
+          <a:noFill/>
+          <a:ln cap="flat" cmpd="sng" w="9525">
+            <a:solidFill>
+              <a:schemeClr val="dk2"/>
+            </a:solidFill>
+            <a:prstDash val="solid"/>
+            <a:round/>
+            <a:headEnd len="sm" w="sm" type="none"/>
+            <a:tailEnd len="sm" w="sm" type="none"/>
+          </a:ln>
+        </p:spPr>
+        <p:txBody>
+          <a:bodyPr anchorCtr="0" anchor="ctr" bIns="91425" lIns="91425" spcFirstLastPara="1" rIns="91425" wrap="square" tIns="91425">
+            <a:noAutofit/>
+          </a:bodyPr>
+          <a:lstStyle/>
+          <a:p>
+            <a:pPr indent="-292100" lvl="0" marL="457200" rtl="0" algn="l">
+              <a:spcBef>
+                <a:spcPts val="0"/>
+              </a:spcBef>
+              <a:spcAft>
+                <a:spcPts val="0"/>
+              </a:spcAft>
+              <a:buClr>
+                <a:schemeClr val="dk1"/>
+              </a:buClr>
+              <a:buSzPts val="1000"/>
+              <a:buChar char="●"/>
+            </a:pPr>
+            <a:r>
+              <a:rPr lang="pt-BR" sz="1000">
+                <a:solidFill>
+                  <a:schemeClr val="dk1"/>
+                </a:solidFill>
+              </a:rPr>
+              <a:t>Notifica cobrança aos alunos</a:t>
+            </a:r>
+            <a:endParaRPr sz="1000">
+              <a:solidFill>
+                <a:schemeClr val="dk1"/>
+              </a:solidFill>
+            </a:endParaRPr>
+          </a:p>
+          <a:p>
+            <a:pPr indent="-292100" lvl="0" marL="457200" rtl="0" algn="l">
+              <a:spcBef>
+                <a:spcPts val="0"/>
+              </a:spcBef>
+              <a:spcAft>
+                <a:spcPts val="0"/>
+              </a:spcAft>
+              <a:buClr>
+                <a:schemeClr val="dk1"/>
+              </a:buClr>
+              <a:buSzPts val="1000"/>
+              <a:buChar char="●"/>
+            </a:pPr>
+            <a:r>
+              <a:rPr lang="pt-BR" sz="1000">
+                <a:solidFill>
+                  <a:schemeClr val="dk1"/>
+                </a:solidFill>
+              </a:rPr>
+              <a:t>Recebe pagamentos</a:t>
+            </a:r>
+            <a:endParaRPr sz="1000">
+              <a:solidFill>
+                <a:schemeClr val="dk1"/>
+              </a:solidFill>
+            </a:endParaRPr>
+          </a:p>
+        </p:txBody>
+      </p:sp>
+      <p:sp>
+        <p:nvSpPr>
+          <p:cNvPr id="114" name="Google Shape;114;p15"/>
+          <p:cNvSpPr/>
+          <p:nvPr/>
+        </p:nvSpPr>
+        <p:spPr>
+          <a:xfrm>
+            <a:off x="4167000" y="1838800"/>
+            <a:ext cx="1145400" cy="531600"/>
+          </a:xfrm>
+          <a:prstGeom prst="roundRect">
+            <a:avLst>
+              <a:gd fmla="val 16667" name="adj"/>
+            </a:avLst>
+          </a:prstGeom>
+          <a:gradFill>
+            <a:gsLst>
+              <a:gs pos="0">
+                <a:srgbClr val="D4E5F5"/>
+              </a:gs>
+              <a:gs pos="100000">
+                <a:srgbClr val="70A4D5"/>
+              </a:gs>
+            </a:gsLst>
+            <a:path path="circle">
+              <a:fillToRect b="50%" l="50%" r="50%" t="50%"/>
+            </a:path>
+            <a:tileRect/>
+          </a:gradFill>
+          <a:ln cap="flat" cmpd="sng" w="9525">
+            <a:solidFill>
+              <a:srgbClr val="F3F3F3"/>
+            </a:solidFill>
+            <a:prstDash val="solid"/>
+            <a:round/>
+            <a:headEnd len="sm" w="sm" type="none"/>
+            <a:tailEnd len="sm" w="sm" type="none"/>
+          </a:ln>
+        </p:spPr>
+        <p:txBody>
+          <a:bodyPr anchorCtr="0" anchor="ctr" bIns="91425" lIns="91425" spcFirstLastPara="1" rIns="91425" wrap="square" tIns="91425">
+            <a:noAutofit/>
+          </a:bodyPr>
+          <a:lstStyle/>
+          <a:p>
+            <a:pPr indent="0" lvl="0" marL="0" marR="0" rtl="0" algn="ctr">
+              <a:lnSpc>
+                <a:spcPct val="100000"/>
+              </a:lnSpc>
+              <a:spcBef>
+                <a:spcPts val="0"/>
+              </a:spcBef>
+              <a:spcAft>
+                <a:spcPts val="0"/>
+              </a:spcAft>
+              <a:buClr>
+                <a:srgbClr val="000000"/>
+              </a:buClr>
+              <a:buSzPts val="1000"/>
+              <a:buFont typeface="Arial"/>
+              <a:buNone/>
+            </a:pPr>
+            <a:r>
+              <a:rPr lang="pt-BR" sz="1000"/>
+              <a:t>Financeiro</a:t>
+            </a:r>
+            <a:endParaRPr b="0" i="0" sz="1000" u="none" cap="none" strike="noStrike">
               <a:solidFill>
                 <a:srgbClr val="000000"/>
               </a:solidFill>
@@ -12017,21 +11833,21 @@
       </p:sp>
       <p:grpSp>
         <p:nvGrpSpPr>
-          <p:cNvPr id="113" name="Google Shape;113;p15"/>
+          <p:cNvPr id="118" name="Google Shape;118;p15"/>
           <p:cNvGrpSpPr/>
           <p:nvPr/>
         </p:nvGrpSpPr>
         <p:grpSpPr>
           <a:xfrm>
-            <a:off x="1359925" y="1888715"/>
-            <a:ext cx="1272300" cy="833785"/>
-            <a:chOff x="2726598" y="3424900"/>
-            <a:chExt cx="1272300" cy="833785"/>
+            <a:off x="1016500" y="1838790"/>
+            <a:ext cx="1290900" cy="833785"/>
+            <a:chOff x="2717298" y="3424900"/>
+            <a:chExt cx="1290900" cy="833785"/>
           </a:xfrm>
         </p:grpSpPr>
         <p:grpSp>
           <p:nvGrpSpPr>
-            <p:cNvPr id="114" name="Google Shape;114;p15"/>
+            <p:cNvPr id="119" name="Google Shape;119;p15"/>
             <p:cNvGrpSpPr/>
             <p:nvPr/>
           </p:nvGrpSpPr>
@@ -12045,7 +11861,7 @@
           </p:grpSpPr>
           <p:sp>
             <p:nvSpPr>
-              <p:cNvPr id="115" name="Google Shape;115;p15"/>
+              <p:cNvPr id="120" name="Google Shape;120;p15"/>
               <p:cNvSpPr/>
               <p:nvPr/>
             </p:nvSpPr>
@@ -12110,9 +11926,9 @@
           </p:sp>
           <p:cxnSp>
             <p:nvCxnSpPr>
-              <p:cNvPr id="116" name="Google Shape;116;p15"/>
+              <p:cNvPr id="121" name="Google Shape;121;p15"/>
               <p:cNvCxnSpPr>
-                <a:stCxn id="115" idx="4"/>
+                <a:stCxn id="120" idx="4"/>
               </p:cNvCxnSpPr>
               <p:nvPr/>
             </p:nvCxnSpPr>
@@ -12138,7 +11954,7 @@
           </p:cxnSp>
           <p:cxnSp>
             <p:nvCxnSpPr>
-              <p:cNvPr id="117" name="Google Shape;117;p15"/>
+              <p:cNvPr id="122" name="Google Shape;122;p15"/>
               <p:cNvCxnSpPr/>
               <p:nvPr/>
             </p:nvCxnSpPr>
@@ -12164,7 +11980,7 @@
           </p:cxnSp>
           <p:cxnSp>
             <p:nvCxnSpPr>
-              <p:cNvPr id="118" name="Google Shape;118;p15"/>
+              <p:cNvPr id="123" name="Google Shape;123;p15"/>
               <p:cNvCxnSpPr/>
               <p:nvPr/>
             </p:nvCxnSpPr>
@@ -12190,7 +12006,7 @@
           </p:cxnSp>
           <p:cxnSp>
             <p:nvCxnSpPr>
-              <p:cNvPr id="119" name="Google Shape;119;p15"/>
+              <p:cNvPr id="124" name="Google Shape;124;p15"/>
               <p:cNvCxnSpPr/>
               <p:nvPr/>
             </p:nvCxnSpPr>
@@ -12217,14 +12033,14 @@
         </p:grpSp>
         <p:sp>
           <p:nvSpPr>
-            <p:cNvPr id="120" name="Google Shape;120;p15"/>
+            <p:cNvPr id="125" name="Google Shape;125;p15"/>
             <p:cNvSpPr txBox="1"/>
             <p:nvPr/>
           </p:nvSpPr>
           <p:spPr>
             <a:xfrm>
-              <a:off x="2726598" y="3915785"/>
-              <a:ext cx="1272300" cy="342900"/>
+              <a:off x="2717298" y="3915785"/>
+              <a:ext cx="1290900" cy="342900"/>
             </a:xfrm>
             <a:prstGeom prst="rect">
               <a:avLst/>
@@ -12259,7 +12075,7 @@
               </a:pPr>
               <a:r>
                 <a:rPr b="1" lang="pt-BR" sz="1200"/>
-                <a:t>Futuro Aluno</a:t>
+                <a:t>Aluno</a:t>
               </a:r>
               <a:endParaRPr b="1" i="0" sz="1200" u="none" cap="none" strike="noStrike">
                 <a:solidFill>
@@ -12276,21 +12092,21 @@
       </p:grpSp>
       <p:cxnSp>
         <p:nvCxnSpPr>
-          <p:cNvPr id="121" name="Google Shape;121;p15"/>
+          <p:cNvPr id="126" name="Google Shape;126;p15"/>
           <p:cNvCxnSpPr>
-            <a:stCxn id="122" idx="0"/>
+            <a:stCxn id="120" idx="0"/>
             <a:endCxn id="112" idx="2"/>
           </p:cNvCxnSpPr>
           <p:nvPr/>
         </p:nvCxnSpPr>
         <p:spPr>
           <a:xfrm rot="-5400000">
-            <a:off x="3866050" y="1137850"/>
-            <a:ext cx="934800" cy="467100"/>
+            <a:off x="2734427" y="-166410"/>
+            <a:ext cx="934500" cy="3075900"/>
           </a:xfrm>
           <a:prstGeom prst="curvedConnector3">
             <a:avLst>
-              <a:gd fmla="val 47211" name="adj1"/>
+              <a:gd fmla="val 47226" name="adj1"/>
             </a:avLst>
           </a:prstGeom>
           <a:noFill/>
@@ -12305,273 +12121,6 @@
           </a:ln>
         </p:spPr>
       </p:cxnSp>
-      <p:sp>
-        <p:nvSpPr>
-          <p:cNvPr id="123" name="Google Shape;123;p15"/>
-          <p:cNvSpPr txBox="1"/>
-          <p:nvPr/>
-        </p:nvSpPr>
-        <p:spPr>
-          <a:xfrm>
-            <a:off x="130400" y="2813122"/>
-            <a:ext cx="8542500" cy="1367400"/>
-          </a:xfrm>
-          <a:prstGeom prst="rect">
-            <a:avLst/>
-          </a:prstGeom>
-          <a:noFill/>
-          <a:ln cap="flat" cmpd="sng" w="9525">
-            <a:solidFill>
-              <a:srgbClr val="FF9900"/>
-            </a:solidFill>
-            <a:prstDash val="solid"/>
-            <a:round/>
-            <a:headEnd len="sm" w="sm" type="none"/>
-            <a:tailEnd len="sm" w="sm" type="none"/>
-          </a:ln>
-        </p:spPr>
-        <p:txBody>
-          <a:bodyPr anchorCtr="0" anchor="t" bIns="91425" lIns="91425" spcFirstLastPara="1" rIns="91425" wrap="square" tIns="91425">
-            <a:noAutofit/>
-          </a:bodyPr>
-          <a:lstStyle/>
-          <a:p>
-            <a:pPr indent="0" lvl="0" marL="0" marR="0" rtl="0" algn="l">
-              <a:lnSpc>
-                <a:spcPct val="100000"/>
-              </a:lnSpc>
-              <a:spcBef>
-                <a:spcPts val="0"/>
-              </a:spcBef>
-              <a:spcAft>
-                <a:spcPts val="0"/>
-              </a:spcAft>
-              <a:buClr>
-                <a:srgbClr val="000000"/>
-              </a:buClr>
-              <a:buSzPts val="1400"/>
-              <a:buFont typeface="Arial"/>
-              <a:buNone/>
-            </a:pPr>
-            <a:r>
-              <a:rPr b="0" i="0" lang="pt-BR" sz="1400" u="none" cap="none" strike="noStrike">
-                <a:solidFill>
-                  <a:srgbClr val="000000"/>
-                </a:solidFill>
-                <a:latin typeface="Arial"/>
-                <a:ea typeface="Arial"/>
-                <a:cs typeface="Arial"/>
-                <a:sym typeface="Arial"/>
-              </a:rPr>
-              <a:t>Capacidades Operacionais</a:t>
-            </a:r>
-            <a:endParaRPr b="0" i="0" sz="1400" u="none" cap="none" strike="noStrike">
-              <a:solidFill>
-                <a:srgbClr val="000000"/>
-              </a:solidFill>
-              <a:latin typeface="Arial"/>
-              <a:ea typeface="Arial"/>
-              <a:cs typeface="Arial"/>
-              <a:sym typeface="Arial"/>
-            </a:endParaRPr>
-          </a:p>
-        </p:txBody>
-      </p:sp>
-      <p:cxnSp>
-        <p:nvCxnSpPr>
-          <p:cNvPr id="124" name="Google Shape;124;p15"/>
-          <p:cNvCxnSpPr>
-            <a:stCxn id="115" idx="0"/>
-            <a:endCxn id="112" idx="2"/>
-          </p:cNvCxnSpPr>
-          <p:nvPr/>
-        </p:nvCxnSpPr>
-        <p:spPr>
-          <a:xfrm rot="-5400000">
-            <a:off x="2790152" y="111815"/>
-            <a:ext cx="984600" cy="2569200"/>
-          </a:xfrm>
-          <a:prstGeom prst="curvedConnector3">
-            <a:avLst>
-              <a:gd fmla="val 47358" name="adj1"/>
-            </a:avLst>
-          </a:prstGeom>
-          <a:noFill/>
-          <a:ln cap="flat" cmpd="sng" w="9525">
-            <a:solidFill>
-              <a:schemeClr val="dk2"/>
-            </a:solidFill>
-            <a:prstDash val="solid"/>
-            <a:round/>
-            <a:headEnd len="sm" w="sm" type="none"/>
-            <a:tailEnd len="sm" w="sm" type="none"/>
-          </a:ln>
-        </p:spPr>
-      </p:cxnSp>
-      <p:cxnSp>
-        <p:nvCxnSpPr>
-          <p:cNvPr id="125" name="Google Shape;125;p15"/>
-          <p:cNvCxnSpPr>
-            <a:stCxn id="122" idx="2"/>
-            <a:endCxn id="126" idx="1"/>
-          </p:cNvCxnSpPr>
-          <p:nvPr/>
-        </p:nvCxnSpPr>
-        <p:spPr>
-          <a:xfrm flipH="1" rot="-5400000">
-            <a:off x="3836650" y="2633650"/>
-            <a:ext cx="1234500" cy="708000"/>
-          </a:xfrm>
-          <a:prstGeom prst="curvedConnector2">
-            <a:avLst/>
-          </a:prstGeom>
-          <a:noFill/>
-          <a:ln cap="flat" cmpd="sng" w="9525">
-            <a:solidFill>
-              <a:schemeClr val="dk2"/>
-            </a:solidFill>
-            <a:prstDash val="solid"/>
-            <a:round/>
-            <a:headEnd len="sm" w="sm" type="none"/>
-            <a:tailEnd len="sm" w="sm" type="none"/>
-          </a:ln>
-        </p:spPr>
-      </p:cxnSp>
-      <p:sp>
-        <p:nvSpPr>
-          <p:cNvPr id="126" name="Google Shape;126;p15"/>
-          <p:cNvSpPr/>
-          <p:nvPr/>
-        </p:nvSpPr>
-        <p:spPr>
-          <a:xfrm>
-            <a:off x="4807825" y="3266600"/>
-            <a:ext cx="2231100" cy="676800"/>
-          </a:xfrm>
-          <a:prstGeom prst="bracketPair">
-            <a:avLst/>
-          </a:prstGeom>
-          <a:noFill/>
-          <a:ln cap="flat" cmpd="sng" w="9525">
-            <a:solidFill>
-              <a:schemeClr val="dk2"/>
-            </a:solidFill>
-            <a:prstDash val="solid"/>
-            <a:round/>
-            <a:headEnd len="sm" w="sm" type="none"/>
-            <a:tailEnd len="sm" w="sm" type="none"/>
-          </a:ln>
-        </p:spPr>
-        <p:txBody>
-          <a:bodyPr anchorCtr="0" anchor="ctr" bIns="91425" lIns="91425" spcFirstLastPara="1" rIns="91425" wrap="square" tIns="91425">
-            <a:noAutofit/>
-          </a:bodyPr>
-          <a:lstStyle/>
-          <a:p>
-            <a:pPr indent="-292100" lvl="0" marL="457200" marR="0" rtl="0" algn="l">
-              <a:lnSpc>
-                <a:spcPct val="100000"/>
-              </a:lnSpc>
-              <a:spcBef>
-                <a:spcPts val="0"/>
-              </a:spcBef>
-              <a:spcAft>
-                <a:spcPts val="0"/>
-              </a:spcAft>
-              <a:buClr>
-                <a:srgbClr val="000000"/>
-              </a:buClr>
-              <a:buSzPts val="1000"/>
-              <a:buFont typeface="Arial"/>
-              <a:buChar char="●"/>
-            </a:pPr>
-            <a:r>
-              <a:rPr lang="pt-BR" sz="1000"/>
-              <a:t>Cobrança da taxa de cadastro e mensalidade</a:t>
-            </a:r>
-            <a:endParaRPr sz="1000"/>
-          </a:p>
-        </p:txBody>
-      </p:sp>
-      <p:sp>
-        <p:nvSpPr>
-          <p:cNvPr id="122" name="Google Shape;122;p15"/>
-          <p:cNvSpPr/>
-          <p:nvPr/>
-        </p:nvSpPr>
-        <p:spPr>
-          <a:xfrm>
-            <a:off x="3564400" y="1838800"/>
-            <a:ext cx="1071000" cy="531600"/>
-          </a:xfrm>
-          <a:prstGeom prst="roundRect">
-            <a:avLst>
-              <a:gd fmla="val 16667" name="adj"/>
-            </a:avLst>
-          </a:prstGeom>
-          <a:gradFill>
-            <a:gsLst>
-              <a:gs pos="0">
-                <a:srgbClr val="D4E5F5"/>
-              </a:gs>
-              <a:gs pos="100000">
-                <a:srgbClr val="70A4D5"/>
-              </a:gs>
-            </a:gsLst>
-            <a:path path="circle">
-              <a:fillToRect b="50%" l="50%" r="50%" t="50%"/>
-            </a:path>
-            <a:tileRect/>
-          </a:gradFill>
-          <a:ln cap="flat" cmpd="sng" w="9525">
-            <a:solidFill>
-              <a:srgbClr val="F3F3F3"/>
-            </a:solidFill>
-            <a:prstDash val="solid"/>
-            <a:round/>
-            <a:headEnd len="sm" w="sm" type="none"/>
-            <a:tailEnd len="sm" w="sm" type="none"/>
-          </a:ln>
-        </p:spPr>
-        <p:txBody>
-          <a:bodyPr anchorCtr="0" anchor="ctr" bIns="91425" lIns="91425" spcFirstLastPara="1" rIns="91425" wrap="square" tIns="91425">
-            <a:noAutofit/>
-          </a:bodyPr>
-          <a:lstStyle/>
-          <a:p>
-            <a:pPr indent="0" lvl="0" marL="0" marR="0" rtl="0" algn="ctr">
-              <a:lnSpc>
-                <a:spcPct val="100000"/>
-              </a:lnSpc>
-              <a:spcBef>
-                <a:spcPts val="0"/>
-              </a:spcBef>
-              <a:spcAft>
-                <a:spcPts val="0"/>
-              </a:spcAft>
-              <a:buClr>
-                <a:srgbClr val="000000"/>
-              </a:buClr>
-              <a:buSzPts val="1000"/>
-              <a:buFont typeface="Arial"/>
-              <a:buNone/>
-            </a:pPr>
-            <a:r>
-              <a:rPr lang="pt-BR" sz="1000"/>
-              <a:t>Financeiro</a:t>
-            </a:r>
-            <a:endParaRPr b="0" i="0" sz="1000" u="none" cap="none" strike="noStrike">
-              <a:solidFill>
-                <a:srgbClr val="000000"/>
-              </a:solidFill>
-              <a:latin typeface="Arial"/>
-              <a:ea typeface="Arial"/>
-              <a:cs typeface="Arial"/>
-              <a:sym typeface="Arial"/>
-            </a:endParaRPr>
-          </a:p>
-        </p:txBody>
-      </p:sp>
     </p:spTree>
   </p:cSld>
   <p:clrMapOvr>
@@ -12678,7 +12227,7 @@
         <p:spPr>
           <a:xfrm>
             <a:off x="3659550" y="186275"/>
-            <a:ext cx="2160300" cy="771900"/>
+            <a:ext cx="1815000" cy="771900"/>
           </a:xfrm>
           <a:prstGeom prst="wave">
             <a:avLst>
@@ -12724,308 +12273,9 @@
             </a:pPr>
             <a:r>
               <a:rPr lang="pt-BR" sz="1200"/>
-              <a:t>Pagamento</a:t>
+              <a:t>Avaliação física e treino</a:t>
             </a:r>
             <a:endParaRPr b="0" i="0" sz="1200" u="none" cap="none" strike="noStrike">
-              <a:solidFill>
-                <a:srgbClr val="000000"/>
-              </a:solidFill>
-              <a:latin typeface="Arial"/>
-              <a:ea typeface="Arial"/>
-              <a:cs typeface="Arial"/>
-              <a:sym typeface="Arial"/>
-            </a:endParaRPr>
-          </a:p>
-        </p:txBody>
-      </p:sp>
-      <p:cxnSp>
-        <p:nvCxnSpPr>
-          <p:cNvPr id="133" name="Google Shape;133;p16"/>
-          <p:cNvCxnSpPr>
-            <a:stCxn id="134" idx="0"/>
-            <a:endCxn id="132" idx="2"/>
-          </p:cNvCxnSpPr>
-          <p:nvPr/>
-        </p:nvCxnSpPr>
-        <p:spPr>
-          <a:xfrm rot="-5400000">
-            <a:off x="3971050" y="1070050"/>
-            <a:ext cx="934800" cy="602700"/>
-          </a:xfrm>
-          <a:prstGeom prst="curvedConnector3">
-            <a:avLst>
-              <a:gd fmla="val 47211" name="adj1"/>
-            </a:avLst>
-          </a:prstGeom>
-          <a:noFill/>
-          <a:ln cap="flat" cmpd="sng" w="9525">
-            <a:solidFill>
-              <a:schemeClr val="dk2"/>
-            </a:solidFill>
-            <a:prstDash val="solid"/>
-            <a:round/>
-            <a:headEnd len="sm" w="sm" type="none"/>
-            <a:tailEnd len="sm" w="sm" type="none"/>
-          </a:ln>
-        </p:spPr>
-      </p:cxnSp>
-      <p:sp>
-        <p:nvSpPr>
-          <p:cNvPr id="135" name="Google Shape;135;p16"/>
-          <p:cNvSpPr txBox="1"/>
-          <p:nvPr/>
-        </p:nvSpPr>
-        <p:spPr>
-          <a:xfrm>
-            <a:off x="130400" y="2813122"/>
-            <a:ext cx="8542500" cy="1367400"/>
-          </a:xfrm>
-          <a:prstGeom prst="rect">
-            <a:avLst/>
-          </a:prstGeom>
-          <a:noFill/>
-          <a:ln cap="flat" cmpd="sng" w="9525">
-            <a:solidFill>
-              <a:srgbClr val="FF9900"/>
-            </a:solidFill>
-            <a:prstDash val="solid"/>
-            <a:round/>
-            <a:headEnd len="sm" w="sm" type="none"/>
-            <a:tailEnd len="sm" w="sm" type="none"/>
-          </a:ln>
-        </p:spPr>
-        <p:txBody>
-          <a:bodyPr anchorCtr="0" anchor="t" bIns="91425" lIns="91425" spcFirstLastPara="1" rIns="91425" wrap="square" tIns="91425">
-            <a:noAutofit/>
-          </a:bodyPr>
-          <a:lstStyle/>
-          <a:p>
-            <a:pPr indent="0" lvl="0" marL="0" marR="0" rtl="0" algn="l">
-              <a:lnSpc>
-                <a:spcPct val="100000"/>
-              </a:lnSpc>
-              <a:spcBef>
-                <a:spcPts val="0"/>
-              </a:spcBef>
-              <a:spcAft>
-                <a:spcPts val="0"/>
-              </a:spcAft>
-              <a:buClr>
-                <a:srgbClr val="000000"/>
-              </a:buClr>
-              <a:buSzPts val="1400"/>
-              <a:buFont typeface="Arial"/>
-              <a:buNone/>
-            </a:pPr>
-            <a:r>
-              <a:rPr b="0" i="0" lang="pt-BR" sz="1400" u="none" cap="none" strike="noStrike">
-                <a:solidFill>
-                  <a:srgbClr val="000000"/>
-                </a:solidFill>
-                <a:latin typeface="Arial"/>
-                <a:ea typeface="Arial"/>
-                <a:cs typeface="Arial"/>
-                <a:sym typeface="Arial"/>
-              </a:rPr>
-              <a:t>Capacidades Operacionais</a:t>
-            </a:r>
-            <a:endParaRPr b="0" i="0" sz="1400" u="none" cap="none" strike="noStrike">
-              <a:solidFill>
-                <a:srgbClr val="000000"/>
-              </a:solidFill>
-              <a:latin typeface="Arial"/>
-              <a:ea typeface="Arial"/>
-              <a:cs typeface="Arial"/>
-              <a:sym typeface="Arial"/>
-            </a:endParaRPr>
-          </a:p>
-        </p:txBody>
-      </p:sp>
-      <p:cxnSp>
-        <p:nvCxnSpPr>
-          <p:cNvPr id="136" name="Google Shape;136;p16"/>
-          <p:cNvCxnSpPr>
-            <a:stCxn id="134" idx="2"/>
-            <a:endCxn id="137" idx="1"/>
-          </p:cNvCxnSpPr>
-          <p:nvPr/>
-        </p:nvCxnSpPr>
-        <p:spPr>
-          <a:xfrm flipH="1" rot="-5400000">
-            <a:off x="3898450" y="2609050"/>
-            <a:ext cx="1148100" cy="670800"/>
-          </a:xfrm>
-          <a:prstGeom prst="curvedConnector2">
-            <a:avLst/>
-          </a:prstGeom>
-          <a:noFill/>
-          <a:ln cap="flat" cmpd="sng" w="9525">
-            <a:solidFill>
-              <a:schemeClr val="dk2"/>
-            </a:solidFill>
-            <a:prstDash val="solid"/>
-            <a:round/>
-            <a:headEnd len="sm" w="sm" type="none"/>
-            <a:tailEnd len="sm" w="sm" type="none"/>
-          </a:ln>
-        </p:spPr>
-      </p:cxnSp>
-      <p:sp>
-        <p:nvSpPr>
-          <p:cNvPr id="137" name="Google Shape;137;p16"/>
-          <p:cNvSpPr/>
-          <p:nvPr/>
-        </p:nvSpPr>
-        <p:spPr>
-          <a:xfrm>
-            <a:off x="4807825" y="3026300"/>
-            <a:ext cx="2467500" cy="984600"/>
-          </a:xfrm>
-          <a:prstGeom prst="bracketPair">
-            <a:avLst/>
-          </a:prstGeom>
-          <a:noFill/>
-          <a:ln cap="flat" cmpd="sng" w="9525">
-            <a:solidFill>
-              <a:schemeClr val="dk2"/>
-            </a:solidFill>
-            <a:prstDash val="solid"/>
-            <a:round/>
-            <a:headEnd len="sm" w="sm" type="none"/>
-            <a:tailEnd len="sm" w="sm" type="none"/>
-          </a:ln>
-        </p:spPr>
-        <p:txBody>
-          <a:bodyPr anchorCtr="0" anchor="ctr" bIns="91425" lIns="91425" spcFirstLastPara="1" rIns="91425" wrap="square" tIns="91425">
-            <a:noAutofit/>
-          </a:bodyPr>
-          <a:lstStyle/>
-          <a:p>
-            <a:pPr indent="-292100" lvl="0" marL="457200" rtl="0" algn="l">
-              <a:spcBef>
-                <a:spcPts val="0"/>
-              </a:spcBef>
-              <a:spcAft>
-                <a:spcPts val="0"/>
-              </a:spcAft>
-              <a:buClr>
-                <a:schemeClr val="dk1"/>
-              </a:buClr>
-              <a:buSzPts val="1000"/>
-              <a:buChar char="●"/>
-            </a:pPr>
-            <a:r>
-              <a:rPr lang="pt-BR" sz="1000">
-                <a:solidFill>
-                  <a:schemeClr val="dk1"/>
-                </a:solidFill>
-              </a:rPr>
-              <a:t>Notifica cobrança de alunos</a:t>
-            </a:r>
-            <a:endParaRPr sz="1000">
-              <a:solidFill>
-                <a:schemeClr val="dk1"/>
-              </a:solidFill>
-            </a:endParaRPr>
-          </a:p>
-          <a:p>
-            <a:pPr indent="-292100" lvl="0" marL="457200" rtl="0" algn="l">
-              <a:spcBef>
-                <a:spcPts val="0"/>
-              </a:spcBef>
-              <a:spcAft>
-                <a:spcPts val="0"/>
-              </a:spcAft>
-              <a:buClr>
-                <a:schemeClr val="dk1"/>
-              </a:buClr>
-              <a:buSzPts val="1000"/>
-              <a:buChar char="●"/>
-            </a:pPr>
-            <a:r>
-              <a:rPr lang="pt-BR" sz="1000">
-                <a:solidFill>
-                  <a:schemeClr val="dk1"/>
-                </a:solidFill>
-              </a:rPr>
-              <a:t>Recebe pagamentos</a:t>
-            </a:r>
-            <a:endParaRPr sz="1000">
-              <a:solidFill>
-                <a:schemeClr val="dk1"/>
-              </a:solidFill>
-            </a:endParaRPr>
-          </a:p>
-        </p:txBody>
-      </p:sp>
-      <p:sp>
-        <p:nvSpPr>
-          <p:cNvPr id="134" name="Google Shape;134;p16"/>
-          <p:cNvSpPr/>
-          <p:nvPr/>
-        </p:nvSpPr>
-        <p:spPr>
-          <a:xfrm>
-            <a:off x="3564400" y="1838800"/>
-            <a:ext cx="1145400" cy="531600"/>
-          </a:xfrm>
-          <a:prstGeom prst="roundRect">
-            <a:avLst>
-              <a:gd fmla="val 16667" name="adj"/>
-            </a:avLst>
-          </a:prstGeom>
-          <a:gradFill>
-            <a:gsLst>
-              <a:gs pos="0">
-                <a:srgbClr val="D4E5F5"/>
-              </a:gs>
-              <a:gs pos="100000">
-                <a:srgbClr val="70A4D5"/>
-              </a:gs>
-            </a:gsLst>
-            <a:path path="circle">
-              <a:fillToRect b="50%" l="50%" r="50%" t="50%"/>
-            </a:path>
-            <a:tileRect/>
-          </a:gradFill>
-          <a:ln cap="flat" cmpd="sng" w="9525">
-            <a:solidFill>
-              <a:srgbClr val="F3F3F3"/>
-            </a:solidFill>
-            <a:prstDash val="solid"/>
-            <a:round/>
-            <a:headEnd len="sm" w="sm" type="none"/>
-            <a:tailEnd len="sm" w="sm" type="none"/>
-          </a:ln>
-        </p:spPr>
-        <p:txBody>
-          <a:bodyPr anchorCtr="0" anchor="ctr" bIns="91425" lIns="91425" spcFirstLastPara="1" rIns="91425" wrap="square" tIns="91425">
-            <a:noAutofit/>
-          </a:bodyPr>
-          <a:lstStyle/>
-          <a:p>
-            <a:pPr indent="0" lvl="0" marL="0" marR="0" rtl="0" algn="ctr">
-              <a:lnSpc>
-                <a:spcPct val="100000"/>
-              </a:lnSpc>
-              <a:spcBef>
-                <a:spcPts val="0"/>
-              </a:spcBef>
-              <a:spcAft>
-                <a:spcPts val="0"/>
-              </a:spcAft>
-              <a:buClr>
-                <a:srgbClr val="000000"/>
-              </a:buClr>
-              <a:buSzPts val="1000"/>
-              <a:buFont typeface="Arial"/>
-              <a:buNone/>
-            </a:pPr>
-            <a:r>
-              <a:rPr lang="pt-BR" sz="1000"/>
-              <a:t>Financeiro</a:t>
-            </a:r>
-            <a:endParaRPr b="0" i="0" sz="1000" u="none" cap="none" strike="noStrike">
               <a:solidFill>
                 <a:srgbClr val="000000"/>
               </a:solidFill>
@@ -13039,13 +12289,13 @@
       </p:sp>
       <p:grpSp>
         <p:nvGrpSpPr>
-          <p:cNvPr id="138" name="Google Shape;138;p16"/>
+          <p:cNvPr id="133" name="Google Shape;133;p16"/>
           <p:cNvGrpSpPr/>
           <p:nvPr/>
         </p:nvGrpSpPr>
         <p:grpSpPr>
           <a:xfrm>
-            <a:off x="1016500" y="1838790"/>
+            <a:off x="1350625" y="1888715"/>
             <a:ext cx="1290900" cy="833785"/>
             <a:chOff x="2717298" y="3424900"/>
             <a:chExt cx="1290900" cy="833785"/>
@@ -13053,7 +12303,7 @@
         </p:grpSpPr>
         <p:grpSp>
           <p:nvGrpSpPr>
-            <p:cNvPr id="139" name="Google Shape;139;p16"/>
+            <p:cNvPr id="134" name="Google Shape;134;p16"/>
             <p:cNvGrpSpPr/>
             <p:nvPr/>
           </p:nvGrpSpPr>
@@ -13067,7 +12317,7 @@
           </p:grpSpPr>
           <p:sp>
             <p:nvSpPr>
-              <p:cNvPr id="140" name="Google Shape;140;p16"/>
+              <p:cNvPr id="135" name="Google Shape;135;p16"/>
               <p:cNvSpPr/>
               <p:nvPr/>
             </p:nvSpPr>
@@ -13132,9 +12382,9 @@
           </p:sp>
           <p:cxnSp>
             <p:nvCxnSpPr>
-              <p:cNvPr id="141" name="Google Shape;141;p16"/>
+              <p:cNvPr id="136" name="Google Shape;136;p16"/>
               <p:cNvCxnSpPr>
-                <a:stCxn id="140" idx="4"/>
+                <a:stCxn id="135" idx="4"/>
               </p:cNvCxnSpPr>
               <p:nvPr/>
             </p:nvCxnSpPr>
@@ -13160,7 +12410,7 @@
           </p:cxnSp>
           <p:cxnSp>
             <p:nvCxnSpPr>
-              <p:cNvPr id="142" name="Google Shape;142;p16"/>
+              <p:cNvPr id="137" name="Google Shape;137;p16"/>
               <p:cNvCxnSpPr/>
               <p:nvPr/>
             </p:nvCxnSpPr>
@@ -13186,7 +12436,7 @@
           </p:cxnSp>
           <p:cxnSp>
             <p:nvCxnSpPr>
-              <p:cNvPr id="143" name="Google Shape;143;p16"/>
+              <p:cNvPr id="138" name="Google Shape;138;p16"/>
               <p:cNvCxnSpPr/>
               <p:nvPr/>
             </p:nvCxnSpPr>
@@ -13212,7 +12462,7 @@
           </p:cxnSp>
           <p:cxnSp>
             <p:nvCxnSpPr>
-              <p:cNvPr id="144" name="Google Shape;144;p16"/>
+              <p:cNvPr id="139" name="Google Shape;139;p16"/>
               <p:cNvCxnSpPr/>
               <p:nvPr/>
             </p:nvCxnSpPr>
@@ -13239,7 +12489,7 @@
         </p:grpSp>
         <p:sp>
           <p:nvSpPr>
-            <p:cNvPr id="145" name="Google Shape;145;p16"/>
+            <p:cNvPr id="140" name="Google Shape;140;p16"/>
             <p:cNvSpPr txBox="1"/>
             <p:nvPr/>
           </p:nvSpPr>
@@ -13298,21 +12548,21 @@
       </p:grpSp>
       <p:cxnSp>
         <p:nvCxnSpPr>
-          <p:cNvPr id="146" name="Google Shape;146;p16"/>
+          <p:cNvPr id="141" name="Google Shape;141;p16"/>
           <p:cNvCxnSpPr>
-            <a:stCxn id="140" idx="0"/>
+            <a:stCxn id="142" idx="0"/>
             <a:endCxn id="132" idx="2"/>
           </p:cNvCxnSpPr>
           <p:nvPr/>
         </p:nvCxnSpPr>
         <p:spPr>
-          <a:xfrm rot="-5400000">
-            <a:off x="2734427" y="-166410"/>
-            <a:ext cx="934500" cy="3075900"/>
+          <a:xfrm flipH="1" rot="5400000">
+            <a:off x="4089900" y="1381525"/>
+            <a:ext cx="959400" cy="4800"/>
           </a:xfrm>
           <a:prstGeom prst="curvedConnector3">
             <a:avLst>
-              <a:gd fmla="val 47226" name="adj1"/>
+              <a:gd fmla="val 47295" name="adj1"/>
             </a:avLst>
           </a:prstGeom>
           <a:noFill/>
@@ -13327,6 +12577,333 @@
           </a:ln>
         </p:spPr>
       </p:cxnSp>
+      <p:sp>
+        <p:nvSpPr>
+          <p:cNvPr id="143" name="Google Shape;143;p16"/>
+          <p:cNvSpPr txBox="1"/>
+          <p:nvPr/>
+        </p:nvSpPr>
+        <p:spPr>
+          <a:xfrm>
+            <a:off x="130400" y="2813122"/>
+            <a:ext cx="8542500" cy="1367400"/>
+          </a:xfrm>
+          <a:prstGeom prst="rect">
+            <a:avLst/>
+          </a:prstGeom>
+          <a:noFill/>
+          <a:ln cap="flat" cmpd="sng" w="9525">
+            <a:solidFill>
+              <a:srgbClr val="FF9900"/>
+            </a:solidFill>
+            <a:prstDash val="solid"/>
+            <a:round/>
+            <a:headEnd len="sm" w="sm" type="none"/>
+            <a:tailEnd len="sm" w="sm" type="none"/>
+          </a:ln>
+        </p:spPr>
+        <p:txBody>
+          <a:bodyPr anchorCtr="0" anchor="t" bIns="91425" lIns="91425" spcFirstLastPara="1" rIns="91425" wrap="square" tIns="91425">
+            <a:noAutofit/>
+          </a:bodyPr>
+          <a:lstStyle/>
+          <a:p>
+            <a:pPr indent="0" lvl="0" marL="0" marR="0" rtl="0" algn="l">
+              <a:lnSpc>
+                <a:spcPct val="100000"/>
+              </a:lnSpc>
+              <a:spcBef>
+                <a:spcPts val="0"/>
+              </a:spcBef>
+              <a:spcAft>
+                <a:spcPts val="0"/>
+              </a:spcAft>
+              <a:buClr>
+                <a:srgbClr val="000000"/>
+              </a:buClr>
+              <a:buSzPts val="1400"/>
+              <a:buFont typeface="Arial"/>
+              <a:buNone/>
+            </a:pPr>
+            <a:r>
+              <a:rPr b="0" i="0" lang="pt-BR" sz="1400" u="none" cap="none" strike="noStrike">
+                <a:solidFill>
+                  <a:srgbClr val="000000"/>
+                </a:solidFill>
+                <a:latin typeface="Arial"/>
+                <a:ea typeface="Arial"/>
+                <a:cs typeface="Arial"/>
+                <a:sym typeface="Arial"/>
+              </a:rPr>
+              <a:t>Capacidades Operacionais</a:t>
+            </a:r>
+            <a:endParaRPr b="0" i="0" sz="1400" u="none" cap="none" strike="noStrike">
+              <a:solidFill>
+                <a:srgbClr val="000000"/>
+              </a:solidFill>
+              <a:latin typeface="Arial"/>
+              <a:ea typeface="Arial"/>
+              <a:cs typeface="Arial"/>
+              <a:sym typeface="Arial"/>
+            </a:endParaRPr>
+          </a:p>
+        </p:txBody>
+      </p:sp>
+      <p:cxnSp>
+        <p:nvCxnSpPr>
+          <p:cNvPr id="144" name="Google Shape;144;p16"/>
+          <p:cNvCxnSpPr>
+            <a:stCxn id="135" idx="0"/>
+            <a:endCxn id="132" idx="2"/>
+          </p:cNvCxnSpPr>
+          <p:nvPr/>
+        </p:nvCxnSpPr>
+        <p:spPr>
+          <a:xfrm rot="-5400000">
+            <a:off x="2790152" y="111815"/>
+            <a:ext cx="984600" cy="2569200"/>
+          </a:xfrm>
+          <a:prstGeom prst="curvedConnector3">
+            <a:avLst>
+              <a:gd fmla="val 47358" name="adj1"/>
+            </a:avLst>
+          </a:prstGeom>
+          <a:noFill/>
+          <a:ln cap="flat" cmpd="sng" w="9525">
+            <a:solidFill>
+              <a:schemeClr val="dk2"/>
+            </a:solidFill>
+            <a:prstDash val="solid"/>
+            <a:round/>
+            <a:headEnd len="sm" w="sm" type="none"/>
+            <a:tailEnd len="sm" w="sm" type="none"/>
+          </a:ln>
+        </p:spPr>
+      </p:cxnSp>
+      <p:cxnSp>
+        <p:nvCxnSpPr>
+          <p:cNvPr id="145" name="Google Shape;145;p16"/>
+          <p:cNvCxnSpPr>
+            <a:stCxn id="142" idx="2"/>
+            <a:endCxn id="146" idx="1"/>
+          </p:cNvCxnSpPr>
+          <p:nvPr/>
+        </p:nvCxnSpPr>
+        <p:spPr>
+          <a:xfrm flipH="1" rot="-5400000">
+            <a:off x="4472550" y="2494675"/>
+            <a:ext cx="1101600" cy="902700"/>
+          </a:xfrm>
+          <a:prstGeom prst="curvedConnector2">
+            <a:avLst/>
+          </a:prstGeom>
+          <a:noFill/>
+          <a:ln cap="flat" cmpd="sng" w="9525">
+            <a:solidFill>
+              <a:schemeClr val="dk2"/>
+            </a:solidFill>
+            <a:prstDash val="solid"/>
+            <a:round/>
+            <a:headEnd len="sm" w="sm" type="none"/>
+            <a:tailEnd len="sm" w="sm" type="none"/>
+          </a:ln>
+        </p:spPr>
+      </p:cxnSp>
+      <p:sp>
+        <p:nvSpPr>
+          <p:cNvPr id="146" name="Google Shape;146;p16"/>
+          <p:cNvSpPr/>
+          <p:nvPr/>
+        </p:nvSpPr>
+        <p:spPr>
+          <a:xfrm>
+            <a:off x="5474550" y="3004525"/>
+            <a:ext cx="2467500" cy="984600"/>
+          </a:xfrm>
+          <a:prstGeom prst="bracketPair">
+            <a:avLst/>
+          </a:prstGeom>
+          <a:noFill/>
+          <a:ln cap="flat" cmpd="sng" w="9525">
+            <a:solidFill>
+              <a:schemeClr val="dk2"/>
+            </a:solidFill>
+            <a:prstDash val="solid"/>
+            <a:round/>
+            <a:headEnd len="sm" w="sm" type="none"/>
+            <a:tailEnd len="sm" w="sm" type="none"/>
+          </a:ln>
+        </p:spPr>
+        <p:txBody>
+          <a:bodyPr anchorCtr="0" anchor="ctr" bIns="91425" lIns="91425" spcFirstLastPara="1" rIns="91425" wrap="square" tIns="91425">
+            <a:noAutofit/>
+          </a:bodyPr>
+          <a:lstStyle/>
+          <a:p>
+            <a:pPr indent="-292100" lvl="0" marL="457200" rtl="0" algn="l">
+              <a:spcBef>
+                <a:spcPts val="0"/>
+              </a:spcBef>
+              <a:spcAft>
+                <a:spcPts val="0"/>
+              </a:spcAft>
+              <a:buClr>
+                <a:schemeClr val="dk1"/>
+              </a:buClr>
+              <a:buSzPts val="1000"/>
+              <a:buChar char="●"/>
+            </a:pPr>
+            <a:r>
+              <a:rPr lang="pt-BR" sz="1000">
+                <a:solidFill>
+                  <a:schemeClr val="dk1"/>
+                </a:solidFill>
+              </a:rPr>
+              <a:t>Preparação de treinos</a:t>
+            </a:r>
+            <a:endParaRPr sz="1000">
+              <a:solidFill>
+                <a:schemeClr val="dk1"/>
+              </a:solidFill>
+            </a:endParaRPr>
+          </a:p>
+          <a:p>
+            <a:pPr indent="-292100" lvl="0" marL="457200" rtl="0" algn="l">
+              <a:spcBef>
+                <a:spcPts val="0"/>
+              </a:spcBef>
+              <a:spcAft>
+                <a:spcPts val="0"/>
+              </a:spcAft>
+              <a:buClr>
+                <a:schemeClr val="dk1"/>
+              </a:buClr>
+              <a:buSzPts val="1000"/>
+              <a:buChar char="●"/>
+            </a:pPr>
+            <a:r>
+              <a:rPr lang="pt-BR" sz="1000">
+                <a:solidFill>
+                  <a:schemeClr val="dk1"/>
+                </a:solidFill>
+              </a:rPr>
+              <a:t>Realizar avaliação física</a:t>
+            </a:r>
+            <a:endParaRPr sz="1000">
+              <a:solidFill>
+                <a:schemeClr val="dk1"/>
+              </a:solidFill>
+            </a:endParaRPr>
+          </a:p>
+          <a:p>
+            <a:pPr indent="-292100" lvl="0" marL="457200" rtl="0" algn="l">
+              <a:spcBef>
+                <a:spcPts val="0"/>
+              </a:spcBef>
+              <a:spcAft>
+                <a:spcPts val="0"/>
+              </a:spcAft>
+              <a:buClr>
+                <a:schemeClr val="dk1"/>
+              </a:buClr>
+              <a:buSzPts val="1000"/>
+              <a:buChar char="●"/>
+            </a:pPr>
+            <a:r>
+              <a:rPr lang="pt-BR" sz="1000">
+                <a:solidFill>
+                  <a:schemeClr val="dk1"/>
+                </a:solidFill>
+              </a:rPr>
+              <a:t>Acompanhamento de alunos</a:t>
+            </a:r>
+            <a:endParaRPr sz="1000">
+              <a:solidFill>
+                <a:schemeClr val="dk1"/>
+              </a:solidFill>
+            </a:endParaRPr>
+          </a:p>
+        </p:txBody>
+      </p:sp>
+      <p:sp>
+        <p:nvSpPr>
+          <p:cNvPr id="142" name="Google Shape;142;p16"/>
+          <p:cNvSpPr/>
+          <p:nvPr/>
+        </p:nvSpPr>
+        <p:spPr>
+          <a:xfrm>
+            <a:off x="3999300" y="1863625"/>
+            <a:ext cx="1145400" cy="531600"/>
+          </a:xfrm>
+          <a:prstGeom prst="roundRect">
+            <a:avLst>
+              <a:gd fmla="val 16667" name="adj"/>
+            </a:avLst>
+          </a:prstGeom>
+          <a:gradFill>
+            <a:gsLst>
+              <a:gs pos="0">
+                <a:srgbClr val="D4E5F5"/>
+              </a:gs>
+              <a:gs pos="100000">
+                <a:srgbClr val="70A4D5"/>
+              </a:gs>
+            </a:gsLst>
+            <a:path path="circle">
+              <a:fillToRect b="50%" l="50%" r="50%" t="50%"/>
+            </a:path>
+            <a:tileRect/>
+          </a:gradFill>
+          <a:ln cap="flat" cmpd="sng" w="9525">
+            <a:solidFill>
+              <a:srgbClr val="F3F3F3"/>
+            </a:solidFill>
+            <a:prstDash val="solid"/>
+            <a:round/>
+            <a:headEnd len="sm" w="sm" type="none"/>
+            <a:tailEnd len="sm" w="sm" type="none"/>
+          </a:ln>
+        </p:spPr>
+        <p:txBody>
+          <a:bodyPr anchorCtr="0" anchor="ctr" bIns="91425" lIns="91425" spcFirstLastPara="1" rIns="91425" wrap="square" tIns="91425">
+            <a:noAutofit/>
+          </a:bodyPr>
+          <a:lstStyle/>
+          <a:p>
+            <a:pPr indent="0" lvl="0" marL="0" marR="0" rtl="0" algn="ctr">
+              <a:lnSpc>
+                <a:spcPct val="100000"/>
+              </a:lnSpc>
+              <a:spcBef>
+                <a:spcPts val="0"/>
+              </a:spcBef>
+              <a:spcAft>
+                <a:spcPts val="0"/>
+              </a:spcAft>
+              <a:buClr>
+                <a:srgbClr val="000000"/>
+              </a:buClr>
+              <a:buSzPts val="1000"/>
+              <a:buFont typeface="Arial"/>
+              <a:buNone/>
+            </a:pPr>
+            <a:r>
+              <a:rPr lang="pt-BR" sz="1000"/>
+              <a:t>Professor</a:t>
+            </a:r>
+            <a:endParaRPr b="0" i="0" sz="1000" u="none" cap="none" strike="noStrike">
+              <a:solidFill>
+                <a:srgbClr val="000000"/>
+              </a:solidFill>
+              <a:latin typeface="Arial"/>
+              <a:ea typeface="Arial"/>
+              <a:cs typeface="Arial"/>
+              <a:sym typeface="Arial"/>
+            </a:endParaRPr>
+          </a:p>
+        </p:txBody>
+      </p:sp>
     </p:spTree>
   </p:cSld>
   <p:clrMapOvr>
@@ -13478,8 +13055,24 @@
               <a:buChar char="❖"/>
             </a:pPr>
             <a:r>
-              <a:rPr lang="pt-BR" sz="1200"/>
-              <a:t>Avaliação física</a:t>
+              <a:rPr lang="pt-BR" sz="1000">
+                <a:solidFill>
+                  <a:schemeClr val="dk1"/>
+                </a:solidFill>
+              </a:rPr>
+              <a:t>Fazer rem</a:t>
+            </a:r>
+            <a:r>
+              <a:rPr b="0" i="0" lang="pt-BR" sz="1000" u="none" cap="none" strike="noStrike">
+                <a:solidFill>
+                  <a:schemeClr val="dk1"/>
+                </a:solidFill>
+                <a:latin typeface="Arial"/>
+                <a:ea typeface="Arial"/>
+                <a:cs typeface="Arial"/>
+                <a:sym typeface="Arial"/>
+              </a:rPr>
+              <a:t>atrícula</a:t>
             </a:r>
             <a:endParaRPr b="0" i="0" sz="1200" u="none" cap="none" strike="noStrike">
               <a:solidFill>
@@ -13501,10 +13094,10 @@
         </p:nvGrpSpPr>
         <p:grpSpPr>
           <a:xfrm>
-            <a:off x="1350625" y="1888715"/>
-            <a:ext cx="1290900" cy="833785"/>
-            <a:chOff x="2717298" y="3424900"/>
-            <a:chExt cx="1290900" cy="833785"/>
+            <a:off x="1359925" y="1888715"/>
+            <a:ext cx="1272300" cy="833785"/>
+            <a:chOff x="2726598" y="3424900"/>
+            <a:chExt cx="1272300" cy="833785"/>
           </a:xfrm>
         </p:grpSpPr>
         <p:grpSp>
@@ -13701,8 +13294,8 @@
           </p:nvSpPr>
           <p:spPr>
             <a:xfrm>
-              <a:off x="2717298" y="3915785"/>
-              <a:ext cx="1290900" cy="342900"/>
+              <a:off x="2726598" y="3915785"/>
+              <a:ext cx="1272300" cy="342900"/>
             </a:xfrm>
             <a:prstGeom prst="rect">
               <a:avLst/>
@@ -13737,7 +13330,7 @@
               </a:pPr>
               <a:r>
                 <a:rPr b="1" lang="pt-BR" sz="1200"/>
-                <a:t>Aluno</a:t>
+                <a:t>Ex Aluno</a:t>
               </a:r>
               <a:endParaRPr b="1" i="0" sz="1200" u="none" cap="none" strike="noStrike">
                 <a:solidFill>
@@ -13762,13 +13355,13 @@
           <p:nvPr/>
         </p:nvCxnSpPr>
         <p:spPr>
-          <a:xfrm rot="-5400000">
-            <a:off x="3884650" y="1156450"/>
-            <a:ext cx="934800" cy="429900"/>
+          <a:xfrm flipH="1" rot="5400000">
+            <a:off x="4089900" y="1381525"/>
+            <a:ext cx="959400" cy="4800"/>
           </a:xfrm>
           <a:prstGeom prst="curvedConnector3">
             <a:avLst>
-              <a:gd fmla="val 47211" name="adj1"/>
+              <a:gd fmla="val 47295" name="adj1"/>
             </a:avLst>
           </a:prstGeom>
           <a:noFill/>
@@ -13897,8 +13490,8 @@
         </p:nvCxnSpPr>
         <p:spPr>
           <a:xfrm flipH="1" rot="-5400000">
-            <a:off x="3898450" y="2609050"/>
-            <a:ext cx="1148100" cy="670800"/>
+            <a:off x="4683600" y="2283625"/>
+            <a:ext cx="1101600" cy="1324800"/>
           </a:xfrm>
           <a:prstGeom prst="curvedConnector2">
             <a:avLst/>
@@ -13923,8 +13516,8 @@
         </p:nvSpPr>
         <p:spPr>
           <a:xfrm>
-            <a:off x="4807825" y="3026300"/>
-            <a:ext cx="2467500" cy="984600"/>
+            <a:off x="5896875" y="3029425"/>
+            <a:ext cx="2231100" cy="934800"/>
           </a:xfrm>
           <a:prstGeom prst="bracketPair">
             <a:avLst/>
@@ -13965,7 +13558,7 @@
                   <a:schemeClr val="dk1"/>
                 </a:solidFill>
               </a:rPr>
-              <a:t>Preparação de treinos</a:t>
+              <a:t>Validar dados cadastrais </a:t>
             </a:r>
             <a:endParaRPr sz="1000">
               <a:solidFill>
@@ -13993,7 +13586,7 @@
                   <a:schemeClr val="dk1"/>
                 </a:solidFill>
               </a:rPr>
-              <a:t>Realizar avaliação física</a:t>
+              <a:t>Reativar matrícula do ex aluno</a:t>
             </a:r>
             <a:endParaRPr sz="1000">
               <a:solidFill>
@@ -14021,7 +13614,7 @@
                   <a:schemeClr val="dk1"/>
                 </a:solidFill>
               </a:rPr>
-              <a:t>Acompanhamento de alunos</a:t>
+              <a:t>Efetua cobrança da mensalidade</a:t>
             </a:r>
             <a:endParaRPr sz="1000">
               <a:solidFill>
@@ -14039,734 +13632,7 @@
         </p:nvSpPr>
         <p:spPr>
           <a:xfrm>
-            <a:off x="3564400" y="1838800"/>
-            <a:ext cx="1145400" cy="531600"/>
-          </a:xfrm>
-          <a:prstGeom prst="roundRect">
-            <a:avLst>
-              <a:gd fmla="val 16667" name="adj"/>
-            </a:avLst>
-          </a:prstGeom>
-          <a:gradFill>
-            <a:gsLst>
-              <a:gs pos="0">
-                <a:srgbClr val="D4E5F5"/>
-              </a:gs>
-              <a:gs pos="100000">
-                <a:srgbClr val="70A4D5"/>
-              </a:gs>
-            </a:gsLst>
-            <a:path path="circle">
-              <a:fillToRect b="50%" l="50%" r="50%" t="50%"/>
-            </a:path>
-            <a:tileRect/>
-          </a:gradFill>
-          <a:ln cap="flat" cmpd="sng" w="9525">
-            <a:solidFill>
-              <a:srgbClr val="F3F3F3"/>
-            </a:solidFill>
-            <a:prstDash val="solid"/>
-            <a:round/>
-            <a:headEnd len="sm" w="sm" type="none"/>
-            <a:tailEnd len="sm" w="sm" type="none"/>
-          </a:ln>
-        </p:spPr>
-        <p:txBody>
-          <a:bodyPr anchorCtr="0" anchor="ctr" bIns="91425" lIns="91425" spcFirstLastPara="1" rIns="91425" wrap="square" tIns="91425">
-            <a:noAutofit/>
-          </a:bodyPr>
-          <a:lstStyle/>
-          <a:p>
-            <a:pPr indent="0" lvl="0" marL="0" marR="0" rtl="0" algn="ctr">
-              <a:lnSpc>
-                <a:spcPct val="100000"/>
-              </a:lnSpc>
-              <a:spcBef>
-                <a:spcPts val="0"/>
-              </a:spcBef>
-              <a:spcAft>
-                <a:spcPts val="0"/>
-              </a:spcAft>
-              <a:buClr>
-                <a:srgbClr val="000000"/>
-              </a:buClr>
-              <a:buSzPts val="1000"/>
-              <a:buFont typeface="Arial"/>
-              <a:buNone/>
-            </a:pPr>
-            <a:r>
-              <a:rPr lang="pt-BR" sz="1000"/>
-              <a:t>Professor</a:t>
-            </a:r>
-            <a:endParaRPr b="0" i="0" sz="1000" u="none" cap="none" strike="noStrike">
-              <a:solidFill>
-                <a:srgbClr val="000000"/>
-              </a:solidFill>
-              <a:latin typeface="Arial"/>
-              <a:ea typeface="Arial"/>
-              <a:cs typeface="Arial"/>
-              <a:sym typeface="Arial"/>
-            </a:endParaRPr>
-          </a:p>
-        </p:txBody>
-      </p:sp>
-    </p:spTree>
-  </p:cSld>
-  <p:clrMapOvr>
-    <a:masterClrMapping/>
-  </p:clrMapOvr>
-</p:sld>
-</file>
-
-<file path=ppt/slides/slide6.xml><?xml version="1.0" encoding="utf-8"?>
-<p:sld xmlns:a="http://schemas.openxmlformats.org/drawingml/2006/main" xmlns:r="http://schemas.openxmlformats.org/officeDocument/2006/relationships" xmlns:mc="http://schemas.openxmlformats.org/markup-compatibility/2006" xmlns:mv="urn:schemas-microsoft-com:mac:vml" xmlns:p="http://schemas.openxmlformats.org/presentationml/2006/main" xmlns:c="http://schemas.openxmlformats.org/drawingml/2006/chart" xmlns:dgm="http://schemas.openxmlformats.org/drawingml/2006/diagram" xmlns:o="urn:schemas-microsoft-com:office:office" xmlns:v="urn:schemas-microsoft-com:vml" xmlns:pvml="urn:schemas-microsoft-com:office:powerpoint" xmlns:com="http://schemas.openxmlformats.org/drawingml/2006/compatibility" xmlns:p14="http://schemas.microsoft.com/office/powerpoint/2010/main" xmlns:p15="http://schemas.microsoft.com/office/powerpoint/2012/main">
-  <p:cSld>
-    <p:spTree>
-      <p:nvGrpSpPr>
-        <p:cNvPr id="170" name="Shape 170"/>
-        <p:cNvGrpSpPr/>
-        <p:nvPr/>
-      </p:nvGrpSpPr>
-      <p:grpSpPr>
-        <a:xfrm>
-          <a:off x="0" y="0"/>
-          <a:ext cx="0" cy="0"/>
-          <a:chOff x="0" y="0"/>
-          <a:chExt cx="0" cy="0"/>
-        </a:xfrm>
-      </p:grpSpPr>
-      <p:sp>
-        <p:nvSpPr>
-          <p:cNvPr id="171" name="Google Shape;171;p18"/>
-          <p:cNvSpPr txBox="1"/>
-          <p:nvPr/>
-        </p:nvSpPr>
-        <p:spPr>
-          <a:xfrm>
-            <a:off x="130400" y="1445725"/>
-            <a:ext cx="8542500" cy="1367400"/>
-          </a:xfrm>
-          <a:prstGeom prst="rect">
-            <a:avLst/>
-          </a:prstGeom>
-          <a:noFill/>
-          <a:ln cap="flat" cmpd="sng" w="9525">
-            <a:solidFill>
-              <a:srgbClr val="FF9900"/>
-            </a:solidFill>
-            <a:prstDash val="solid"/>
-            <a:round/>
-            <a:headEnd len="sm" w="sm" type="none"/>
-            <a:tailEnd len="sm" w="sm" type="none"/>
-          </a:ln>
-        </p:spPr>
-        <p:txBody>
-          <a:bodyPr anchorCtr="0" anchor="t" bIns="91425" lIns="91425" spcFirstLastPara="1" rIns="91425" wrap="square" tIns="91425">
-            <a:noAutofit/>
-          </a:bodyPr>
-          <a:lstStyle/>
-          <a:p>
-            <a:pPr indent="0" lvl="0" marL="0" marR="0" rtl="0" algn="l">
-              <a:lnSpc>
-                <a:spcPct val="100000"/>
-              </a:lnSpc>
-              <a:spcBef>
-                <a:spcPts val="0"/>
-              </a:spcBef>
-              <a:spcAft>
-                <a:spcPts val="0"/>
-              </a:spcAft>
-              <a:buClr>
-                <a:srgbClr val="000000"/>
-              </a:buClr>
-              <a:buSzPts val="1400"/>
-              <a:buFont typeface="Arial"/>
-              <a:buNone/>
-            </a:pPr>
-            <a:r>
-              <a:rPr b="0" i="0" lang="pt-BR" sz="1400" u="none" cap="none" strike="noStrike">
-                <a:solidFill>
-                  <a:srgbClr val="000000"/>
-                </a:solidFill>
-                <a:latin typeface="Arial"/>
-                <a:ea typeface="Arial"/>
-                <a:cs typeface="Arial"/>
-                <a:sym typeface="Arial"/>
-              </a:rPr>
-              <a:t>Nós Operacionais</a:t>
-            </a:r>
-            <a:endParaRPr b="0" i="0" sz="1400" u="none" cap="none" strike="noStrike">
-              <a:solidFill>
-                <a:srgbClr val="000000"/>
-              </a:solidFill>
-              <a:latin typeface="Arial"/>
-              <a:ea typeface="Arial"/>
-              <a:cs typeface="Arial"/>
-              <a:sym typeface="Arial"/>
-            </a:endParaRPr>
-          </a:p>
-        </p:txBody>
-      </p:sp>
-      <p:sp>
-        <p:nvSpPr>
-          <p:cNvPr id="172" name="Google Shape;172;p18"/>
-          <p:cNvSpPr/>
-          <p:nvPr/>
-        </p:nvSpPr>
-        <p:spPr>
-          <a:xfrm>
-            <a:off x="3659550" y="186275"/>
-            <a:ext cx="1815000" cy="771900"/>
-          </a:xfrm>
-          <a:prstGeom prst="wave">
-            <a:avLst>
-              <a:gd fmla="val 6999" name="adj1"/>
-              <a:gd fmla="val 0" name="adj2"/>
-            </a:avLst>
-          </a:prstGeom>
-          <a:solidFill>
-            <a:srgbClr val="F4CCCC"/>
-          </a:solidFill>
-          <a:ln cap="flat" cmpd="sng" w="9525">
-            <a:solidFill>
-              <a:srgbClr val="FFFFFF"/>
-            </a:solidFill>
-            <a:prstDash val="solid"/>
-            <a:round/>
-            <a:headEnd len="sm" w="sm" type="none"/>
-            <a:tailEnd len="sm" w="sm" type="none"/>
-          </a:ln>
-        </p:spPr>
-        <p:txBody>
-          <a:bodyPr anchorCtr="0" anchor="ctr" bIns="91425" lIns="91425" spcFirstLastPara="1" rIns="91425" wrap="square" tIns="91425">
-            <a:noAutofit/>
-          </a:bodyPr>
-          <a:lstStyle/>
-          <a:p>
-            <a:pPr indent="-292100" lvl="0" marL="457200" marR="0" rtl="0" algn="l">
-              <a:lnSpc>
-                <a:spcPct val="100000"/>
-              </a:lnSpc>
-              <a:spcBef>
-                <a:spcPts val="0"/>
-              </a:spcBef>
-              <a:spcAft>
-                <a:spcPts val="0"/>
-              </a:spcAft>
-              <a:buClr>
-                <a:schemeClr val="dk1"/>
-              </a:buClr>
-              <a:buSzPts val="1000"/>
-              <a:buFont typeface="Arial"/>
-              <a:buChar char="❖"/>
-            </a:pPr>
-            <a:r>
-              <a:rPr lang="pt-BR" sz="1000">
-                <a:solidFill>
-                  <a:schemeClr val="dk1"/>
-                </a:solidFill>
-              </a:rPr>
-              <a:t>Controle de acesso</a:t>
-            </a:r>
-            <a:endParaRPr b="0" i="0" sz="1200" u="none" cap="none" strike="noStrike">
-              <a:solidFill>
-                <a:srgbClr val="000000"/>
-              </a:solidFill>
-              <a:latin typeface="Arial"/>
-              <a:ea typeface="Arial"/>
-              <a:cs typeface="Arial"/>
-              <a:sym typeface="Arial"/>
-            </a:endParaRPr>
-          </a:p>
-        </p:txBody>
-      </p:sp>
-      <p:grpSp>
-        <p:nvGrpSpPr>
-          <p:cNvPr id="173" name="Google Shape;173;p18"/>
-          <p:cNvGrpSpPr/>
-          <p:nvPr/>
-        </p:nvGrpSpPr>
-        <p:grpSpPr>
-          <a:xfrm>
-            <a:off x="1359925" y="1888715"/>
-            <a:ext cx="1272300" cy="833785"/>
-            <a:chOff x="2726598" y="3424900"/>
-            <a:chExt cx="1272300" cy="833785"/>
-          </a:xfrm>
-        </p:grpSpPr>
-        <p:grpSp>
-          <p:nvGrpSpPr>
-            <p:cNvPr id="174" name="Google Shape;174;p18"/>
-            <p:cNvGrpSpPr/>
-            <p:nvPr/>
-          </p:nvGrpSpPr>
-          <p:grpSpPr>
-            <a:xfrm>
-              <a:off x="3206356" y="3424900"/>
-              <a:ext cx="308885" cy="587736"/>
-              <a:chOff x="1499725" y="1450825"/>
-              <a:chExt cx="497400" cy="843600"/>
-            </a:xfrm>
-          </p:grpSpPr>
-          <p:sp>
-            <p:nvSpPr>
-              <p:cNvPr id="175" name="Google Shape;175;p18"/>
-              <p:cNvSpPr/>
-              <p:nvPr/>
-            </p:nvSpPr>
-            <p:spPr>
-              <a:xfrm>
-                <a:off x="1597825" y="1450825"/>
-                <a:ext cx="313200" cy="281400"/>
-              </a:xfrm>
-              <a:prstGeom prst="flowChartConnector">
-                <a:avLst/>
-              </a:prstGeom>
-              <a:solidFill>
-                <a:srgbClr val="EEEEEE"/>
-              </a:solidFill>
-              <a:ln cap="flat" cmpd="sng" w="9525">
-                <a:solidFill>
-                  <a:srgbClr val="595959"/>
-                </a:solidFill>
-                <a:prstDash val="solid"/>
-                <a:round/>
-                <a:headEnd len="sm" w="sm" type="none"/>
-                <a:tailEnd len="sm" w="sm" type="none"/>
-              </a:ln>
-            </p:spPr>
-            <p:txBody>
-              <a:bodyPr anchorCtr="0" anchor="ctr" bIns="91425" lIns="91425" spcFirstLastPara="1" rIns="91425" wrap="square" tIns="91425">
-                <a:noAutofit/>
-              </a:bodyPr>
-              <a:lstStyle/>
-              <a:p>
-                <a:pPr indent="0" lvl="0" marL="0" marR="0" rtl="0" algn="l">
-                  <a:lnSpc>
-                    <a:spcPct val="100000"/>
-                  </a:lnSpc>
-                  <a:spcBef>
-                    <a:spcPts val="0"/>
-                  </a:spcBef>
-                  <a:spcAft>
-                    <a:spcPts val="0"/>
-                  </a:spcAft>
-                  <a:buClr>
-                    <a:srgbClr val="000000"/>
-                  </a:buClr>
-                  <a:buSzPts val="1400"/>
-                  <a:buFont typeface="Arial"/>
-                  <a:buNone/>
-                </a:pPr>
-                <a:r>
-                  <a:t/>
-                </a:r>
-                <a:endParaRPr b="0" i="0" sz="1400" u="none" cap="none" strike="noStrike">
-                  <a:solidFill>
-                    <a:srgbClr val="000000"/>
-                  </a:solidFill>
-                  <a:latin typeface="Arial"/>
-                  <a:ea typeface="Arial"/>
-                  <a:cs typeface="Arial"/>
-                  <a:sym typeface="Arial"/>
-                </a:endParaRPr>
-              </a:p>
-            </p:txBody>
-          </p:sp>
-          <p:cxnSp>
-            <p:nvCxnSpPr>
-              <p:cNvPr id="176" name="Google Shape;176;p18"/>
-              <p:cNvCxnSpPr>
-                <a:stCxn id="175" idx="4"/>
-              </p:cNvCxnSpPr>
-              <p:nvPr/>
-            </p:nvCxnSpPr>
-            <p:spPr>
-              <a:xfrm flipH="1">
-                <a:off x="1748725" y="1732225"/>
-                <a:ext cx="5700" cy="293100"/>
-              </a:xfrm>
-              <a:prstGeom prst="straightConnector1">
-                <a:avLst/>
-              </a:prstGeom>
-              <a:noFill/>
-              <a:ln cap="flat" cmpd="sng" w="9525">
-                <a:solidFill>
-                  <a:srgbClr val="595959"/>
-                </a:solidFill>
-                <a:prstDash val="solid"/>
-                <a:round/>
-                <a:headEnd len="sm" w="sm" type="none"/>
-                <a:tailEnd len="sm" w="sm" type="none"/>
-              </a:ln>
-            </p:spPr>
-          </p:cxnSp>
-          <p:cxnSp>
-            <p:nvCxnSpPr>
-              <p:cNvPr id="177" name="Google Shape;177;p18"/>
-              <p:cNvCxnSpPr/>
-              <p:nvPr/>
-            </p:nvCxnSpPr>
-            <p:spPr>
-              <a:xfrm>
-                <a:off x="1527475" y="1858775"/>
-                <a:ext cx="453900" cy="1800"/>
-              </a:xfrm>
-              <a:prstGeom prst="straightConnector1">
-                <a:avLst/>
-              </a:prstGeom>
-              <a:noFill/>
-              <a:ln cap="flat" cmpd="sng" w="9525">
-                <a:solidFill>
-                  <a:srgbClr val="595959"/>
-                </a:solidFill>
-                <a:prstDash val="solid"/>
-                <a:round/>
-                <a:headEnd len="sm" w="sm" type="none"/>
-                <a:tailEnd len="sm" w="sm" type="none"/>
-              </a:ln>
-            </p:spPr>
-          </p:cxnSp>
-          <p:cxnSp>
-            <p:nvCxnSpPr>
-              <p:cNvPr id="178" name="Google Shape;178;p18"/>
-              <p:cNvCxnSpPr/>
-              <p:nvPr/>
-            </p:nvCxnSpPr>
-            <p:spPr>
-              <a:xfrm flipH="1">
-                <a:off x="1499725" y="2022925"/>
-                <a:ext cx="248700" cy="271500"/>
-              </a:xfrm>
-              <a:prstGeom prst="straightConnector1">
-                <a:avLst/>
-              </a:prstGeom>
-              <a:noFill/>
-              <a:ln cap="flat" cmpd="sng" w="9525">
-                <a:solidFill>
-                  <a:srgbClr val="595959"/>
-                </a:solidFill>
-                <a:prstDash val="solid"/>
-                <a:round/>
-                <a:headEnd len="sm" w="sm" type="none"/>
-                <a:tailEnd len="sm" w="sm" type="none"/>
-              </a:ln>
-            </p:spPr>
-          </p:cxnSp>
-          <p:cxnSp>
-            <p:nvCxnSpPr>
-              <p:cNvPr id="179" name="Google Shape;179;p18"/>
-              <p:cNvCxnSpPr/>
-              <p:nvPr/>
-            </p:nvCxnSpPr>
-            <p:spPr>
-              <a:xfrm rot="10800000">
-                <a:off x="1748425" y="2022925"/>
-                <a:ext cx="248700" cy="271500"/>
-              </a:xfrm>
-              <a:prstGeom prst="straightConnector1">
-                <a:avLst/>
-              </a:prstGeom>
-              <a:noFill/>
-              <a:ln cap="flat" cmpd="sng" w="9525">
-                <a:solidFill>
-                  <a:srgbClr val="595959"/>
-                </a:solidFill>
-                <a:prstDash val="solid"/>
-                <a:round/>
-                <a:headEnd len="sm" w="sm" type="none"/>
-                <a:tailEnd len="sm" w="sm" type="none"/>
-              </a:ln>
-            </p:spPr>
-          </p:cxnSp>
-        </p:grpSp>
-        <p:sp>
-          <p:nvSpPr>
-            <p:cNvPr id="180" name="Google Shape;180;p18"/>
-            <p:cNvSpPr txBox="1"/>
-            <p:nvPr/>
-          </p:nvSpPr>
-          <p:spPr>
-            <a:xfrm>
-              <a:off x="2726598" y="3915785"/>
-              <a:ext cx="1272300" cy="342900"/>
-            </a:xfrm>
-            <a:prstGeom prst="rect">
-              <a:avLst/>
-            </a:prstGeom>
-            <a:noFill/>
-            <a:ln>
-              <a:noFill/>
-            </a:ln>
-          </p:spPr>
-          <p:txBody>
-            <a:bodyPr anchorCtr="0" anchor="t" bIns="91425" lIns="91425" spcFirstLastPara="1" rIns="91425" wrap="square" tIns="91425">
-              <a:noAutofit/>
-            </a:bodyPr>
-            <a:lstStyle/>
-            <a:p>
-              <a:pPr indent="0" lvl="0" marL="0" marR="0" rtl="0" algn="ctr">
-                <a:lnSpc>
-                  <a:spcPct val="100000"/>
-                </a:lnSpc>
-                <a:spcBef>
-                  <a:spcPts val="0"/>
-                </a:spcBef>
-                <a:spcAft>
-                  <a:spcPts val="0"/>
-                </a:spcAft>
-                <a:buClr>
-                  <a:srgbClr val="000000"/>
-                </a:buClr>
-                <a:buSzPts val="1200"/>
-                <a:buFont typeface="Arial"/>
-                <a:buNone/>
-              </a:pPr>
-              <a:r>
-                <a:rPr b="1" lang="pt-BR" sz="1200"/>
-                <a:t>Aluno</a:t>
-              </a:r>
-              <a:endParaRPr b="1" i="0" sz="1200" u="none" cap="none" strike="noStrike">
-                <a:solidFill>
-                  <a:srgbClr val="000000"/>
-                </a:solidFill>
-                <a:latin typeface="Arial"/>
-                <a:ea typeface="Arial"/>
-                <a:cs typeface="Arial"/>
-                <a:sym typeface="Arial"/>
-              </a:endParaRPr>
-            </a:p>
-          </p:txBody>
-        </p:sp>
-      </p:grpSp>
-      <p:cxnSp>
-        <p:nvCxnSpPr>
-          <p:cNvPr id="181" name="Google Shape;181;p18"/>
-          <p:cNvCxnSpPr>
-            <a:stCxn id="182" idx="0"/>
-            <a:endCxn id="172" idx="2"/>
-          </p:cNvCxnSpPr>
-          <p:nvPr/>
-        </p:nvCxnSpPr>
-        <p:spPr>
-          <a:xfrm rot="-5400000">
-            <a:off x="3866050" y="1137850"/>
-            <a:ext cx="934800" cy="467100"/>
-          </a:xfrm>
-          <a:prstGeom prst="curvedConnector3">
-            <a:avLst>
-              <a:gd fmla="val 47211" name="adj1"/>
-            </a:avLst>
-          </a:prstGeom>
-          <a:noFill/>
-          <a:ln cap="flat" cmpd="sng" w="9525">
-            <a:solidFill>
-              <a:schemeClr val="dk2"/>
-            </a:solidFill>
-            <a:prstDash val="solid"/>
-            <a:round/>
-            <a:headEnd len="sm" w="sm" type="none"/>
-            <a:tailEnd len="sm" w="sm" type="none"/>
-          </a:ln>
-        </p:spPr>
-      </p:cxnSp>
-      <p:sp>
-        <p:nvSpPr>
-          <p:cNvPr id="183" name="Google Shape;183;p18"/>
-          <p:cNvSpPr txBox="1"/>
-          <p:nvPr/>
-        </p:nvSpPr>
-        <p:spPr>
-          <a:xfrm>
-            <a:off x="130400" y="2813122"/>
-            <a:ext cx="8542500" cy="1367400"/>
-          </a:xfrm>
-          <a:prstGeom prst="rect">
-            <a:avLst/>
-          </a:prstGeom>
-          <a:noFill/>
-          <a:ln cap="flat" cmpd="sng" w="9525">
-            <a:solidFill>
-              <a:srgbClr val="FF9900"/>
-            </a:solidFill>
-            <a:prstDash val="solid"/>
-            <a:round/>
-            <a:headEnd len="sm" w="sm" type="none"/>
-            <a:tailEnd len="sm" w="sm" type="none"/>
-          </a:ln>
-        </p:spPr>
-        <p:txBody>
-          <a:bodyPr anchorCtr="0" anchor="t" bIns="91425" lIns="91425" spcFirstLastPara="1" rIns="91425" wrap="square" tIns="91425">
-            <a:noAutofit/>
-          </a:bodyPr>
-          <a:lstStyle/>
-          <a:p>
-            <a:pPr indent="0" lvl="0" marL="0" marR="0" rtl="0" algn="l">
-              <a:lnSpc>
-                <a:spcPct val="100000"/>
-              </a:lnSpc>
-              <a:spcBef>
-                <a:spcPts val="0"/>
-              </a:spcBef>
-              <a:spcAft>
-                <a:spcPts val="0"/>
-              </a:spcAft>
-              <a:buClr>
-                <a:srgbClr val="000000"/>
-              </a:buClr>
-              <a:buSzPts val="1400"/>
-              <a:buFont typeface="Arial"/>
-              <a:buNone/>
-            </a:pPr>
-            <a:r>
-              <a:rPr b="0" i="0" lang="pt-BR" sz="1400" u="none" cap="none" strike="noStrike">
-                <a:solidFill>
-                  <a:srgbClr val="000000"/>
-                </a:solidFill>
-                <a:latin typeface="Arial"/>
-                <a:ea typeface="Arial"/>
-                <a:cs typeface="Arial"/>
-                <a:sym typeface="Arial"/>
-              </a:rPr>
-              <a:t>Capacidades Operacionais</a:t>
-            </a:r>
-            <a:endParaRPr b="0" i="0" sz="1400" u="none" cap="none" strike="noStrike">
-              <a:solidFill>
-                <a:srgbClr val="000000"/>
-              </a:solidFill>
-              <a:latin typeface="Arial"/>
-              <a:ea typeface="Arial"/>
-              <a:cs typeface="Arial"/>
-              <a:sym typeface="Arial"/>
-            </a:endParaRPr>
-          </a:p>
-        </p:txBody>
-      </p:sp>
-      <p:cxnSp>
-        <p:nvCxnSpPr>
-          <p:cNvPr id="184" name="Google Shape;184;p18"/>
-          <p:cNvCxnSpPr>
-            <a:stCxn id="175" idx="0"/>
-            <a:endCxn id="172" idx="2"/>
-          </p:cNvCxnSpPr>
-          <p:nvPr/>
-        </p:nvCxnSpPr>
-        <p:spPr>
-          <a:xfrm rot="-5400000">
-            <a:off x="2790152" y="111815"/>
-            <a:ext cx="984600" cy="2569200"/>
-          </a:xfrm>
-          <a:prstGeom prst="curvedConnector3">
-            <a:avLst>
-              <a:gd fmla="val 47358" name="adj1"/>
-            </a:avLst>
-          </a:prstGeom>
-          <a:noFill/>
-          <a:ln cap="flat" cmpd="sng" w="9525">
-            <a:solidFill>
-              <a:schemeClr val="dk2"/>
-            </a:solidFill>
-            <a:prstDash val="solid"/>
-            <a:round/>
-            <a:headEnd len="sm" w="sm" type="none"/>
-            <a:tailEnd len="sm" w="sm" type="none"/>
-          </a:ln>
-        </p:spPr>
-      </p:cxnSp>
-      <p:cxnSp>
-        <p:nvCxnSpPr>
-          <p:cNvPr id="185" name="Google Shape;185;p18"/>
-          <p:cNvCxnSpPr>
-            <a:stCxn id="182" idx="2"/>
-            <a:endCxn id="186" idx="1"/>
-          </p:cNvCxnSpPr>
-          <p:nvPr/>
-        </p:nvCxnSpPr>
-        <p:spPr>
-          <a:xfrm flipH="1" rot="-5400000">
-            <a:off x="3836650" y="2633650"/>
-            <a:ext cx="1234500" cy="708000"/>
-          </a:xfrm>
-          <a:prstGeom prst="curvedConnector2">
-            <a:avLst/>
-          </a:prstGeom>
-          <a:noFill/>
-          <a:ln cap="flat" cmpd="sng" w="9525">
-            <a:solidFill>
-              <a:schemeClr val="dk2"/>
-            </a:solidFill>
-            <a:prstDash val="solid"/>
-            <a:round/>
-            <a:headEnd len="sm" w="sm" type="none"/>
-            <a:tailEnd len="sm" w="sm" type="none"/>
-          </a:ln>
-        </p:spPr>
-      </p:cxnSp>
-      <p:sp>
-        <p:nvSpPr>
-          <p:cNvPr id="186" name="Google Shape;186;p18"/>
-          <p:cNvSpPr/>
-          <p:nvPr/>
-        </p:nvSpPr>
-        <p:spPr>
-          <a:xfrm>
-            <a:off x="4807825" y="3266600"/>
-            <a:ext cx="2231100" cy="676800"/>
-          </a:xfrm>
-          <a:prstGeom prst="bracketPair">
-            <a:avLst/>
-          </a:prstGeom>
-          <a:noFill/>
-          <a:ln cap="flat" cmpd="sng" w="9525">
-            <a:solidFill>
-              <a:schemeClr val="dk2"/>
-            </a:solidFill>
-            <a:prstDash val="solid"/>
-            <a:round/>
-            <a:headEnd len="sm" w="sm" type="none"/>
-            <a:tailEnd len="sm" w="sm" type="none"/>
-          </a:ln>
-        </p:spPr>
-        <p:txBody>
-          <a:bodyPr anchorCtr="0" anchor="ctr" bIns="91425" lIns="91425" spcFirstLastPara="1" rIns="91425" wrap="square" tIns="91425">
-            <a:noAutofit/>
-          </a:bodyPr>
-          <a:lstStyle/>
-          <a:p>
-            <a:pPr indent="-292100" lvl="0" marL="457200" marR="0" rtl="0" algn="l">
-              <a:lnSpc>
-                <a:spcPct val="100000"/>
-              </a:lnSpc>
-              <a:spcBef>
-                <a:spcPts val="0"/>
-              </a:spcBef>
-              <a:spcAft>
-                <a:spcPts val="0"/>
-              </a:spcAft>
-              <a:buClr>
-                <a:srgbClr val="000000"/>
-              </a:buClr>
-              <a:buSzPts val="1000"/>
-              <a:buFont typeface="Arial"/>
-              <a:buChar char="●"/>
-            </a:pPr>
-            <a:r>
-              <a:rPr lang="pt-BR" sz="1000"/>
-              <a:t>Validar dados de acesso</a:t>
-            </a:r>
-            <a:endParaRPr sz="1000"/>
-          </a:p>
-        </p:txBody>
-      </p:sp>
-      <p:sp>
-        <p:nvSpPr>
-          <p:cNvPr id="182" name="Google Shape;182;p18"/>
-          <p:cNvSpPr/>
-          <p:nvPr/>
-        </p:nvSpPr>
-        <p:spPr>
-          <a:xfrm>
-            <a:off x="3564400" y="1838800"/>
+            <a:off x="4036500" y="1863625"/>
             <a:ext cx="1071000" cy="531600"/>
           </a:xfrm>
           <a:prstGeom prst="roundRect">
@@ -14845,2224 +13711,286 @@
 </p:sld>
 </file>
 
-<file path=ppt/slides/slide7.xml><?xml version="1.0" encoding="utf-8"?>
-<p:sld xmlns:a="http://schemas.openxmlformats.org/drawingml/2006/main" xmlns:r="http://schemas.openxmlformats.org/officeDocument/2006/relationships" xmlns:mc="http://schemas.openxmlformats.org/markup-compatibility/2006" xmlns:mv="urn:schemas-microsoft-com:mac:vml" xmlns:p="http://schemas.openxmlformats.org/presentationml/2006/main" xmlns:c="http://schemas.openxmlformats.org/drawingml/2006/chart" xmlns:dgm="http://schemas.openxmlformats.org/drawingml/2006/diagram" xmlns:o="urn:schemas-microsoft-com:office:office" xmlns:v="urn:schemas-microsoft-com:vml" xmlns:pvml="urn:schemas-microsoft-com:office:powerpoint" xmlns:com="http://schemas.openxmlformats.org/drawingml/2006/compatibility" xmlns:p14="http://schemas.microsoft.com/office/powerpoint/2010/main" xmlns:p15="http://schemas.microsoft.com/office/powerpoint/2012/main">
-  <p:cSld>
-    <p:spTree>
-      <p:nvGrpSpPr>
-        <p:cNvPr id="190" name="Shape 190"/>
-        <p:cNvGrpSpPr/>
-        <p:nvPr/>
-      </p:nvGrpSpPr>
-      <p:grpSpPr>
-        <a:xfrm>
-          <a:off x="0" y="0"/>
-          <a:ext cx="0" cy="0"/>
-          <a:chOff x="0" y="0"/>
-          <a:chExt cx="0" cy="0"/>
-        </a:xfrm>
-      </p:grpSpPr>
-      <p:sp>
-        <p:nvSpPr>
-          <p:cNvPr id="191" name="Google Shape;191;p19"/>
-          <p:cNvSpPr txBox="1"/>
-          <p:nvPr/>
-        </p:nvSpPr>
-        <p:spPr>
-          <a:xfrm>
-            <a:off x="130400" y="1445725"/>
-            <a:ext cx="8542500" cy="1367400"/>
-          </a:xfrm>
-          <a:prstGeom prst="rect">
-            <a:avLst/>
-          </a:prstGeom>
-          <a:noFill/>
-          <a:ln cap="flat" cmpd="sng" w="9525">
-            <a:solidFill>
-              <a:srgbClr val="FF9900"/>
-            </a:solidFill>
-            <a:prstDash val="solid"/>
-            <a:round/>
-            <a:headEnd len="sm" w="sm" type="none"/>
-            <a:tailEnd len="sm" w="sm" type="none"/>
-          </a:ln>
-        </p:spPr>
-        <p:txBody>
-          <a:bodyPr anchorCtr="0" anchor="t" bIns="91425" lIns="91425" spcFirstLastPara="1" rIns="91425" wrap="square" tIns="91425">
-            <a:noAutofit/>
-          </a:bodyPr>
-          <a:lstStyle/>
-          <a:p>
-            <a:pPr indent="0" lvl="0" marL="0" marR="0" rtl="0" algn="l">
-              <a:lnSpc>
-                <a:spcPct val="100000"/>
-              </a:lnSpc>
-              <a:spcBef>
-                <a:spcPts val="0"/>
-              </a:spcBef>
-              <a:spcAft>
-                <a:spcPts val="0"/>
-              </a:spcAft>
-              <a:buClr>
-                <a:srgbClr val="000000"/>
-              </a:buClr>
-              <a:buSzPts val="1400"/>
-              <a:buFont typeface="Arial"/>
-              <a:buNone/>
-            </a:pPr>
-            <a:r>
-              <a:rPr b="0" i="0" lang="pt-BR" sz="1400" u="none" cap="none" strike="noStrike">
-                <a:solidFill>
-                  <a:srgbClr val="000000"/>
-                </a:solidFill>
-                <a:latin typeface="Arial"/>
-                <a:ea typeface="Arial"/>
-                <a:cs typeface="Arial"/>
-                <a:sym typeface="Arial"/>
-              </a:rPr>
-              <a:t>Nós Operacionais</a:t>
-            </a:r>
-            <a:endParaRPr b="0" i="0" sz="1400" u="none" cap="none" strike="noStrike">
-              <a:solidFill>
-                <a:srgbClr val="000000"/>
-              </a:solidFill>
-              <a:latin typeface="Arial"/>
-              <a:ea typeface="Arial"/>
-              <a:cs typeface="Arial"/>
-              <a:sym typeface="Arial"/>
-            </a:endParaRPr>
-          </a:p>
-        </p:txBody>
-      </p:sp>
-      <p:sp>
-        <p:nvSpPr>
-          <p:cNvPr id="192" name="Google Shape;192;p19"/>
-          <p:cNvSpPr/>
-          <p:nvPr/>
-        </p:nvSpPr>
-        <p:spPr>
-          <a:xfrm>
-            <a:off x="3659550" y="186275"/>
-            <a:ext cx="1815000" cy="771900"/>
-          </a:xfrm>
-          <a:prstGeom prst="wave">
-            <a:avLst>
-              <a:gd fmla="val 6999" name="adj1"/>
-              <a:gd fmla="val 0" name="adj2"/>
-            </a:avLst>
-          </a:prstGeom>
+<file path=ppt/theme/theme1.xml><?xml version="1.0" encoding="utf-8"?>
+<a:theme xmlns:a="http://schemas.openxmlformats.org/drawingml/2006/main" xmlns:r="http://schemas.openxmlformats.org/officeDocument/2006/relationships" name="Simple Light">
+  <a:themeElements>
+    <a:clrScheme name="Simple Light">
+      <a:dk1>
+        <a:srgbClr val="000000"/>
+      </a:dk1>
+      <a:lt1>
+        <a:srgbClr val="FFFFFF"/>
+      </a:lt1>
+      <a:dk2>
+        <a:srgbClr val="595959"/>
+      </a:dk2>
+      <a:lt2>
+        <a:srgbClr val="EEEEEE"/>
+      </a:lt2>
+      <a:accent1>
+        <a:srgbClr val="FFAB40"/>
+      </a:accent1>
+      <a:accent2>
+        <a:srgbClr val="212121"/>
+      </a:accent2>
+      <a:accent3>
+        <a:srgbClr val="78909C"/>
+      </a:accent3>
+      <a:accent4>
+        <a:srgbClr val="FFAB40"/>
+      </a:accent4>
+      <a:accent5>
+        <a:srgbClr val="0097A7"/>
+      </a:accent5>
+      <a:accent6>
+        <a:srgbClr val="EEFF41"/>
+      </a:accent6>
+      <a:hlink>
+        <a:srgbClr val="0097A7"/>
+      </a:hlink>
+      <a:folHlink>
+        <a:srgbClr val="0097A7"/>
+      </a:folHlink>
+    </a:clrScheme>
+    <a:fontScheme name="Office">
+      <a:majorFont>
+        <a:latin typeface="Arial"/>
+        <a:ea typeface=""/>
+        <a:cs typeface=""/>
+        <a:font script="Jpan" typeface="ＭＳ Ｐゴシック"/>
+        <a:font script="Hang" typeface="맑은 고딕"/>
+        <a:font script="Hans" typeface="宋体"/>
+        <a:font script="Hant" typeface="新細明體"/>
+        <a:font script="Arab" typeface="Times New Roman"/>
+        <a:font script="Hebr" typeface="Times New Roman"/>
+        <a:font script="Thai" typeface="Angsana New"/>
+        <a:font script="Ethi" typeface="Nyala"/>
+        <a:font script="Beng" typeface="Vrinda"/>
+        <a:font script="Gujr" typeface="Shruti"/>
+        <a:font script="Khmr" typeface="MoolBoran"/>
+        <a:font script="Knda" typeface="Tunga"/>
+        <a:font script="Guru" typeface="Raavi"/>
+        <a:font script="Cans" typeface="Euphemia"/>
+        <a:font script="Cher" typeface="Plantagenet Cherokee"/>
+        <a:font script="Yiii" typeface="Microsoft Yi Baiti"/>
+        <a:font script="Tibt" typeface="Microsoft Himalaya"/>
+        <a:font script="Thaa" typeface="MV Boli"/>
+        <a:font script="Deva" typeface="Mangal"/>
+        <a:font script="Telu" typeface="Gautami"/>
+        <a:font script="Taml" typeface="Latha"/>
+        <a:font script="Syrc" typeface="Estrangelo Edessa"/>
+        <a:font script="Orya" typeface="Kalinga"/>
+        <a:font script="Mlym" typeface="Kartika"/>
+        <a:font script="Laoo" typeface="DokChampa"/>
+        <a:font script="Sinh" typeface="Iskoola Pota"/>
+        <a:font script="Mong" typeface="Mongolian Baiti"/>
+        <a:font script="Viet" typeface="Times New Roman"/>
+        <a:font script="Uigh" typeface="Microsoft Uighur"/>
+        <a:font script="Geor" typeface="Sylfaen"/>
+      </a:majorFont>
+      <a:minorFont>
+        <a:latin typeface="Arial"/>
+        <a:ea typeface=""/>
+        <a:cs typeface=""/>
+        <a:font script="Jpan" typeface="ＭＳ Ｐゴシック"/>
+        <a:font script="Hang" typeface="맑은 고딕"/>
+        <a:font script="Hans" typeface="宋体"/>
+        <a:font script="Hant" typeface="新細明體"/>
+        <a:font script="Arab" typeface="Arial"/>
+        <a:font script="Hebr" typeface="Arial"/>
+        <a:font script="Thai" typeface="Cordia New"/>
+        <a:font script="Ethi" typeface="Nyala"/>
+        <a:font script="Beng" typeface="Vrinda"/>
+        <a:font script="Gujr" typeface="Shruti"/>
+        <a:font script="Khmr" typeface="DaunPenh"/>
+        <a:font script="Knda" typeface="Tunga"/>
+        <a:font script="Guru" typeface="Raavi"/>
+        <a:font script="Cans" typeface="Euphemia"/>
+        <a:font script="Cher" typeface="Plantagenet Cherokee"/>
+        <a:font script="Yiii" typeface="Microsoft Yi Baiti"/>
+        <a:font script="Tibt" typeface="Microsoft Himalaya"/>
+        <a:font script="Thaa" typeface="MV Boli"/>
+        <a:font script="Deva" typeface="Mangal"/>
+        <a:font script="Telu" typeface="Gautami"/>
+        <a:font script="Taml" typeface="Latha"/>
+        <a:font script="Syrc" typeface="Estrangelo Edessa"/>
+        <a:font script="Orya" typeface="Kalinga"/>
+        <a:font script="Mlym" typeface="Kartika"/>
+        <a:font script="Laoo" typeface="DokChampa"/>
+        <a:font script="Sinh" typeface="Iskoola Pota"/>
+        <a:font script="Mong" typeface="Mongolian Baiti"/>
+        <a:font script="Viet" typeface="Arial"/>
+        <a:font script="Uigh" typeface="Microsoft Uighur"/>
+        <a:font script="Geor" typeface="Sylfaen"/>
+      </a:minorFont>
+    </a:fontScheme>
+    <a:fmtScheme name="Office">
+      <a:fillStyleLst>
+        <a:solidFill>
+          <a:schemeClr val="phClr"/>
+        </a:solidFill>
+        <a:gradFill rotWithShape="1">
+          <a:gsLst>
+            <a:gs pos="0">
+              <a:schemeClr val="phClr">
+                <a:tint val="50000"/>
+                <a:satMod val="300000"/>
+              </a:schemeClr>
+            </a:gs>
+            <a:gs pos="35000">
+              <a:schemeClr val="phClr">
+                <a:tint val="37000"/>
+                <a:satMod val="300000"/>
+              </a:schemeClr>
+            </a:gs>
+            <a:gs pos="100000">
+              <a:schemeClr val="phClr">
+                <a:tint val="15000"/>
+                <a:satMod val="350000"/>
+              </a:schemeClr>
+            </a:gs>
+          </a:gsLst>
+          <a:lin ang="16200000" scaled="1"/>
+        </a:gradFill>
+        <a:gradFill rotWithShape="1">
+          <a:gsLst>
+            <a:gs pos="0">
+              <a:schemeClr val="phClr">
+                <a:tint val="100000"/>
+                <a:shade val="100000"/>
+                <a:satMod val="130000"/>
+              </a:schemeClr>
+            </a:gs>
+            <a:gs pos="100000">
+              <a:schemeClr val="phClr">
+                <a:tint val="50000"/>
+                <a:shade val="100000"/>
+                <a:satMod val="350000"/>
+              </a:schemeClr>
+            </a:gs>
+          </a:gsLst>
+          <a:lin ang="16200000" scaled="0"/>
+        </a:gradFill>
+      </a:fillStyleLst>
+      <a:lnStyleLst>
+        <a:ln w="9525" cap="flat" cmpd="sng" algn="ctr">
           <a:solidFill>
-            <a:srgbClr val="F4CCCC"/>
+            <a:schemeClr val="phClr">
+              <a:shade val="95000"/>
+              <a:satMod val="105000"/>
+            </a:schemeClr>
           </a:solidFill>
-          <a:ln cap="flat" cmpd="sng" w="9525">
-            <a:solidFill>
-              <a:srgbClr val="FFFFFF"/>
-            </a:solidFill>
-            <a:prstDash val="solid"/>
-            <a:round/>
-            <a:headEnd len="sm" w="sm" type="none"/>
-            <a:tailEnd len="sm" w="sm" type="none"/>
-          </a:ln>
-        </p:spPr>
-        <p:txBody>
-          <a:bodyPr anchorCtr="0" anchor="ctr" bIns="91425" lIns="91425" spcFirstLastPara="1" rIns="91425" wrap="square" tIns="91425">
-            <a:noAutofit/>
-          </a:bodyPr>
-          <a:lstStyle/>
-          <a:p>
-            <a:pPr indent="-292100" lvl="0" marL="457200" marR="0" rtl="0" algn="l">
-              <a:lnSpc>
-                <a:spcPct val="100000"/>
-              </a:lnSpc>
-              <a:spcBef>
-                <a:spcPts val="0"/>
-              </a:spcBef>
-              <a:spcAft>
-                <a:spcPts val="0"/>
-              </a:spcAft>
-              <a:buClr>
-                <a:schemeClr val="dk1"/>
-              </a:buClr>
-              <a:buSzPts val="1000"/>
-              <a:buFont typeface="Arial"/>
-              <a:buChar char="❖"/>
-            </a:pPr>
-            <a:r>
-              <a:rPr lang="pt-BR" sz="1000">
-                <a:solidFill>
-                  <a:schemeClr val="dk1"/>
-                </a:solidFill>
-              </a:rPr>
-              <a:t>Controle de acesso</a:t>
-            </a:r>
-            <a:endParaRPr b="0" i="0" sz="1200" u="none" cap="none" strike="noStrike">
-              <a:solidFill>
-                <a:srgbClr val="000000"/>
-              </a:solidFill>
-              <a:latin typeface="Arial"/>
-              <a:ea typeface="Arial"/>
-              <a:cs typeface="Arial"/>
-              <a:sym typeface="Arial"/>
-            </a:endParaRPr>
-          </a:p>
-        </p:txBody>
-      </p:sp>
-      <p:grpSp>
-        <p:nvGrpSpPr>
-          <p:cNvPr id="193" name="Google Shape;193;p19"/>
-          <p:cNvGrpSpPr/>
-          <p:nvPr/>
-        </p:nvGrpSpPr>
-        <p:grpSpPr>
-          <a:xfrm>
-            <a:off x="1359925" y="1888715"/>
-            <a:ext cx="1272300" cy="833785"/>
-            <a:chOff x="2726598" y="3424900"/>
-            <a:chExt cx="1272300" cy="833785"/>
-          </a:xfrm>
-        </p:grpSpPr>
-        <p:grpSp>
-          <p:nvGrpSpPr>
-            <p:cNvPr id="194" name="Google Shape;194;p19"/>
-            <p:cNvGrpSpPr/>
-            <p:nvPr/>
-          </p:nvGrpSpPr>
-          <p:grpSpPr>
-            <a:xfrm>
-              <a:off x="3206356" y="3424900"/>
-              <a:ext cx="308885" cy="587736"/>
-              <a:chOff x="1499725" y="1450825"/>
-              <a:chExt cx="497400" cy="843600"/>
-            </a:xfrm>
-          </p:grpSpPr>
-          <p:sp>
-            <p:nvSpPr>
-              <p:cNvPr id="195" name="Google Shape;195;p19"/>
-              <p:cNvSpPr/>
-              <p:nvPr/>
-            </p:nvSpPr>
-            <p:spPr>
-              <a:xfrm>
-                <a:off x="1597825" y="1450825"/>
-                <a:ext cx="313200" cy="281400"/>
-              </a:xfrm>
-              <a:prstGeom prst="flowChartConnector">
-                <a:avLst/>
-              </a:prstGeom>
-              <a:solidFill>
-                <a:srgbClr val="EEEEEE"/>
-              </a:solidFill>
-              <a:ln cap="flat" cmpd="sng" w="9525">
-                <a:solidFill>
-                  <a:srgbClr val="595959"/>
-                </a:solidFill>
-                <a:prstDash val="solid"/>
-                <a:round/>
-                <a:headEnd len="sm" w="sm" type="none"/>
-                <a:tailEnd len="sm" w="sm" type="none"/>
-              </a:ln>
-            </p:spPr>
-            <p:txBody>
-              <a:bodyPr anchorCtr="0" anchor="ctr" bIns="91425" lIns="91425" spcFirstLastPara="1" rIns="91425" wrap="square" tIns="91425">
-                <a:noAutofit/>
-              </a:bodyPr>
-              <a:lstStyle/>
-              <a:p>
-                <a:pPr indent="0" lvl="0" marL="0" marR="0" rtl="0" algn="l">
-                  <a:lnSpc>
-                    <a:spcPct val="100000"/>
-                  </a:lnSpc>
-                  <a:spcBef>
-                    <a:spcPts val="0"/>
-                  </a:spcBef>
-                  <a:spcAft>
-                    <a:spcPts val="0"/>
-                  </a:spcAft>
-                  <a:buClr>
-                    <a:srgbClr val="000000"/>
-                  </a:buClr>
-                  <a:buSzPts val="1400"/>
-                  <a:buFont typeface="Arial"/>
-                  <a:buNone/>
-                </a:pPr>
-                <a:r>
-                  <a:t/>
-                </a:r>
-                <a:endParaRPr b="0" i="0" sz="1400" u="none" cap="none" strike="noStrike">
-                  <a:solidFill>
-                    <a:srgbClr val="000000"/>
-                  </a:solidFill>
-                  <a:latin typeface="Arial"/>
-                  <a:ea typeface="Arial"/>
-                  <a:cs typeface="Arial"/>
-                  <a:sym typeface="Arial"/>
-                </a:endParaRPr>
-              </a:p>
-            </p:txBody>
-          </p:sp>
-          <p:cxnSp>
-            <p:nvCxnSpPr>
-              <p:cNvPr id="196" name="Google Shape;196;p19"/>
-              <p:cNvCxnSpPr>
-                <a:stCxn id="195" idx="4"/>
-              </p:cNvCxnSpPr>
-              <p:nvPr/>
-            </p:nvCxnSpPr>
-            <p:spPr>
-              <a:xfrm flipH="1">
-                <a:off x="1748725" y="1732225"/>
-                <a:ext cx="5700" cy="293100"/>
-              </a:xfrm>
-              <a:prstGeom prst="straightConnector1">
-                <a:avLst/>
-              </a:prstGeom>
-              <a:noFill/>
-              <a:ln cap="flat" cmpd="sng" w="9525">
-                <a:solidFill>
-                  <a:srgbClr val="595959"/>
-                </a:solidFill>
-                <a:prstDash val="solid"/>
-                <a:round/>
-                <a:headEnd len="sm" w="sm" type="none"/>
-                <a:tailEnd len="sm" w="sm" type="none"/>
-              </a:ln>
-            </p:spPr>
-          </p:cxnSp>
-          <p:cxnSp>
-            <p:nvCxnSpPr>
-              <p:cNvPr id="197" name="Google Shape;197;p19"/>
-              <p:cNvCxnSpPr/>
-              <p:nvPr/>
-            </p:nvCxnSpPr>
-            <p:spPr>
-              <a:xfrm>
-                <a:off x="1527475" y="1858775"/>
-                <a:ext cx="453900" cy="1800"/>
-              </a:xfrm>
-              <a:prstGeom prst="straightConnector1">
-                <a:avLst/>
-              </a:prstGeom>
-              <a:noFill/>
-              <a:ln cap="flat" cmpd="sng" w="9525">
-                <a:solidFill>
-                  <a:srgbClr val="595959"/>
-                </a:solidFill>
-                <a:prstDash val="solid"/>
-                <a:round/>
-                <a:headEnd len="sm" w="sm" type="none"/>
-                <a:tailEnd len="sm" w="sm" type="none"/>
-              </a:ln>
-            </p:spPr>
-          </p:cxnSp>
-          <p:cxnSp>
-            <p:nvCxnSpPr>
-              <p:cNvPr id="198" name="Google Shape;198;p19"/>
-              <p:cNvCxnSpPr/>
-              <p:nvPr/>
-            </p:nvCxnSpPr>
-            <p:spPr>
-              <a:xfrm flipH="1">
-                <a:off x="1499725" y="2022925"/>
-                <a:ext cx="248700" cy="271500"/>
-              </a:xfrm>
-              <a:prstGeom prst="straightConnector1">
-                <a:avLst/>
-              </a:prstGeom>
-              <a:noFill/>
-              <a:ln cap="flat" cmpd="sng" w="9525">
-                <a:solidFill>
-                  <a:srgbClr val="595959"/>
-                </a:solidFill>
-                <a:prstDash val="solid"/>
-                <a:round/>
-                <a:headEnd len="sm" w="sm" type="none"/>
-                <a:tailEnd len="sm" w="sm" type="none"/>
-              </a:ln>
-            </p:spPr>
-          </p:cxnSp>
-          <p:cxnSp>
-            <p:nvCxnSpPr>
-              <p:cNvPr id="199" name="Google Shape;199;p19"/>
-              <p:cNvCxnSpPr/>
-              <p:nvPr/>
-            </p:nvCxnSpPr>
-            <p:spPr>
-              <a:xfrm rot="10800000">
-                <a:off x="1748425" y="2022925"/>
-                <a:ext cx="248700" cy="271500"/>
-              </a:xfrm>
-              <a:prstGeom prst="straightConnector1">
-                <a:avLst/>
-              </a:prstGeom>
-              <a:noFill/>
-              <a:ln cap="flat" cmpd="sng" w="9525">
-                <a:solidFill>
-                  <a:srgbClr val="595959"/>
-                </a:solidFill>
-                <a:prstDash val="solid"/>
-                <a:round/>
-                <a:headEnd len="sm" w="sm" type="none"/>
-                <a:tailEnd len="sm" w="sm" type="none"/>
-              </a:ln>
-            </p:spPr>
-          </p:cxnSp>
-        </p:grpSp>
-        <p:sp>
-          <p:nvSpPr>
-            <p:cNvPr id="200" name="Google Shape;200;p19"/>
-            <p:cNvSpPr txBox="1"/>
-            <p:nvPr/>
-          </p:nvSpPr>
-          <p:spPr>
-            <a:xfrm>
-              <a:off x="2726598" y="3915785"/>
-              <a:ext cx="1272300" cy="342900"/>
-            </a:xfrm>
-            <a:prstGeom prst="rect">
-              <a:avLst/>
-            </a:prstGeom>
-            <a:noFill/>
-            <a:ln>
-              <a:noFill/>
-            </a:ln>
-          </p:spPr>
-          <p:txBody>
-            <a:bodyPr anchorCtr="0" anchor="t" bIns="91425" lIns="91425" spcFirstLastPara="1" rIns="91425" wrap="square" tIns="91425">
-              <a:noAutofit/>
-            </a:bodyPr>
-            <a:lstStyle/>
-            <a:p>
-              <a:pPr indent="0" lvl="0" marL="0" marR="0" rtl="0" algn="ctr">
-                <a:lnSpc>
-                  <a:spcPct val="100000"/>
-                </a:lnSpc>
-                <a:spcBef>
-                  <a:spcPts val="0"/>
-                </a:spcBef>
-                <a:spcAft>
-                  <a:spcPts val="0"/>
-                </a:spcAft>
-                <a:buClr>
-                  <a:srgbClr val="000000"/>
-                </a:buClr>
-                <a:buSzPts val="1200"/>
-                <a:buFont typeface="Arial"/>
-                <a:buNone/>
-              </a:pPr>
-              <a:r>
-                <a:rPr b="1" lang="pt-BR" sz="1200"/>
-                <a:t>Aluno</a:t>
-              </a:r>
-              <a:endParaRPr b="1" i="0" sz="1200" u="none" cap="none" strike="noStrike">
-                <a:solidFill>
-                  <a:srgbClr val="000000"/>
-                </a:solidFill>
-                <a:latin typeface="Arial"/>
-                <a:ea typeface="Arial"/>
-                <a:cs typeface="Arial"/>
-                <a:sym typeface="Arial"/>
-              </a:endParaRPr>
-            </a:p>
-          </p:txBody>
-        </p:sp>
-      </p:grpSp>
-      <p:cxnSp>
-        <p:nvCxnSpPr>
-          <p:cNvPr id="201" name="Google Shape;201;p19"/>
-          <p:cNvCxnSpPr>
-            <a:stCxn id="202" idx="0"/>
-            <a:endCxn id="192" idx="2"/>
-          </p:cNvCxnSpPr>
-          <p:nvPr/>
-        </p:nvCxnSpPr>
-        <p:spPr>
-          <a:xfrm rot="-5400000">
-            <a:off x="3866050" y="1137850"/>
-            <a:ext cx="934800" cy="467100"/>
-          </a:xfrm>
-          <a:prstGeom prst="curvedConnector3">
-            <a:avLst>
-              <a:gd fmla="val 47211" name="adj1"/>
-            </a:avLst>
-          </a:prstGeom>
-          <a:noFill/>
-          <a:ln cap="flat" cmpd="sng" w="9525">
-            <a:solidFill>
-              <a:schemeClr val="dk2"/>
-            </a:solidFill>
-            <a:prstDash val="solid"/>
-            <a:round/>
-            <a:headEnd len="sm" w="sm" type="none"/>
-            <a:tailEnd len="sm" w="sm" type="none"/>
-          </a:ln>
-        </p:spPr>
-      </p:cxnSp>
-      <p:sp>
-        <p:nvSpPr>
-          <p:cNvPr id="203" name="Google Shape;203;p19"/>
-          <p:cNvSpPr txBox="1"/>
-          <p:nvPr/>
-        </p:nvSpPr>
-        <p:spPr>
-          <a:xfrm>
-            <a:off x="130400" y="2813122"/>
-            <a:ext cx="8542500" cy="1367400"/>
-          </a:xfrm>
-          <a:prstGeom prst="rect">
-            <a:avLst/>
-          </a:prstGeom>
-          <a:noFill/>
-          <a:ln cap="flat" cmpd="sng" w="9525">
-            <a:solidFill>
-              <a:srgbClr val="FF9900"/>
-            </a:solidFill>
-            <a:prstDash val="solid"/>
-            <a:round/>
-            <a:headEnd len="sm" w="sm" type="none"/>
-            <a:tailEnd len="sm" w="sm" type="none"/>
-          </a:ln>
-        </p:spPr>
-        <p:txBody>
-          <a:bodyPr anchorCtr="0" anchor="t" bIns="91425" lIns="91425" spcFirstLastPara="1" rIns="91425" wrap="square" tIns="91425">
-            <a:noAutofit/>
-          </a:bodyPr>
-          <a:lstStyle/>
-          <a:p>
-            <a:pPr indent="0" lvl="0" marL="0" marR="0" rtl="0" algn="l">
-              <a:lnSpc>
-                <a:spcPct val="100000"/>
-              </a:lnSpc>
-              <a:spcBef>
-                <a:spcPts val="0"/>
-              </a:spcBef>
-              <a:spcAft>
-                <a:spcPts val="0"/>
-              </a:spcAft>
-              <a:buClr>
-                <a:srgbClr val="000000"/>
-              </a:buClr>
-              <a:buSzPts val="1400"/>
-              <a:buFont typeface="Arial"/>
-              <a:buNone/>
-            </a:pPr>
-            <a:r>
-              <a:rPr b="0" i="0" lang="pt-BR" sz="1400" u="none" cap="none" strike="noStrike">
-                <a:solidFill>
-                  <a:srgbClr val="000000"/>
-                </a:solidFill>
-                <a:latin typeface="Arial"/>
-                <a:ea typeface="Arial"/>
-                <a:cs typeface="Arial"/>
-                <a:sym typeface="Arial"/>
-              </a:rPr>
-              <a:t>Capacidades Operacionais</a:t>
-            </a:r>
-            <a:endParaRPr b="0" i="0" sz="1400" u="none" cap="none" strike="noStrike">
-              <a:solidFill>
-                <a:srgbClr val="000000"/>
-              </a:solidFill>
-              <a:latin typeface="Arial"/>
-              <a:ea typeface="Arial"/>
-              <a:cs typeface="Arial"/>
-              <a:sym typeface="Arial"/>
-            </a:endParaRPr>
-          </a:p>
-        </p:txBody>
-      </p:sp>
-      <p:cxnSp>
-        <p:nvCxnSpPr>
-          <p:cNvPr id="204" name="Google Shape;204;p19"/>
-          <p:cNvCxnSpPr>
-            <a:stCxn id="195" idx="0"/>
-            <a:endCxn id="192" idx="2"/>
-          </p:cNvCxnSpPr>
-          <p:nvPr/>
-        </p:nvCxnSpPr>
-        <p:spPr>
-          <a:xfrm rot="-5400000">
-            <a:off x="2790152" y="111815"/>
-            <a:ext cx="984600" cy="2569200"/>
-          </a:xfrm>
-          <a:prstGeom prst="curvedConnector3">
-            <a:avLst>
-              <a:gd fmla="val 47358" name="adj1"/>
-            </a:avLst>
-          </a:prstGeom>
-          <a:noFill/>
-          <a:ln cap="flat" cmpd="sng" w="9525">
-            <a:solidFill>
-              <a:schemeClr val="dk2"/>
-            </a:solidFill>
-            <a:prstDash val="solid"/>
-            <a:round/>
-            <a:headEnd len="sm" w="sm" type="none"/>
-            <a:tailEnd len="sm" w="sm" type="none"/>
-          </a:ln>
-        </p:spPr>
-      </p:cxnSp>
-      <p:cxnSp>
-        <p:nvCxnSpPr>
-          <p:cNvPr id="205" name="Google Shape;205;p19"/>
-          <p:cNvCxnSpPr>
-            <a:stCxn id="202" idx="2"/>
-            <a:endCxn id="206" idx="1"/>
-          </p:cNvCxnSpPr>
-          <p:nvPr/>
-        </p:nvCxnSpPr>
-        <p:spPr>
-          <a:xfrm flipH="1" rot="-5400000">
-            <a:off x="3836650" y="2633650"/>
-            <a:ext cx="1234500" cy="708000"/>
-          </a:xfrm>
-          <a:prstGeom prst="curvedConnector2">
-            <a:avLst/>
-          </a:prstGeom>
-          <a:noFill/>
-          <a:ln cap="flat" cmpd="sng" w="9525">
-            <a:solidFill>
-              <a:schemeClr val="dk2"/>
-            </a:solidFill>
-            <a:prstDash val="solid"/>
-            <a:round/>
-            <a:headEnd len="sm" w="sm" type="none"/>
-            <a:tailEnd len="sm" w="sm" type="none"/>
-          </a:ln>
-        </p:spPr>
-      </p:cxnSp>
-      <p:sp>
-        <p:nvSpPr>
-          <p:cNvPr id="206" name="Google Shape;206;p19"/>
-          <p:cNvSpPr/>
-          <p:nvPr/>
-        </p:nvSpPr>
-        <p:spPr>
-          <a:xfrm>
-            <a:off x="4807825" y="3266600"/>
-            <a:ext cx="2231100" cy="676800"/>
-          </a:xfrm>
-          <a:prstGeom prst="bracketPair">
-            <a:avLst/>
-          </a:prstGeom>
-          <a:noFill/>
-          <a:ln cap="flat" cmpd="sng" w="9525">
-            <a:solidFill>
-              <a:schemeClr val="dk2"/>
-            </a:solidFill>
-            <a:prstDash val="solid"/>
-            <a:round/>
-            <a:headEnd len="sm" w="sm" type="none"/>
-            <a:tailEnd len="sm" w="sm" type="none"/>
-          </a:ln>
-        </p:spPr>
-        <p:txBody>
-          <a:bodyPr anchorCtr="0" anchor="ctr" bIns="91425" lIns="91425" spcFirstLastPara="1" rIns="91425" wrap="square" tIns="91425">
-            <a:noAutofit/>
-          </a:bodyPr>
-          <a:lstStyle/>
-          <a:p>
-            <a:pPr indent="-292100" lvl="0" marL="457200" marR="0" rtl="0" algn="l">
-              <a:lnSpc>
-                <a:spcPct val="100000"/>
-              </a:lnSpc>
-              <a:spcBef>
-                <a:spcPts val="0"/>
-              </a:spcBef>
-              <a:spcAft>
-                <a:spcPts val="0"/>
-              </a:spcAft>
-              <a:buClr>
-                <a:srgbClr val="000000"/>
-              </a:buClr>
-              <a:buSzPts val="1000"/>
-              <a:buFont typeface="Arial"/>
-              <a:buChar char="●"/>
-            </a:pPr>
-            <a:r>
-              <a:rPr lang="pt-BR" sz="1000"/>
-              <a:t>Validar pagamentos</a:t>
-            </a:r>
-            <a:endParaRPr sz="1000"/>
-          </a:p>
-          <a:p>
-            <a:pPr indent="-292100" lvl="0" marL="457200" marR="0" rtl="0" algn="l">
-              <a:lnSpc>
-                <a:spcPct val="100000"/>
-              </a:lnSpc>
-              <a:spcBef>
-                <a:spcPts val="0"/>
-              </a:spcBef>
-              <a:spcAft>
-                <a:spcPts val="0"/>
-              </a:spcAft>
-              <a:buSzPts val="1000"/>
-              <a:buChar char="●"/>
-            </a:pPr>
-            <a:r>
-              <a:rPr lang="pt-BR" sz="1000"/>
-              <a:t>Emitir cobrança de multa se houver</a:t>
-            </a:r>
-            <a:endParaRPr sz="1000"/>
-          </a:p>
-        </p:txBody>
-      </p:sp>
-      <p:sp>
-        <p:nvSpPr>
-          <p:cNvPr id="202" name="Google Shape;202;p19"/>
-          <p:cNvSpPr/>
-          <p:nvPr/>
-        </p:nvSpPr>
-        <p:spPr>
-          <a:xfrm>
-            <a:off x="3564400" y="1838800"/>
-            <a:ext cx="1071000" cy="531600"/>
-          </a:xfrm>
-          <a:prstGeom prst="roundRect">
-            <a:avLst>
-              <a:gd fmla="val 16667" name="adj"/>
-            </a:avLst>
-          </a:prstGeom>
-          <a:gradFill>
-            <a:gsLst>
-              <a:gs pos="0">
-                <a:srgbClr val="D4E5F5"/>
-              </a:gs>
-              <a:gs pos="100000">
-                <a:srgbClr val="70A4D5"/>
-              </a:gs>
-            </a:gsLst>
-            <a:path path="circle">
-              <a:fillToRect b="50%" l="50%" r="50%" t="50%"/>
-            </a:path>
-            <a:tileRect/>
-          </a:gradFill>
-          <a:ln cap="flat" cmpd="sng" w="9525">
-            <a:solidFill>
-              <a:srgbClr val="F3F3F3"/>
-            </a:solidFill>
-            <a:prstDash val="solid"/>
-            <a:round/>
-            <a:headEnd len="sm" w="sm" type="none"/>
-            <a:tailEnd len="sm" w="sm" type="none"/>
-          </a:ln>
-        </p:spPr>
-        <p:txBody>
-          <a:bodyPr anchorCtr="0" anchor="ctr" bIns="91425" lIns="91425" spcFirstLastPara="1" rIns="91425" wrap="square" tIns="91425">
-            <a:noAutofit/>
-          </a:bodyPr>
-          <a:lstStyle/>
-          <a:p>
-            <a:pPr indent="0" lvl="0" marL="0" marR="0" rtl="0" algn="ctr">
-              <a:lnSpc>
-                <a:spcPct val="100000"/>
-              </a:lnSpc>
-              <a:spcBef>
-                <a:spcPts val="0"/>
-              </a:spcBef>
-              <a:spcAft>
-                <a:spcPts val="0"/>
-              </a:spcAft>
-              <a:buClr>
-                <a:srgbClr val="000000"/>
-              </a:buClr>
-              <a:buSzPts val="1000"/>
-              <a:buFont typeface="Arial"/>
-              <a:buNone/>
-            </a:pPr>
-            <a:r>
-              <a:rPr lang="pt-BR" sz="1000"/>
-              <a:t>Financeiro</a:t>
-            </a:r>
-            <a:endParaRPr b="0" i="0" sz="1000" u="none" cap="none" strike="noStrike">
-              <a:solidFill>
-                <a:srgbClr val="000000"/>
-              </a:solidFill>
-              <a:latin typeface="Arial"/>
-              <a:ea typeface="Arial"/>
-              <a:cs typeface="Arial"/>
-              <a:sym typeface="Arial"/>
-            </a:endParaRPr>
-          </a:p>
-        </p:txBody>
-      </p:sp>
-    </p:spTree>
-  </p:cSld>
-  <p:clrMapOvr>
-    <a:masterClrMapping/>
-  </p:clrMapOvr>
-</p:sld>
+          <a:prstDash val="solid"/>
+        </a:ln>
+        <a:ln w="25400" cap="flat" cmpd="sng" algn="ctr">
+          <a:solidFill>
+            <a:schemeClr val="phClr"/>
+          </a:solidFill>
+          <a:prstDash val="solid"/>
+        </a:ln>
+        <a:ln w="38100" cap="flat" cmpd="sng" algn="ctr">
+          <a:solidFill>
+            <a:schemeClr val="phClr"/>
+          </a:solidFill>
+          <a:prstDash val="solid"/>
+        </a:ln>
+      </a:lnStyleLst>
+      <a:effectStyleLst>
+        <a:effectStyle>
+          <a:effectLst>
+            <a:outerShdw blurRad="40000" dist="20000" dir="5400000" rotWithShape="0">
+              <a:srgbClr val="000000">
+                <a:alpha val="38000"/>
+              </a:srgbClr>
+            </a:outerShdw>
+          </a:effectLst>
+        </a:effectStyle>
+        <a:effectStyle>
+          <a:effectLst>
+            <a:outerShdw blurRad="40000" dist="23000" dir="5400000" rotWithShape="0">
+              <a:srgbClr val="000000">
+                <a:alpha val="35000"/>
+              </a:srgbClr>
+            </a:outerShdw>
+          </a:effectLst>
+        </a:effectStyle>
+        <a:effectStyle>
+          <a:effectLst>
+            <a:outerShdw blurRad="40000" dist="23000" dir="5400000" rotWithShape="0">
+              <a:srgbClr val="000000">
+                <a:alpha val="35000"/>
+              </a:srgbClr>
+            </a:outerShdw>
+          </a:effectLst>
+          <a:scene3d>
+            <a:camera prst="orthographicFront">
+              <a:rot lat="0" lon="0" rev="0"/>
+            </a:camera>
+            <a:lightRig rig="threePt" dir="t">
+              <a:rot lat="0" lon="0" rev="1200000"/>
+            </a:lightRig>
+          </a:scene3d>
+          <a:sp3d>
+            <a:bevelT w="63500" h="25400"/>
+          </a:sp3d>
+        </a:effectStyle>
+      </a:effectStyleLst>
+      <a:bgFillStyleLst>
+        <a:solidFill>
+          <a:schemeClr val="phClr"/>
+        </a:solidFill>
+        <a:gradFill rotWithShape="1">
+          <a:gsLst>
+            <a:gs pos="0">
+              <a:schemeClr val="phClr">
+                <a:tint val="40000"/>
+                <a:satMod val="350000"/>
+              </a:schemeClr>
+            </a:gs>
+            <a:gs pos="40000">
+              <a:schemeClr val="phClr">
+                <a:tint val="45000"/>
+                <a:shade val="99000"/>
+                <a:satMod val="350000"/>
+              </a:schemeClr>
+            </a:gs>
+            <a:gs pos="100000">
+              <a:schemeClr val="phClr">
+                <a:shade val="20000"/>
+                <a:satMod val="255000"/>
+              </a:schemeClr>
+            </a:gs>
+          </a:gsLst>
+          <a:path path="circle">
+            <a:fillToRect l="50000" t="-80000" r="50000" b="180000"/>
+          </a:path>
+        </a:gradFill>
+        <a:gradFill rotWithShape="1">
+          <a:gsLst>
+            <a:gs pos="0">
+              <a:schemeClr val="phClr">
+                <a:tint val="80000"/>
+                <a:satMod val="300000"/>
+              </a:schemeClr>
+            </a:gs>
+            <a:gs pos="100000">
+              <a:schemeClr val="phClr">
+                <a:shade val="30000"/>
+                <a:satMod val="200000"/>
+              </a:schemeClr>
+            </a:gs>
+          </a:gsLst>
+          <a:path path="circle">
+            <a:fillToRect l="50000" t="50000" r="50000" b="50000"/>
+          </a:path>
+        </a:gradFill>
+      </a:bgFillStyleLst>
+    </a:fmtScheme>
+  </a:themeElements>
+</a:theme>
 </file>
 
-<file path=ppt/slides/slide8.xml><?xml version="1.0" encoding="utf-8"?>
-<p:sld xmlns:a="http://schemas.openxmlformats.org/drawingml/2006/main" xmlns:r="http://schemas.openxmlformats.org/officeDocument/2006/relationships" xmlns:mc="http://schemas.openxmlformats.org/markup-compatibility/2006" xmlns:mv="urn:schemas-microsoft-com:mac:vml" xmlns:p="http://schemas.openxmlformats.org/presentationml/2006/main" xmlns:c="http://schemas.openxmlformats.org/drawingml/2006/chart" xmlns:dgm="http://schemas.openxmlformats.org/drawingml/2006/diagram" xmlns:o="urn:schemas-microsoft-com:office:office" xmlns:v="urn:schemas-microsoft-com:vml" xmlns:pvml="urn:schemas-microsoft-com:office:powerpoint" xmlns:com="http://schemas.openxmlformats.org/drawingml/2006/compatibility" xmlns:p14="http://schemas.microsoft.com/office/powerpoint/2010/main" xmlns:p15="http://schemas.microsoft.com/office/powerpoint/2012/main">
-  <p:cSld>
-    <p:spTree>
-      <p:nvGrpSpPr>
-        <p:cNvPr id="210" name="Shape 210"/>
-        <p:cNvGrpSpPr/>
-        <p:nvPr/>
-      </p:nvGrpSpPr>
-      <p:grpSpPr>
-        <a:xfrm>
-          <a:off x="0" y="0"/>
-          <a:ext cx="0" cy="0"/>
-          <a:chOff x="0" y="0"/>
-          <a:chExt cx="0" cy="0"/>
-        </a:xfrm>
-      </p:grpSpPr>
-      <p:sp>
-        <p:nvSpPr>
-          <p:cNvPr id="211" name="Google Shape;211;p20"/>
-          <p:cNvSpPr txBox="1"/>
-          <p:nvPr/>
-        </p:nvSpPr>
-        <p:spPr>
-          <a:xfrm>
-            <a:off x="130400" y="1445725"/>
-            <a:ext cx="8542500" cy="1367400"/>
-          </a:xfrm>
-          <a:prstGeom prst="rect">
-            <a:avLst/>
-          </a:prstGeom>
-          <a:noFill/>
-          <a:ln cap="flat" cmpd="sng" w="9525">
-            <a:solidFill>
-              <a:srgbClr val="FF9900"/>
-            </a:solidFill>
-            <a:prstDash val="solid"/>
-            <a:round/>
-            <a:headEnd len="sm" w="sm" type="none"/>
-            <a:tailEnd len="sm" w="sm" type="none"/>
-          </a:ln>
-        </p:spPr>
-        <p:txBody>
-          <a:bodyPr anchorCtr="0" anchor="t" bIns="91425" lIns="91425" spcFirstLastPara="1" rIns="91425" wrap="square" tIns="91425">
-            <a:noAutofit/>
-          </a:bodyPr>
-          <a:lstStyle/>
-          <a:p>
-            <a:pPr indent="0" lvl="0" marL="0" marR="0" rtl="0" algn="l">
-              <a:lnSpc>
-                <a:spcPct val="100000"/>
-              </a:lnSpc>
-              <a:spcBef>
-                <a:spcPts val="0"/>
-              </a:spcBef>
-              <a:spcAft>
-                <a:spcPts val="0"/>
-              </a:spcAft>
-              <a:buClr>
-                <a:srgbClr val="000000"/>
-              </a:buClr>
-              <a:buSzPts val="1400"/>
-              <a:buFont typeface="Arial"/>
-              <a:buNone/>
-            </a:pPr>
-            <a:r>
-              <a:rPr b="0" i="0" lang="pt-BR" sz="1400" u="none" cap="none" strike="noStrike">
-                <a:solidFill>
-                  <a:srgbClr val="000000"/>
-                </a:solidFill>
-                <a:latin typeface="Arial"/>
-                <a:ea typeface="Arial"/>
-                <a:cs typeface="Arial"/>
-                <a:sym typeface="Arial"/>
-              </a:rPr>
-              <a:t>Nós Operacionais</a:t>
-            </a:r>
-            <a:endParaRPr b="0" i="0" sz="1400" u="none" cap="none" strike="noStrike">
-              <a:solidFill>
-                <a:srgbClr val="000000"/>
-              </a:solidFill>
-              <a:latin typeface="Arial"/>
-              <a:ea typeface="Arial"/>
-              <a:cs typeface="Arial"/>
-              <a:sym typeface="Arial"/>
-            </a:endParaRPr>
-          </a:p>
-        </p:txBody>
-      </p:sp>
-      <p:sp>
-        <p:nvSpPr>
-          <p:cNvPr id="212" name="Google Shape;212;p20"/>
-          <p:cNvSpPr/>
-          <p:nvPr/>
-        </p:nvSpPr>
-        <p:spPr>
-          <a:xfrm>
-            <a:off x="3659550" y="186275"/>
-            <a:ext cx="1815000" cy="771900"/>
-          </a:xfrm>
-          <a:prstGeom prst="wave">
-            <a:avLst>
-              <a:gd fmla="val 6999" name="adj1"/>
-              <a:gd fmla="val 0" name="adj2"/>
-            </a:avLst>
-          </a:prstGeom>
-          <a:solidFill>
-            <a:srgbClr val="F4CCCC"/>
-          </a:solidFill>
-          <a:ln cap="flat" cmpd="sng" w="9525">
-            <a:solidFill>
-              <a:srgbClr val="FFFFFF"/>
-            </a:solidFill>
-            <a:prstDash val="solid"/>
-            <a:round/>
-            <a:headEnd len="sm" w="sm" type="none"/>
-            <a:tailEnd len="sm" w="sm" type="none"/>
-          </a:ln>
-        </p:spPr>
-        <p:txBody>
-          <a:bodyPr anchorCtr="0" anchor="ctr" bIns="91425" lIns="91425" spcFirstLastPara="1" rIns="91425" wrap="square" tIns="91425">
-            <a:noAutofit/>
-          </a:bodyPr>
-          <a:lstStyle/>
-          <a:p>
-            <a:pPr indent="-292100" lvl="0" marL="457200" marR="0" rtl="0" algn="l">
-              <a:lnSpc>
-                <a:spcPct val="100000"/>
-              </a:lnSpc>
-              <a:spcBef>
-                <a:spcPts val="0"/>
-              </a:spcBef>
-              <a:spcAft>
-                <a:spcPts val="0"/>
-              </a:spcAft>
-              <a:buClr>
-                <a:schemeClr val="dk1"/>
-              </a:buClr>
-              <a:buSzPts val="1000"/>
-              <a:buFont typeface="Arial"/>
-              <a:buChar char="❖"/>
-            </a:pPr>
-            <a:r>
-              <a:rPr lang="pt-BR" sz="1000">
-                <a:solidFill>
-                  <a:schemeClr val="dk1"/>
-                </a:solidFill>
-              </a:rPr>
-              <a:t>Fazer rematrícula</a:t>
-            </a:r>
-            <a:endParaRPr b="0" i="0" sz="1200" u="none" cap="none" strike="noStrike">
-              <a:solidFill>
-                <a:srgbClr val="000000"/>
-              </a:solidFill>
-              <a:latin typeface="Arial"/>
-              <a:ea typeface="Arial"/>
-              <a:cs typeface="Arial"/>
-              <a:sym typeface="Arial"/>
-            </a:endParaRPr>
-          </a:p>
-        </p:txBody>
-      </p:sp>
-      <p:grpSp>
-        <p:nvGrpSpPr>
-          <p:cNvPr id="213" name="Google Shape;213;p20"/>
-          <p:cNvGrpSpPr/>
-          <p:nvPr/>
-        </p:nvGrpSpPr>
-        <p:grpSpPr>
-          <a:xfrm>
-            <a:off x="1359925" y="1888715"/>
-            <a:ext cx="1272300" cy="833785"/>
-            <a:chOff x="2726598" y="3424900"/>
-            <a:chExt cx="1272300" cy="833785"/>
-          </a:xfrm>
-        </p:grpSpPr>
-        <p:grpSp>
-          <p:nvGrpSpPr>
-            <p:cNvPr id="214" name="Google Shape;214;p20"/>
-            <p:cNvGrpSpPr/>
-            <p:nvPr/>
-          </p:nvGrpSpPr>
-          <p:grpSpPr>
-            <a:xfrm>
-              <a:off x="3206356" y="3424900"/>
-              <a:ext cx="308885" cy="587736"/>
-              <a:chOff x="1499725" y="1450825"/>
-              <a:chExt cx="497400" cy="843600"/>
-            </a:xfrm>
-          </p:grpSpPr>
-          <p:sp>
-            <p:nvSpPr>
-              <p:cNvPr id="215" name="Google Shape;215;p20"/>
-              <p:cNvSpPr/>
-              <p:nvPr/>
-            </p:nvSpPr>
-            <p:spPr>
-              <a:xfrm>
-                <a:off x="1597825" y="1450825"/>
-                <a:ext cx="313200" cy="281400"/>
-              </a:xfrm>
-              <a:prstGeom prst="flowChartConnector">
-                <a:avLst/>
-              </a:prstGeom>
-              <a:solidFill>
-                <a:srgbClr val="EEEEEE"/>
-              </a:solidFill>
-              <a:ln cap="flat" cmpd="sng" w="9525">
-                <a:solidFill>
-                  <a:srgbClr val="595959"/>
-                </a:solidFill>
-                <a:prstDash val="solid"/>
-                <a:round/>
-                <a:headEnd len="sm" w="sm" type="none"/>
-                <a:tailEnd len="sm" w="sm" type="none"/>
-              </a:ln>
-            </p:spPr>
-            <p:txBody>
-              <a:bodyPr anchorCtr="0" anchor="ctr" bIns="91425" lIns="91425" spcFirstLastPara="1" rIns="91425" wrap="square" tIns="91425">
-                <a:noAutofit/>
-              </a:bodyPr>
-              <a:lstStyle/>
-              <a:p>
-                <a:pPr indent="0" lvl="0" marL="0" marR="0" rtl="0" algn="l">
-                  <a:lnSpc>
-                    <a:spcPct val="100000"/>
-                  </a:lnSpc>
-                  <a:spcBef>
-                    <a:spcPts val="0"/>
-                  </a:spcBef>
-                  <a:spcAft>
-                    <a:spcPts val="0"/>
-                  </a:spcAft>
-                  <a:buClr>
-                    <a:srgbClr val="000000"/>
-                  </a:buClr>
-                  <a:buSzPts val="1400"/>
-                  <a:buFont typeface="Arial"/>
-                  <a:buNone/>
-                </a:pPr>
-                <a:r>
-                  <a:t/>
-                </a:r>
-                <a:endParaRPr b="0" i="0" sz="1400" u="none" cap="none" strike="noStrike">
-                  <a:solidFill>
-                    <a:srgbClr val="000000"/>
-                  </a:solidFill>
-                  <a:latin typeface="Arial"/>
-                  <a:ea typeface="Arial"/>
-                  <a:cs typeface="Arial"/>
-                  <a:sym typeface="Arial"/>
-                </a:endParaRPr>
-              </a:p>
-            </p:txBody>
-          </p:sp>
-          <p:cxnSp>
-            <p:nvCxnSpPr>
-              <p:cNvPr id="216" name="Google Shape;216;p20"/>
-              <p:cNvCxnSpPr>
-                <a:stCxn id="215" idx="4"/>
-              </p:cNvCxnSpPr>
-              <p:nvPr/>
-            </p:nvCxnSpPr>
-            <p:spPr>
-              <a:xfrm flipH="1">
-                <a:off x="1748725" y="1732225"/>
-                <a:ext cx="5700" cy="293100"/>
-              </a:xfrm>
-              <a:prstGeom prst="straightConnector1">
-                <a:avLst/>
-              </a:prstGeom>
-              <a:noFill/>
-              <a:ln cap="flat" cmpd="sng" w="9525">
-                <a:solidFill>
-                  <a:srgbClr val="595959"/>
-                </a:solidFill>
-                <a:prstDash val="solid"/>
-                <a:round/>
-                <a:headEnd len="sm" w="sm" type="none"/>
-                <a:tailEnd len="sm" w="sm" type="none"/>
-              </a:ln>
-            </p:spPr>
-          </p:cxnSp>
-          <p:cxnSp>
-            <p:nvCxnSpPr>
-              <p:cNvPr id="217" name="Google Shape;217;p20"/>
-              <p:cNvCxnSpPr/>
-              <p:nvPr/>
-            </p:nvCxnSpPr>
-            <p:spPr>
-              <a:xfrm>
-                <a:off x="1527475" y="1858775"/>
-                <a:ext cx="453900" cy="1800"/>
-              </a:xfrm>
-              <a:prstGeom prst="straightConnector1">
-                <a:avLst/>
-              </a:prstGeom>
-              <a:noFill/>
-              <a:ln cap="flat" cmpd="sng" w="9525">
-                <a:solidFill>
-                  <a:srgbClr val="595959"/>
-                </a:solidFill>
-                <a:prstDash val="solid"/>
-                <a:round/>
-                <a:headEnd len="sm" w="sm" type="none"/>
-                <a:tailEnd len="sm" w="sm" type="none"/>
-              </a:ln>
-            </p:spPr>
-          </p:cxnSp>
-          <p:cxnSp>
-            <p:nvCxnSpPr>
-              <p:cNvPr id="218" name="Google Shape;218;p20"/>
-              <p:cNvCxnSpPr/>
-              <p:nvPr/>
-            </p:nvCxnSpPr>
-            <p:spPr>
-              <a:xfrm flipH="1">
-                <a:off x="1499725" y="2022925"/>
-                <a:ext cx="248700" cy="271500"/>
-              </a:xfrm>
-              <a:prstGeom prst="straightConnector1">
-                <a:avLst/>
-              </a:prstGeom>
-              <a:noFill/>
-              <a:ln cap="flat" cmpd="sng" w="9525">
-                <a:solidFill>
-                  <a:srgbClr val="595959"/>
-                </a:solidFill>
-                <a:prstDash val="solid"/>
-                <a:round/>
-                <a:headEnd len="sm" w="sm" type="none"/>
-                <a:tailEnd len="sm" w="sm" type="none"/>
-              </a:ln>
-            </p:spPr>
-          </p:cxnSp>
-          <p:cxnSp>
-            <p:nvCxnSpPr>
-              <p:cNvPr id="219" name="Google Shape;219;p20"/>
-              <p:cNvCxnSpPr/>
-              <p:nvPr/>
-            </p:nvCxnSpPr>
-            <p:spPr>
-              <a:xfrm rot="10800000">
-                <a:off x="1748425" y="2022925"/>
-                <a:ext cx="248700" cy="271500"/>
-              </a:xfrm>
-              <a:prstGeom prst="straightConnector1">
-                <a:avLst/>
-              </a:prstGeom>
-              <a:noFill/>
-              <a:ln cap="flat" cmpd="sng" w="9525">
-                <a:solidFill>
-                  <a:srgbClr val="595959"/>
-                </a:solidFill>
-                <a:prstDash val="solid"/>
-                <a:round/>
-                <a:headEnd len="sm" w="sm" type="none"/>
-                <a:tailEnd len="sm" w="sm" type="none"/>
-              </a:ln>
-            </p:spPr>
-          </p:cxnSp>
-        </p:grpSp>
-        <p:sp>
-          <p:nvSpPr>
-            <p:cNvPr id="220" name="Google Shape;220;p20"/>
-            <p:cNvSpPr txBox="1"/>
-            <p:nvPr/>
-          </p:nvSpPr>
-          <p:spPr>
-            <a:xfrm>
-              <a:off x="2726598" y="3915785"/>
-              <a:ext cx="1272300" cy="342900"/>
-            </a:xfrm>
-            <a:prstGeom prst="rect">
-              <a:avLst/>
-            </a:prstGeom>
-            <a:noFill/>
-            <a:ln>
-              <a:noFill/>
-            </a:ln>
-          </p:spPr>
-          <p:txBody>
-            <a:bodyPr anchorCtr="0" anchor="t" bIns="91425" lIns="91425" spcFirstLastPara="1" rIns="91425" wrap="square" tIns="91425">
-              <a:noAutofit/>
-            </a:bodyPr>
-            <a:lstStyle/>
-            <a:p>
-              <a:pPr indent="0" lvl="0" marL="0" marR="0" rtl="0" algn="ctr">
-                <a:lnSpc>
-                  <a:spcPct val="100000"/>
-                </a:lnSpc>
-                <a:spcBef>
-                  <a:spcPts val="0"/>
-                </a:spcBef>
-                <a:spcAft>
-                  <a:spcPts val="0"/>
-                </a:spcAft>
-                <a:buClr>
-                  <a:srgbClr val="000000"/>
-                </a:buClr>
-                <a:buSzPts val="1200"/>
-                <a:buFont typeface="Arial"/>
-                <a:buNone/>
-              </a:pPr>
-              <a:r>
-                <a:rPr b="1" lang="pt-BR" sz="1200"/>
-                <a:t>Ex </a:t>
-              </a:r>
-              <a:r>
-                <a:rPr b="1" lang="pt-BR" sz="1200"/>
-                <a:t>Aluno</a:t>
-              </a:r>
-              <a:endParaRPr b="1" i="0" sz="1200" u="none" cap="none" strike="noStrike">
-                <a:solidFill>
-                  <a:srgbClr val="000000"/>
-                </a:solidFill>
-                <a:latin typeface="Arial"/>
-                <a:ea typeface="Arial"/>
-                <a:cs typeface="Arial"/>
-                <a:sym typeface="Arial"/>
-              </a:endParaRPr>
-            </a:p>
-          </p:txBody>
-        </p:sp>
-      </p:grpSp>
-      <p:cxnSp>
-        <p:nvCxnSpPr>
-          <p:cNvPr id="221" name="Google Shape;221;p20"/>
-          <p:cNvCxnSpPr>
-            <a:stCxn id="222" idx="0"/>
-            <a:endCxn id="212" idx="2"/>
-          </p:cNvCxnSpPr>
-          <p:nvPr/>
-        </p:nvCxnSpPr>
-        <p:spPr>
-          <a:xfrm rot="-5400000">
-            <a:off x="3866050" y="1137850"/>
-            <a:ext cx="934800" cy="467100"/>
-          </a:xfrm>
-          <a:prstGeom prst="curvedConnector3">
-            <a:avLst>
-              <a:gd fmla="val 47211" name="adj1"/>
-            </a:avLst>
-          </a:prstGeom>
-          <a:noFill/>
-          <a:ln cap="flat" cmpd="sng" w="9525">
-            <a:solidFill>
-              <a:schemeClr val="dk2"/>
-            </a:solidFill>
-            <a:prstDash val="solid"/>
-            <a:round/>
-            <a:headEnd len="sm" w="sm" type="none"/>
-            <a:tailEnd len="sm" w="sm" type="none"/>
-          </a:ln>
-        </p:spPr>
-      </p:cxnSp>
-      <p:sp>
-        <p:nvSpPr>
-          <p:cNvPr id="223" name="Google Shape;223;p20"/>
-          <p:cNvSpPr txBox="1"/>
-          <p:nvPr/>
-        </p:nvSpPr>
-        <p:spPr>
-          <a:xfrm>
-            <a:off x="130400" y="2813122"/>
-            <a:ext cx="8542500" cy="1367400"/>
-          </a:xfrm>
-          <a:prstGeom prst="rect">
-            <a:avLst/>
-          </a:prstGeom>
-          <a:noFill/>
-          <a:ln cap="flat" cmpd="sng" w="9525">
-            <a:solidFill>
-              <a:srgbClr val="FF9900"/>
-            </a:solidFill>
-            <a:prstDash val="solid"/>
-            <a:round/>
-            <a:headEnd len="sm" w="sm" type="none"/>
-            <a:tailEnd len="sm" w="sm" type="none"/>
-          </a:ln>
-        </p:spPr>
-        <p:txBody>
-          <a:bodyPr anchorCtr="0" anchor="t" bIns="91425" lIns="91425" spcFirstLastPara="1" rIns="91425" wrap="square" tIns="91425">
-            <a:noAutofit/>
-          </a:bodyPr>
-          <a:lstStyle/>
-          <a:p>
-            <a:pPr indent="0" lvl="0" marL="0" marR="0" rtl="0" algn="l">
-              <a:lnSpc>
-                <a:spcPct val="100000"/>
-              </a:lnSpc>
-              <a:spcBef>
-                <a:spcPts val="0"/>
-              </a:spcBef>
-              <a:spcAft>
-                <a:spcPts val="0"/>
-              </a:spcAft>
-              <a:buClr>
-                <a:srgbClr val="000000"/>
-              </a:buClr>
-              <a:buSzPts val="1400"/>
-              <a:buFont typeface="Arial"/>
-              <a:buNone/>
-            </a:pPr>
-            <a:r>
-              <a:rPr b="0" i="0" lang="pt-BR" sz="1400" u="none" cap="none" strike="noStrike">
-                <a:solidFill>
-                  <a:srgbClr val="000000"/>
-                </a:solidFill>
-                <a:latin typeface="Arial"/>
-                <a:ea typeface="Arial"/>
-                <a:cs typeface="Arial"/>
-                <a:sym typeface="Arial"/>
-              </a:rPr>
-              <a:t>Capacidades Operacionais</a:t>
-            </a:r>
-            <a:endParaRPr b="0" i="0" sz="1400" u="none" cap="none" strike="noStrike">
-              <a:solidFill>
-                <a:srgbClr val="000000"/>
-              </a:solidFill>
-              <a:latin typeface="Arial"/>
-              <a:ea typeface="Arial"/>
-              <a:cs typeface="Arial"/>
-              <a:sym typeface="Arial"/>
-            </a:endParaRPr>
-          </a:p>
-        </p:txBody>
-      </p:sp>
-      <p:cxnSp>
-        <p:nvCxnSpPr>
-          <p:cNvPr id="224" name="Google Shape;224;p20"/>
-          <p:cNvCxnSpPr>
-            <a:stCxn id="215" idx="0"/>
-            <a:endCxn id="212" idx="2"/>
-          </p:cNvCxnSpPr>
-          <p:nvPr/>
-        </p:nvCxnSpPr>
-        <p:spPr>
-          <a:xfrm rot="-5400000">
-            <a:off x="2790152" y="111815"/>
-            <a:ext cx="984600" cy="2569200"/>
-          </a:xfrm>
-          <a:prstGeom prst="curvedConnector3">
-            <a:avLst>
-              <a:gd fmla="val 47358" name="adj1"/>
-            </a:avLst>
-          </a:prstGeom>
-          <a:noFill/>
-          <a:ln cap="flat" cmpd="sng" w="9525">
-            <a:solidFill>
-              <a:schemeClr val="dk2"/>
-            </a:solidFill>
-            <a:prstDash val="solid"/>
-            <a:round/>
-            <a:headEnd len="sm" w="sm" type="none"/>
-            <a:tailEnd len="sm" w="sm" type="none"/>
-          </a:ln>
-        </p:spPr>
-      </p:cxnSp>
-      <p:cxnSp>
-        <p:nvCxnSpPr>
-          <p:cNvPr id="225" name="Google Shape;225;p20"/>
-          <p:cNvCxnSpPr>
-            <a:stCxn id="222" idx="2"/>
-            <a:endCxn id="226" idx="1"/>
-          </p:cNvCxnSpPr>
-          <p:nvPr/>
-        </p:nvCxnSpPr>
-        <p:spPr>
-          <a:xfrm flipH="1" rot="-5400000">
-            <a:off x="3836650" y="2633650"/>
-            <a:ext cx="1234500" cy="708000"/>
-          </a:xfrm>
-          <a:prstGeom prst="curvedConnector2">
-            <a:avLst/>
-          </a:prstGeom>
-          <a:noFill/>
-          <a:ln cap="flat" cmpd="sng" w="9525">
-            <a:solidFill>
-              <a:schemeClr val="dk2"/>
-            </a:solidFill>
-            <a:prstDash val="solid"/>
-            <a:round/>
-            <a:headEnd len="sm" w="sm" type="none"/>
-            <a:tailEnd len="sm" w="sm" type="none"/>
-          </a:ln>
-        </p:spPr>
-      </p:cxnSp>
-      <p:sp>
-        <p:nvSpPr>
-          <p:cNvPr id="226" name="Google Shape;226;p20"/>
-          <p:cNvSpPr/>
-          <p:nvPr/>
-        </p:nvSpPr>
-        <p:spPr>
-          <a:xfrm>
-            <a:off x="4807825" y="3266600"/>
-            <a:ext cx="2231100" cy="676800"/>
-          </a:xfrm>
-          <a:prstGeom prst="bracketPair">
-            <a:avLst/>
-          </a:prstGeom>
-          <a:noFill/>
-          <a:ln cap="flat" cmpd="sng" w="9525">
-            <a:solidFill>
-              <a:schemeClr val="dk2"/>
-            </a:solidFill>
-            <a:prstDash val="solid"/>
-            <a:round/>
-            <a:headEnd len="sm" w="sm" type="none"/>
-            <a:tailEnd len="sm" w="sm" type="none"/>
-          </a:ln>
-        </p:spPr>
-        <p:txBody>
-          <a:bodyPr anchorCtr="0" anchor="ctr" bIns="91425" lIns="91425" spcFirstLastPara="1" rIns="91425" wrap="square" tIns="91425">
-            <a:noAutofit/>
-          </a:bodyPr>
-          <a:lstStyle/>
-          <a:p>
-            <a:pPr indent="-292100" lvl="0" marL="457200" marR="0" rtl="0" algn="l">
-              <a:lnSpc>
-                <a:spcPct val="100000"/>
-              </a:lnSpc>
-              <a:spcBef>
-                <a:spcPts val="0"/>
-              </a:spcBef>
-              <a:spcAft>
-                <a:spcPts val="0"/>
-              </a:spcAft>
-              <a:buSzPts val="1000"/>
-              <a:buChar char="●"/>
-            </a:pPr>
-            <a:r>
-              <a:rPr lang="pt-BR" sz="1000"/>
-              <a:t>Validar dados cadastrais </a:t>
-            </a:r>
-            <a:endParaRPr sz="1000"/>
-          </a:p>
-          <a:p>
-            <a:pPr indent="-292100" lvl="0" marL="457200" marR="0" rtl="0" algn="l">
-              <a:lnSpc>
-                <a:spcPct val="100000"/>
-              </a:lnSpc>
-              <a:spcBef>
-                <a:spcPts val="0"/>
-              </a:spcBef>
-              <a:spcAft>
-                <a:spcPts val="0"/>
-              </a:spcAft>
-              <a:buSzPts val="1000"/>
-              <a:buChar char="●"/>
-            </a:pPr>
-            <a:r>
-              <a:rPr lang="pt-BR" sz="1000"/>
-              <a:t>Reativar cadastro do aluno</a:t>
-            </a:r>
-            <a:endParaRPr sz="1000"/>
-          </a:p>
-        </p:txBody>
-      </p:sp>
-      <p:sp>
-        <p:nvSpPr>
-          <p:cNvPr id="222" name="Google Shape;222;p20"/>
-          <p:cNvSpPr/>
-          <p:nvPr/>
-        </p:nvSpPr>
-        <p:spPr>
-          <a:xfrm>
-            <a:off x="3564400" y="1838800"/>
-            <a:ext cx="1071000" cy="531600"/>
-          </a:xfrm>
-          <a:prstGeom prst="roundRect">
-            <a:avLst>
-              <a:gd fmla="val 16667" name="adj"/>
-            </a:avLst>
-          </a:prstGeom>
-          <a:gradFill>
-            <a:gsLst>
-              <a:gs pos="0">
-                <a:srgbClr val="D4E5F5"/>
-              </a:gs>
-              <a:gs pos="100000">
-                <a:srgbClr val="70A4D5"/>
-              </a:gs>
-            </a:gsLst>
-            <a:path path="circle">
-              <a:fillToRect b="50%" l="50%" r="50%" t="50%"/>
-            </a:path>
-            <a:tileRect/>
-          </a:gradFill>
-          <a:ln cap="flat" cmpd="sng" w="9525">
-            <a:solidFill>
-              <a:srgbClr val="F3F3F3"/>
-            </a:solidFill>
-            <a:prstDash val="solid"/>
-            <a:round/>
-            <a:headEnd len="sm" w="sm" type="none"/>
-            <a:tailEnd len="sm" w="sm" type="none"/>
-          </a:ln>
-        </p:spPr>
-        <p:txBody>
-          <a:bodyPr anchorCtr="0" anchor="ctr" bIns="91425" lIns="91425" spcFirstLastPara="1" rIns="91425" wrap="square" tIns="91425">
-            <a:noAutofit/>
-          </a:bodyPr>
-          <a:lstStyle/>
-          <a:p>
-            <a:pPr indent="0" lvl="0" marL="0" marR="0" rtl="0" algn="ctr">
-              <a:lnSpc>
-                <a:spcPct val="100000"/>
-              </a:lnSpc>
-              <a:spcBef>
-                <a:spcPts val="0"/>
-              </a:spcBef>
-              <a:spcAft>
-                <a:spcPts val="0"/>
-              </a:spcAft>
-              <a:buClr>
-                <a:srgbClr val="000000"/>
-              </a:buClr>
-              <a:buSzPts val="1000"/>
-              <a:buFont typeface="Arial"/>
-              <a:buNone/>
-            </a:pPr>
-            <a:r>
-              <a:rPr lang="pt-BR" sz="1000"/>
-              <a:t>Administração</a:t>
-            </a:r>
-            <a:endParaRPr b="0" i="0" sz="1000" u="none" cap="none" strike="noStrike">
-              <a:solidFill>
-                <a:srgbClr val="000000"/>
-              </a:solidFill>
-              <a:latin typeface="Arial"/>
-              <a:ea typeface="Arial"/>
-              <a:cs typeface="Arial"/>
-              <a:sym typeface="Arial"/>
-            </a:endParaRPr>
-          </a:p>
-        </p:txBody>
-      </p:sp>
-    </p:spTree>
-  </p:cSld>
-  <p:clrMapOvr>
-    <a:masterClrMapping/>
-  </p:clrMapOvr>
-</p:sld>
-</file>
-
-<file path=ppt/slides/slide9.xml><?xml version="1.0" encoding="utf-8"?>
-<p:sld xmlns:a="http://schemas.openxmlformats.org/drawingml/2006/main" xmlns:r="http://schemas.openxmlformats.org/officeDocument/2006/relationships" xmlns:mc="http://schemas.openxmlformats.org/markup-compatibility/2006" xmlns:mv="urn:schemas-microsoft-com:mac:vml" xmlns:p="http://schemas.openxmlformats.org/presentationml/2006/main" xmlns:c="http://schemas.openxmlformats.org/drawingml/2006/chart" xmlns:dgm="http://schemas.openxmlformats.org/drawingml/2006/diagram" xmlns:o="urn:schemas-microsoft-com:office:office" xmlns:v="urn:schemas-microsoft-com:vml" xmlns:pvml="urn:schemas-microsoft-com:office:powerpoint" xmlns:com="http://schemas.openxmlformats.org/drawingml/2006/compatibility" xmlns:p14="http://schemas.microsoft.com/office/powerpoint/2010/main" xmlns:p15="http://schemas.microsoft.com/office/powerpoint/2012/main">
-  <p:cSld>
-    <p:spTree>
-      <p:nvGrpSpPr>
-        <p:cNvPr id="230" name="Shape 230"/>
-        <p:cNvGrpSpPr/>
-        <p:nvPr/>
-      </p:nvGrpSpPr>
-      <p:grpSpPr>
-        <a:xfrm>
-          <a:off x="0" y="0"/>
-          <a:ext cx="0" cy="0"/>
-          <a:chOff x="0" y="0"/>
-          <a:chExt cx="0" cy="0"/>
-        </a:xfrm>
-      </p:grpSpPr>
-      <p:sp>
-        <p:nvSpPr>
-          <p:cNvPr id="231" name="Google Shape;231;p21"/>
-          <p:cNvSpPr txBox="1"/>
-          <p:nvPr/>
-        </p:nvSpPr>
-        <p:spPr>
-          <a:xfrm>
-            <a:off x="130400" y="1445725"/>
-            <a:ext cx="8542500" cy="1367400"/>
-          </a:xfrm>
-          <a:prstGeom prst="rect">
-            <a:avLst/>
-          </a:prstGeom>
-          <a:noFill/>
-          <a:ln cap="flat" cmpd="sng" w="9525">
-            <a:solidFill>
-              <a:srgbClr val="FF9900"/>
-            </a:solidFill>
-            <a:prstDash val="solid"/>
-            <a:round/>
-            <a:headEnd len="sm" w="sm" type="none"/>
-            <a:tailEnd len="sm" w="sm" type="none"/>
-          </a:ln>
-        </p:spPr>
-        <p:txBody>
-          <a:bodyPr anchorCtr="0" anchor="t" bIns="91425" lIns="91425" spcFirstLastPara="1" rIns="91425" wrap="square" tIns="91425">
-            <a:noAutofit/>
-          </a:bodyPr>
-          <a:lstStyle/>
-          <a:p>
-            <a:pPr indent="0" lvl="0" marL="0" marR="0" rtl="0" algn="l">
-              <a:lnSpc>
-                <a:spcPct val="100000"/>
-              </a:lnSpc>
-              <a:spcBef>
-                <a:spcPts val="0"/>
-              </a:spcBef>
-              <a:spcAft>
-                <a:spcPts val="0"/>
-              </a:spcAft>
-              <a:buClr>
-                <a:srgbClr val="000000"/>
-              </a:buClr>
-              <a:buSzPts val="1400"/>
-              <a:buFont typeface="Arial"/>
-              <a:buNone/>
-            </a:pPr>
-            <a:r>
-              <a:rPr b="0" i="0" lang="pt-BR" sz="1400" u="none" cap="none" strike="noStrike">
-                <a:solidFill>
-                  <a:srgbClr val="000000"/>
-                </a:solidFill>
-                <a:latin typeface="Arial"/>
-                <a:ea typeface="Arial"/>
-                <a:cs typeface="Arial"/>
-                <a:sym typeface="Arial"/>
-              </a:rPr>
-              <a:t>Nós Operacionais</a:t>
-            </a:r>
-            <a:endParaRPr b="0" i="0" sz="1400" u="none" cap="none" strike="noStrike">
-              <a:solidFill>
-                <a:srgbClr val="000000"/>
-              </a:solidFill>
-              <a:latin typeface="Arial"/>
-              <a:ea typeface="Arial"/>
-              <a:cs typeface="Arial"/>
-              <a:sym typeface="Arial"/>
-            </a:endParaRPr>
-          </a:p>
-        </p:txBody>
-      </p:sp>
-      <p:sp>
-        <p:nvSpPr>
-          <p:cNvPr id="232" name="Google Shape;232;p21"/>
-          <p:cNvSpPr/>
-          <p:nvPr/>
-        </p:nvSpPr>
-        <p:spPr>
-          <a:xfrm>
-            <a:off x="3659550" y="186275"/>
-            <a:ext cx="1815000" cy="771900"/>
-          </a:xfrm>
-          <a:prstGeom prst="wave">
-            <a:avLst>
-              <a:gd fmla="val 6999" name="adj1"/>
-              <a:gd fmla="val 0" name="adj2"/>
-            </a:avLst>
-          </a:prstGeom>
-          <a:solidFill>
-            <a:srgbClr val="F4CCCC"/>
-          </a:solidFill>
-          <a:ln cap="flat" cmpd="sng" w="9525">
-            <a:solidFill>
-              <a:srgbClr val="FFFFFF"/>
-            </a:solidFill>
-            <a:prstDash val="solid"/>
-            <a:round/>
-            <a:headEnd len="sm" w="sm" type="none"/>
-            <a:tailEnd len="sm" w="sm" type="none"/>
-          </a:ln>
-        </p:spPr>
-        <p:txBody>
-          <a:bodyPr anchorCtr="0" anchor="ctr" bIns="91425" lIns="91425" spcFirstLastPara="1" rIns="91425" wrap="square" tIns="91425">
-            <a:noAutofit/>
-          </a:bodyPr>
-          <a:lstStyle/>
-          <a:p>
-            <a:pPr indent="-292100" lvl="0" marL="457200" marR="0" rtl="0" algn="l">
-              <a:lnSpc>
-                <a:spcPct val="100000"/>
-              </a:lnSpc>
-              <a:spcBef>
-                <a:spcPts val="0"/>
-              </a:spcBef>
-              <a:spcAft>
-                <a:spcPts val="0"/>
-              </a:spcAft>
-              <a:buClr>
-                <a:schemeClr val="dk1"/>
-              </a:buClr>
-              <a:buSzPts val="1000"/>
-              <a:buFont typeface="Arial"/>
-              <a:buChar char="❖"/>
-            </a:pPr>
-            <a:r>
-              <a:rPr lang="pt-BR" sz="1000">
-                <a:solidFill>
-                  <a:schemeClr val="dk1"/>
-                </a:solidFill>
-              </a:rPr>
-              <a:t>Fazer rematrícula</a:t>
-            </a:r>
-            <a:endParaRPr b="0" i="0" sz="1200" u="none" cap="none" strike="noStrike">
-              <a:solidFill>
-                <a:srgbClr val="000000"/>
-              </a:solidFill>
-              <a:latin typeface="Arial"/>
-              <a:ea typeface="Arial"/>
-              <a:cs typeface="Arial"/>
-              <a:sym typeface="Arial"/>
-            </a:endParaRPr>
-          </a:p>
-        </p:txBody>
-      </p:sp>
-      <p:grpSp>
-        <p:nvGrpSpPr>
-          <p:cNvPr id="233" name="Google Shape;233;p21"/>
-          <p:cNvGrpSpPr/>
-          <p:nvPr/>
-        </p:nvGrpSpPr>
-        <p:grpSpPr>
-          <a:xfrm>
-            <a:off x="1359925" y="1888715"/>
-            <a:ext cx="1272300" cy="833785"/>
-            <a:chOff x="2726598" y="3424900"/>
-            <a:chExt cx="1272300" cy="833785"/>
-          </a:xfrm>
-        </p:grpSpPr>
-        <p:grpSp>
-          <p:nvGrpSpPr>
-            <p:cNvPr id="234" name="Google Shape;234;p21"/>
-            <p:cNvGrpSpPr/>
-            <p:nvPr/>
-          </p:nvGrpSpPr>
-          <p:grpSpPr>
-            <a:xfrm>
-              <a:off x="3206356" y="3424900"/>
-              <a:ext cx="308885" cy="587736"/>
-              <a:chOff x="1499725" y="1450825"/>
-              <a:chExt cx="497400" cy="843600"/>
-            </a:xfrm>
-          </p:grpSpPr>
-          <p:sp>
-            <p:nvSpPr>
-              <p:cNvPr id="235" name="Google Shape;235;p21"/>
-              <p:cNvSpPr/>
-              <p:nvPr/>
-            </p:nvSpPr>
-            <p:spPr>
-              <a:xfrm>
-                <a:off x="1597825" y="1450825"/>
-                <a:ext cx="313200" cy="281400"/>
-              </a:xfrm>
-              <a:prstGeom prst="flowChartConnector">
-                <a:avLst/>
-              </a:prstGeom>
-              <a:solidFill>
-                <a:srgbClr val="EEEEEE"/>
-              </a:solidFill>
-              <a:ln cap="flat" cmpd="sng" w="9525">
-                <a:solidFill>
-                  <a:srgbClr val="595959"/>
-                </a:solidFill>
-                <a:prstDash val="solid"/>
-                <a:round/>
-                <a:headEnd len="sm" w="sm" type="none"/>
-                <a:tailEnd len="sm" w="sm" type="none"/>
-              </a:ln>
-            </p:spPr>
-            <p:txBody>
-              <a:bodyPr anchorCtr="0" anchor="ctr" bIns="91425" lIns="91425" spcFirstLastPara="1" rIns="91425" wrap="square" tIns="91425">
-                <a:noAutofit/>
-              </a:bodyPr>
-              <a:lstStyle/>
-              <a:p>
-                <a:pPr indent="0" lvl="0" marL="0" marR="0" rtl="0" algn="l">
-                  <a:lnSpc>
-                    <a:spcPct val="100000"/>
-                  </a:lnSpc>
-                  <a:spcBef>
-                    <a:spcPts val="0"/>
-                  </a:spcBef>
-                  <a:spcAft>
-                    <a:spcPts val="0"/>
-                  </a:spcAft>
-                  <a:buClr>
-                    <a:srgbClr val="000000"/>
-                  </a:buClr>
-                  <a:buSzPts val="1400"/>
-                  <a:buFont typeface="Arial"/>
-                  <a:buNone/>
-                </a:pPr>
-                <a:r>
-                  <a:t/>
-                </a:r>
-                <a:endParaRPr b="0" i="0" sz="1400" u="none" cap="none" strike="noStrike">
-                  <a:solidFill>
-                    <a:srgbClr val="000000"/>
-                  </a:solidFill>
-                  <a:latin typeface="Arial"/>
-                  <a:ea typeface="Arial"/>
-                  <a:cs typeface="Arial"/>
-                  <a:sym typeface="Arial"/>
-                </a:endParaRPr>
-              </a:p>
-            </p:txBody>
-          </p:sp>
-          <p:cxnSp>
-            <p:nvCxnSpPr>
-              <p:cNvPr id="236" name="Google Shape;236;p21"/>
-              <p:cNvCxnSpPr>
-                <a:stCxn id="235" idx="4"/>
-              </p:cNvCxnSpPr>
-              <p:nvPr/>
-            </p:nvCxnSpPr>
-            <p:spPr>
-              <a:xfrm flipH="1">
-                <a:off x="1748725" y="1732225"/>
-                <a:ext cx="5700" cy="293100"/>
-              </a:xfrm>
-              <a:prstGeom prst="straightConnector1">
-                <a:avLst/>
-              </a:prstGeom>
-              <a:noFill/>
-              <a:ln cap="flat" cmpd="sng" w="9525">
-                <a:solidFill>
-                  <a:srgbClr val="595959"/>
-                </a:solidFill>
-                <a:prstDash val="solid"/>
-                <a:round/>
-                <a:headEnd len="sm" w="sm" type="none"/>
-                <a:tailEnd len="sm" w="sm" type="none"/>
-              </a:ln>
-            </p:spPr>
-          </p:cxnSp>
-          <p:cxnSp>
-            <p:nvCxnSpPr>
-              <p:cNvPr id="237" name="Google Shape;237;p21"/>
-              <p:cNvCxnSpPr/>
-              <p:nvPr/>
-            </p:nvCxnSpPr>
-            <p:spPr>
-              <a:xfrm>
-                <a:off x="1527475" y="1858775"/>
-                <a:ext cx="453900" cy="1800"/>
-              </a:xfrm>
-              <a:prstGeom prst="straightConnector1">
-                <a:avLst/>
-              </a:prstGeom>
-              <a:noFill/>
-              <a:ln cap="flat" cmpd="sng" w="9525">
-                <a:solidFill>
-                  <a:srgbClr val="595959"/>
-                </a:solidFill>
-                <a:prstDash val="solid"/>
-                <a:round/>
-                <a:headEnd len="sm" w="sm" type="none"/>
-                <a:tailEnd len="sm" w="sm" type="none"/>
-              </a:ln>
-            </p:spPr>
-          </p:cxnSp>
-          <p:cxnSp>
-            <p:nvCxnSpPr>
-              <p:cNvPr id="238" name="Google Shape;238;p21"/>
-              <p:cNvCxnSpPr/>
-              <p:nvPr/>
-            </p:nvCxnSpPr>
-            <p:spPr>
-              <a:xfrm flipH="1">
-                <a:off x="1499725" y="2022925"/>
-                <a:ext cx="248700" cy="271500"/>
-              </a:xfrm>
-              <a:prstGeom prst="straightConnector1">
-                <a:avLst/>
-              </a:prstGeom>
-              <a:noFill/>
-              <a:ln cap="flat" cmpd="sng" w="9525">
-                <a:solidFill>
-                  <a:srgbClr val="595959"/>
-                </a:solidFill>
-                <a:prstDash val="solid"/>
-                <a:round/>
-                <a:headEnd len="sm" w="sm" type="none"/>
-                <a:tailEnd len="sm" w="sm" type="none"/>
-              </a:ln>
-            </p:spPr>
-          </p:cxnSp>
-          <p:cxnSp>
-            <p:nvCxnSpPr>
-              <p:cNvPr id="239" name="Google Shape;239;p21"/>
-              <p:cNvCxnSpPr/>
-              <p:nvPr/>
-            </p:nvCxnSpPr>
-            <p:spPr>
-              <a:xfrm rot="10800000">
-                <a:off x="1748425" y="2022925"/>
-                <a:ext cx="248700" cy="271500"/>
-              </a:xfrm>
-              <a:prstGeom prst="straightConnector1">
-                <a:avLst/>
-              </a:prstGeom>
-              <a:noFill/>
-              <a:ln cap="flat" cmpd="sng" w="9525">
-                <a:solidFill>
-                  <a:srgbClr val="595959"/>
-                </a:solidFill>
-                <a:prstDash val="solid"/>
-                <a:round/>
-                <a:headEnd len="sm" w="sm" type="none"/>
-                <a:tailEnd len="sm" w="sm" type="none"/>
-              </a:ln>
-            </p:spPr>
-          </p:cxnSp>
-        </p:grpSp>
-        <p:sp>
-          <p:nvSpPr>
-            <p:cNvPr id="240" name="Google Shape;240;p21"/>
-            <p:cNvSpPr txBox="1"/>
-            <p:nvPr/>
-          </p:nvSpPr>
-          <p:spPr>
-            <a:xfrm>
-              <a:off x="2726598" y="3915785"/>
-              <a:ext cx="1272300" cy="342900"/>
-            </a:xfrm>
-            <a:prstGeom prst="rect">
-              <a:avLst/>
-            </a:prstGeom>
-            <a:noFill/>
-            <a:ln>
-              <a:noFill/>
-            </a:ln>
-          </p:spPr>
-          <p:txBody>
-            <a:bodyPr anchorCtr="0" anchor="t" bIns="91425" lIns="91425" spcFirstLastPara="1" rIns="91425" wrap="square" tIns="91425">
-              <a:noAutofit/>
-            </a:bodyPr>
-            <a:lstStyle/>
-            <a:p>
-              <a:pPr indent="0" lvl="0" marL="0" marR="0" rtl="0" algn="ctr">
-                <a:lnSpc>
-                  <a:spcPct val="100000"/>
-                </a:lnSpc>
-                <a:spcBef>
-                  <a:spcPts val="0"/>
-                </a:spcBef>
-                <a:spcAft>
-                  <a:spcPts val="0"/>
-                </a:spcAft>
-                <a:buClr>
-                  <a:srgbClr val="000000"/>
-                </a:buClr>
-                <a:buSzPts val="1200"/>
-                <a:buFont typeface="Arial"/>
-                <a:buNone/>
-              </a:pPr>
-              <a:r>
-                <a:rPr b="1" lang="pt-BR" sz="1200"/>
-                <a:t>Ex Aluno</a:t>
-              </a:r>
-              <a:endParaRPr b="1" i="0" sz="1200" u="none" cap="none" strike="noStrike">
-                <a:solidFill>
-                  <a:srgbClr val="000000"/>
-                </a:solidFill>
-                <a:latin typeface="Arial"/>
-                <a:ea typeface="Arial"/>
-                <a:cs typeface="Arial"/>
-                <a:sym typeface="Arial"/>
-              </a:endParaRPr>
-            </a:p>
-          </p:txBody>
-        </p:sp>
-      </p:grpSp>
-      <p:cxnSp>
-        <p:nvCxnSpPr>
-          <p:cNvPr id="241" name="Google Shape;241;p21"/>
-          <p:cNvCxnSpPr>
-            <a:stCxn id="242" idx="0"/>
-            <a:endCxn id="232" idx="2"/>
-          </p:cNvCxnSpPr>
-          <p:nvPr/>
-        </p:nvCxnSpPr>
-        <p:spPr>
-          <a:xfrm rot="-5400000">
-            <a:off x="3866050" y="1137850"/>
-            <a:ext cx="934800" cy="467100"/>
-          </a:xfrm>
-          <a:prstGeom prst="curvedConnector3">
-            <a:avLst>
-              <a:gd fmla="val 47211" name="adj1"/>
-            </a:avLst>
-          </a:prstGeom>
-          <a:noFill/>
-          <a:ln cap="flat" cmpd="sng" w="9525">
-            <a:solidFill>
-              <a:schemeClr val="dk2"/>
-            </a:solidFill>
-            <a:prstDash val="solid"/>
-            <a:round/>
-            <a:headEnd len="sm" w="sm" type="none"/>
-            <a:tailEnd len="sm" w="sm" type="none"/>
-          </a:ln>
-        </p:spPr>
-      </p:cxnSp>
-      <p:sp>
-        <p:nvSpPr>
-          <p:cNvPr id="243" name="Google Shape;243;p21"/>
-          <p:cNvSpPr txBox="1"/>
-          <p:nvPr/>
-        </p:nvSpPr>
-        <p:spPr>
-          <a:xfrm>
-            <a:off x="130400" y="2813122"/>
-            <a:ext cx="8542500" cy="1367400"/>
-          </a:xfrm>
-          <a:prstGeom prst="rect">
-            <a:avLst/>
-          </a:prstGeom>
-          <a:noFill/>
-          <a:ln cap="flat" cmpd="sng" w="9525">
-            <a:solidFill>
-              <a:srgbClr val="FF9900"/>
-            </a:solidFill>
-            <a:prstDash val="solid"/>
-            <a:round/>
-            <a:headEnd len="sm" w="sm" type="none"/>
-            <a:tailEnd len="sm" w="sm" type="none"/>
-          </a:ln>
-        </p:spPr>
-        <p:txBody>
-          <a:bodyPr anchorCtr="0" anchor="t" bIns="91425" lIns="91425" spcFirstLastPara="1" rIns="91425" wrap="square" tIns="91425">
-            <a:noAutofit/>
-          </a:bodyPr>
-          <a:lstStyle/>
-          <a:p>
-            <a:pPr indent="0" lvl="0" marL="0" marR="0" rtl="0" algn="l">
-              <a:lnSpc>
-                <a:spcPct val="100000"/>
-              </a:lnSpc>
-              <a:spcBef>
-                <a:spcPts val="0"/>
-              </a:spcBef>
-              <a:spcAft>
-                <a:spcPts val="0"/>
-              </a:spcAft>
-              <a:buClr>
-                <a:srgbClr val="000000"/>
-              </a:buClr>
-              <a:buSzPts val="1400"/>
-              <a:buFont typeface="Arial"/>
-              <a:buNone/>
-            </a:pPr>
-            <a:r>
-              <a:rPr b="0" i="0" lang="pt-BR" sz="1400" u="none" cap="none" strike="noStrike">
-                <a:solidFill>
-                  <a:srgbClr val="000000"/>
-                </a:solidFill>
-                <a:latin typeface="Arial"/>
-                <a:ea typeface="Arial"/>
-                <a:cs typeface="Arial"/>
-                <a:sym typeface="Arial"/>
-              </a:rPr>
-              <a:t>Capacidades Operacionais</a:t>
-            </a:r>
-            <a:endParaRPr b="0" i="0" sz="1400" u="none" cap="none" strike="noStrike">
-              <a:solidFill>
-                <a:srgbClr val="000000"/>
-              </a:solidFill>
-              <a:latin typeface="Arial"/>
-              <a:ea typeface="Arial"/>
-              <a:cs typeface="Arial"/>
-              <a:sym typeface="Arial"/>
-            </a:endParaRPr>
-          </a:p>
-        </p:txBody>
-      </p:sp>
-      <p:cxnSp>
-        <p:nvCxnSpPr>
-          <p:cNvPr id="244" name="Google Shape;244;p21"/>
-          <p:cNvCxnSpPr>
-            <a:stCxn id="235" idx="0"/>
-            <a:endCxn id="232" idx="2"/>
-          </p:cNvCxnSpPr>
-          <p:nvPr/>
-        </p:nvCxnSpPr>
-        <p:spPr>
-          <a:xfrm rot="-5400000">
-            <a:off x="2790152" y="111815"/>
-            <a:ext cx="984600" cy="2569200"/>
-          </a:xfrm>
-          <a:prstGeom prst="curvedConnector3">
-            <a:avLst>
-              <a:gd fmla="val 47358" name="adj1"/>
-            </a:avLst>
-          </a:prstGeom>
-          <a:noFill/>
-          <a:ln cap="flat" cmpd="sng" w="9525">
-            <a:solidFill>
-              <a:schemeClr val="dk2"/>
-            </a:solidFill>
-            <a:prstDash val="solid"/>
-            <a:round/>
-            <a:headEnd len="sm" w="sm" type="none"/>
-            <a:tailEnd len="sm" w="sm" type="none"/>
-          </a:ln>
-        </p:spPr>
-      </p:cxnSp>
-      <p:cxnSp>
-        <p:nvCxnSpPr>
-          <p:cNvPr id="245" name="Google Shape;245;p21"/>
-          <p:cNvCxnSpPr>
-            <a:stCxn id="242" idx="2"/>
-            <a:endCxn id="246" idx="1"/>
-          </p:cNvCxnSpPr>
-          <p:nvPr/>
-        </p:nvCxnSpPr>
-        <p:spPr>
-          <a:xfrm flipH="1" rot="-5400000">
-            <a:off x="3836650" y="2633650"/>
-            <a:ext cx="1234500" cy="708000"/>
-          </a:xfrm>
-          <a:prstGeom prst="curvedConnector2">
-            <a:avLst/>
-          </a:prstGeom>
-          <a:noFill/>
-          <a:ln cap="flat" cmpd="sng" w="9525">
-            <a:solidFill>
-              <a:schemeClr val="dk2"/>
-            </a:solidFill>
-            <a:prstDash val="solid"/>
-            <a:round/>
-            <a:headEnd len="sm" w="sm" type="none"/>
-            <a:tailEnd len="sm" w="sm" type="none"/>
-          </a:ln>
-        </p:spPr>
-      </p:cxnSp>
-      <p:sp>
-        <p:nvSpPr>
-          <p:cNvPr id="246" name="Google Shape;246;p21"/>
-          <p:cNvSpPr/>
-          <p:nvPr/>
-        </p:nvSpPr>
-        <p:spPr>
-          <a:xfrm>
-            <a:off x="4807825" y="3266600"/>
-            <a:ext cx="2231100" cy="676800"/>
-          </a:xfrm>
-          <a:prstGeom prst="bracketPair">
-            <a:avLst/>
-          </a:prstGeom>
-          <a:noFill/>
-          <a:ln cap="flat" cmpd="sng" w="9525">
-            <a:solidFill>
-              <a:schemeClr val="dk2"/>
-            </a:solidFill>
-            <a:prstDash val="solid"/>
-            <a:round/>
-            <a:headEnd len="sm" w="sm" type="none"/>
-            <a:tailEnd len="sm" w="sm" type="none"/>
-          </a:ln>
-        </p:spPr>
-        <p:txBody>
-          <a:bodyPr anchorCtr="0" anchor="ctr" bIns="91425" lIns="91425" spcFirstLastPara="1" rIns="91425" wrap="square" tIns="91425">
-            <a:noAutofit/>
-          </a:bodyPr>
-          <a:lstStyle/>
-          <a:p>
-            <a:pPr indent="-292100" lvl="0" marL="457200" marR="0" rtl="0" algn="l">
-              <a:lnSpc>
-                <a:spcPct val="100000"/>
-              </a:lnSpc>
-              <a:spcBef>
-                <a:spcPts val="0"/>
-              </a:spcBef>
-              <a:spcAft>
-                <a:spcPts val="0"/>
-              </a:spcAft>
-              <a:buSzPts val="1000"/>
-              <a:buChar char="●"/>
-            </a:pPr>
-            <a:r>
-              <a:rPr lang="pt-BR" sz="1000"/>
-              <a:t>Efetua cobrança da mensalidade</a:t>
-            </a:r>
-            <a:endParaRPr sz="1000"/>
-          </a:p>
-        </p:txBody>
-      </p:sp>
-      <p:sp>
-        <p:nvSpPr>
-          <p:cNvPr id="242" name="Google Shape;242;p21"/>
-          <p:cNvSpPr/>
-          <p:nvPr/>
-        </p:nvSpPr>
-        <p:spPr>
-          <a:xfrm>
-            <a:off x="3564400" y="1838800"/>
-            <a:ext cx="1071000" cy="531600"/>
-          </a:xfrm>
-          <a:prstGeom prst="roundRect">
-            <a:avLst>
-              <a:gd fmla="val 16667" name="adj"/>
-            </a:avLst>
-          </a:prstGeom>
-          <a:gradFill>
-            <a:gsLst>
-              <a:gs pos="0">
-                <a:srgbClr val="D4E5F5"/>
-              </a:gs>
-              <a:gs pos="100000">
-                <a:srgbClr val="70A4D5"/>
-              </a:gs>
-            </a:gsLst>
-            <a:path path="circle">
-              <a:fillToRect b="50%" l="50%" r="50%" t="50%"/>
-            </a:path>
-            <a:tileRect/>
-          </a:gradFill>
-          <a:ln cap="flat" cmpd="sng" w="9525">
-            <a:solidFill>
-              <a:srgbClr val="F3F3F3"/>
-            </a:solidFill>
-            <a:prstDash val="solid"/>
-            <a:round/>
-            <a:headEnd len="sm" w="sm" type="none"/>
-            <a:tailEnd len="sm" w="sm" type="none"/>
-          </a:ln>
-        </p:spPr>
-        <p:txBody>
-          <a:bodyPr anchorCtr="0" anchor="ctr" bIns="91425" lIns="91425" spcFirstLastPara="1" rIns="91425" wrap="square" tIns="91425">
-            <a:noAutofit/>
-          </a:bodyPr>
-          <a:lstStyle/>
-          <a:p>
-            <a:pPr indent="0" lvl="0" marL="0" marR="0" rtl="0" algn="ctr">
-              <a:lnSpc>
-                <a:spcPct val="100000"/>
-              </a:lnSpc>
-              <a:spcBef>
-                <a:spcPts val="0"/>
-              </a:spcBef>
-              <a:spcAft>
-                <a:spcPts val="0"/>
-              </a:spcAft>
-              <a:buClr>
-                <a:srgbClr val="000000"/>
-              </a:buClr>
-              <a:buSzPts val="1000"/>
-              <a:buFont typeface="Arial"/>
-              <a:buNone/>
-            </a:pPr>
-            <a:r>
-              <a:rPr lang="pt-BR" sz="1000"/>
-              <a:t>Financeiro</a:t>
-            </a:r>
-            <a:endParaRPr b="0" i="0" sz="1000" u="none" cap="none" strike="noStrike">
-              <a:solidFill>
-                <a:srgbClr val="000000"/>
-              </a:solidFill>
-              <a:latin typeface="Arial"/>
-              <a:ea typeface="Arial"/>
-              <a:cs typeface="Arial"/>
-              <a:sym typeface="Arial"/>
-            </a:endParaRPr>
-          </a:p>
-        </p:txBody>
-      </p:sp>
-    </p:spTree>
-  </p:cSld>
-  <p:clrMapOvr>
-    <a:masterClrMapping/>
-  </p:clrMapOvr>
-</p:sld>
-</file>
-
-<file path=ppt/theme/theme1.xml><?xml version="1.0" encoding="utf-8"?>
+<file path=ppt/theme/theme2.xml><?xml version="1.0" encoding="utf-8"?>
 <a:theme xmlns:a="http://schemas.openxmlformats.org/drawingml/2006/main" xmlns:r="http://schemas.openxmlformats.org/officeDocument/2006/relationships">
   <a:themeElements>
     <a:clrScheme name="Default">
@@ -17339,283 +14267,4 @@
     </a:fmtScheme>
   </a:themeElements>
 </a:theme>
-</file>
-
-<file path=ppt/theme/theme2.xml><?xml version="1.0" encoding="utf-8"?>
-<a:theme xmlns:a="http://schemas.openxmlformats.org/drawingml/2006/main" xmlns:r="http://schemas.openxmlformats.org/officeDocument/2006/relationships" name="Simple Light">
-  <a:themeElements>
-    <a:clrScheme name="Simple Light">
-      <a:dk1>
-        <a:srgbClr val="000000"/>
-      </a:dk1>
-      <a:lt1>
-        <a:srgbClr val="FFFFFF"/>
-      </a:lt1>
-      <a:dk2>
-        <a:srgbClr val="595959"/>
-      </a:dk2>
-      <a:lt2>
-        <a:srgbClr val="EEEEEE"/>
-      </a:lt2>
-      <a:accent1>
-        <a:srgbClr val="FFAB40"/>
-      </a:accent1>
-      <a:accent2>
-        <a:srgbClr val="212121"/>
-      </a:accent2>
-      <a:accent3>
-        <a:srgbClr val="78909C"/>
-      </a:accent3>
-      <a:accent4>
-        <a:srgbClr val="FFAB40"/>
-      </a:accent4>
-      <a:accent5>
-        <a:srgbClr val="0097A7"/>
-      </a:accent5>
-      <a:accent6>
-        <a:srgbClr val="EEFF41"/>
-      </a:accent6>
-      <a:hlink>
-        <a:srgbClr val="0097A7"/>
-      </a:hlink>
-      <a:folHlink>
-        <a:srgbClr val="0097A7"/>
-      </a:folHlink>
-    </a:clrScheme>
-    <a:fontScheme name="Office">
-      <a:majorFont>
-        <a:latin typeface="Arial"/>
-        <a:ea typeface=""/>
-        <a:cs typeface=""/>
-        <a:font script="Jpan" typeface="ＭＳ Ｐゴシック"/>
-        <a:font script="Hang" typeface="맑은 고딕"/>
-        <a:font script="Hans" typeface="宋体"/>
-        <a:font script="Hant" typeface="新細明體"/>
-        <a:font script="Arab" typeface="Times New Roman"/>
-        <a:font script="Hebr" typeface="Times New Roman"/>
-        <a:font script="Thai" typeface="Angsana New"/>
-        <a:font script="Ethi" typeface="Nyala"/>
-        <a:font script="Beng" typeface="Vrinda"/>
-        <a:font script="Gujr" typeface="Shruti"/>
-        <a:font script="Khmr" typeface="MoolBoran"/>
-        <a:font script="Knda" typeface="Tunga"/>
-        <a:font script="Guru" typeface="Raavi"/>
-        <a:font script="Cans" typeface="Euphemia"/>
-        <a:font script="Cher" typeface="Plantagenet Cherokee"/>
-        <a:font script="Yiii" typeface="Microsoft Yi Baiti"/>
-        <a:font script="Tibt" typeface="Microsoft Himalaya"/>
-        <a:font script="Thaa" typeface="MV Boli"/>
-        <a:font script="Deva" typeface="Mangal"/>
-        <a:font script="Telu" typeface="Gautami"/>
-        <a:font script="Taml" typeface="Latha"/>
-        <a:font script="Syrc" typeface="Estrangelo Edessa"/>
-        <a:font script="Orya" typeface="Kalinga"/>
-        <a:font script="Mlym" typeface="Kartika"/>
-        <a:font script="Laoo" typeface="DokChampa"/>
-        <a:font script="Sinh" typeface="Iskoola Pota"/>
-        <a:font script="Mong" typeface="Mongolian Baiti"/>
-        <a:font script="Viet" typeface="Times New Roman"/>
-        <a:font script="Uigh" typeface="Microsoft Uighur"/>
-        <a:font script="Geor" typeface="Sylfaen"/>
-      </a:majorFont>
-      <a:minorFont>
-        <a:latin typeface="Arial"/>
-        <a:ea typeface=""/>
-        <a:cs typeface=""/>
-        <a:font script="Jpan" typeface="ＭＳ Ｐゴシック"/>
-        <a:font script="Hang" typeface="맑은 고딕"/>
-        <a:font script="Hans" typeface="宋体"/>
-        <a:font script="Hant" typeface="新細明體"/>
-        <a:font script="Arab" typeface="Arial"/>
-        <a:font script="Hebr" typeface="Arial"/>
-        <a:font script="Thai" typeface="Cordia New"/>
-        <a:font script="Ethi" typeface="Nyala"/>
-        <a:font script="Beng" typeface="Vrinda"/>
-        <a:font script="Gujr" typeface="Shruti"/>
-        <a:font script="Khmr" typeface="DaunPenh"/>
-        <a:font script="Knda" typeface="Tunga"/>
-        <a:font script="Guru" typeface="Raavi"/>
-        <a:font script="Cans" typeface="Euphemia"/>
-        <a:font script="Cher" typeface="Plantagenet Cherokee"/>
-        <a:font script="Yiii" typeface="Microsoft Yi Baiti"/>
-        <a:font script="Tibt" typeface="Microsoft Himalaya"/>
-        <a:font script="Thaa" typeface="MV Boli"/>
-        <a:font script="Deva" typeface="Mangal"/>
-        <a:font script="Telu" typeface="Gautami"/>
-        <a:font script="Taml" typeface="Latha"/>
-        <a:font script="Syrc" typeface="Estrangelo Edessa"/>
-        <a:font script="Orya" typeface="Kalinga"/>
-        <a:font script="Mlym" typeface="Kartika"/>
-        <a:font script="Laoo" typeface="DokChampa"/>
-        <a:font script="Sinh" typeface="Iskoola Pota"/>
-        <a:font script="Mong" typeface="Mongolian Baiti"/>
-        <a:font script="Viet" typeface="Arial"/>
-        <a:font script="Uigh" typeface="Microsoft Uighur"/>
-        <a:font script="Geor" typeface="Sylfaen"/>
-      </a:minorFont>
-    </a:fontScheme>
-    <a:fmtScheme name="Office">
-      <a:fillStyleLst>
-        <a:solidFill>
-          <a:schemeClr val="phClr"/>
-        </a:solidFill>
-        <a:gradFill rotWithShape="1">
-          <a:gsLst>
-            <a:gs pos="0">
-              <a:schemeClr val="phClr">
-                <a:tint val="50000"/>
-                <a:satMod val="300000"/>
-              </a:schemeClr>
-            </a:gs>
-            <a:gs pos="35000">
-              <a:schemeClr val="phClr">
-                <a:tint val="37000"/>
-                <a:satMod val="300000"/>
-              </a:schemeClr>
-            </a:gs>
-            <a:gs pos="100000">
-              <a:schemeClr val="phClr">
-                <a:tint val="15000"/>
-                <a:satMod val="350000"/>
-              </a:schemeClr>
-            </a:gs>
-          </a:gsLst>
-          <a:lin ang="16200000" scaled="1"/>
-        </a:gradFill>
-        <a:gradFill rotWithShape="1">
-          <a:gsLst>
-            <a:gs pos="0">
-              <a:schemeClr val="phClr">
-                <a:tint val="100000"/>
-                <a:shade val="100000"/>
-                <a:satMod val="130000"/>
-              </a:schemeClr>
-            </a:gs>
-            <a:gs pos="100000">
-              <a:schemeClr val="phClr">
-                <a:tint val="50000"/>
-                <a:shade val="100000"/>
-                <a:satMod val="350000"/>
-              </a:schemeClr>
-            </a:gs>
-          </a:gsLst>
-          <a:lin ang="16200000" scaled="0"/>
-        </a:gradFill>
-      </a:fillStyleLst>
-      <a:lnStyleLst>
-        <a:ln w="9525" cap="flat" cmpd="sng" algn="ctr">
-          <a:solidFill>
-            <a:schemeClr val="phClr">
-              <a:shade val="95000"/>
-              <a:satMod val="105000"/>
-            </a:schemeClr>
-          </a:solidFill>
-          <a:prstDash val="solid"/>
-        </a:ln>
-        <a:ln w="25400" cap="flat" cmpd="sng" algn="ctr">
-          <a:solidFill>
-            <a:schemeClr val="phClr"/>
-          </a:solidFill>
-          <a:prstDash val="solid"/>
-        </a:ln>
-        <a:ln w="38100" cap="flat" cmpd="sng" algn="ctr">
-          <a:solidFill>
-            <a:schemeClr val="phClr"/>
-          </a:solidFill>
-          <a:prstDash val="solid"/>
-        </a:ln>
-      </a:lnStyleLst>
-      <a:effectStyleLst>
-        <a:effectStyle>
-          <a:effectLst>
-            <a:outerShdw blurRad="40000" dist="20000" dir="5400000" rotWithShape="0">
-              <a:srgbClr val="000000">
-                <a:alpha val="38000"/>
-              </a:srgbClr>
-            </a:outerShdw>
-          </a:effectLst>
-        </a:effectStyle>
-        <a:effectStyle>
-          <a:effectLst>
-            <a:outerShdw blurRad="40000" dist="23000" dir="5400000" rotWithShape="0">
-              <a:srgbClr val="000000">
-                <a:alpha val="35000"/>
-              </a:srgbClr>
-            </a:outerShdw>
-          </a:effectLst>
-        </a:effectStyle>
-        <a:effectStyle>
-          <a:effectLst>
-            <a:outerShdw blurRad="40000" dist="23000" dir="5400000" rotWithShape="0">
-              <a:srgbClr val="000000">
-                <a:alpha val="35000"/>
-              </a:srgbClr>
-            </a:outerShdw>
-          </a:effectLst>
-          <a:scene3d>
-            <a:camera prst="orthographicFront">
-              <a:rot lat="0" lon="0" rev="0"/>
-            </a:camera>
-            <a:lightRig rig="threePt" dir="t">
-              <a:rot lat="0" lon="0" rev="1200000"/>
-            </a:lightRig>
-          </a:scene3d>
-          <a:sp3d>
-            <a:bevelT w="63500" h="25400"/>
-          </a:sp3d>
-        </a:effectStyle>
-      </a:effectStyleLst>
-      <a:bgFillStyleLst>
-        <a:solidFill>
-          <a:schemeClr val="phClr"/>
-        </a:solidFill>
-        <a:gradFill rotWithShape="1">
-          <a:gsLst>
-            <a:gs pos="0">
-              <a:schemeClr val="phClr">
-                <a:tint val="40000"/>
-                <a:satMod val="350000"/>
-              </a:schemeClr>
-            </a:gs>
-            <a:gs pos="40000">
-              <a:schemeClr val="phClr">
-                <a:tint val="45000"/>
-                <a:shade val="99000"/>
-                <a:satMod val="350000"/>
-              </a:schemeClr>
-            </a:gs>
-            <a:gs pos="100000">
-              <a:schemeClr val="phClr">
-                <a:shade val="20000"/>
-                <a:satMod val="255000"/>
-              </a:schemeClr>
-            </a:gs>
-          </a:gsLst>
-          <a:path path="circle">
-            <a:fillToRect l="50000" t="-80000" r="50000" b="180000"/>
-          </a:path>
-        </a:gradFill>
-        <a:gradFill rotWithShape="1">
-          <a:gsLst>
-            <a:gs pos="0">
-              <a:schemeClr val="phClr">
-                <a:tint val="80000"/>
-                <a:satMod val="300000"/>
-              </a:schemeClr>
-            </a:gs>
-            <a:gs pos="100000">
-              <a:schemeClr val="phClr">
-                <a:shade val="30000"/>
-                <a:satMod val="200000"/>
-              </a:schemeClr>
-            </a:gs>
-          </a:gsLst>
-          <a:path path="circle">
-            <a:fillToRect l="50000" t="50000" r="50000" b="50000"/>
-          </a:path>
-        </a:gradFill>
-      </a:bgFillStyleLst>
-    </a:fmtScheme>
-  </a:themeElements>
-</a:theme>
 </file>
--- a/15. Arquitetura de Negócio para cada Cenário.pptx
+++ b/15. Arquitetura de Negócio para cada Cenário.pptx
@@ -14468,6 +14468,285 @@
 </file>
 
 <file path=ppt/theme/theme1.xml><?xml version="1.0" encoding="utf-8"?>
+<a:theme xmlns:a="http://schemas.openxmlformats.org/drawingml/2006/main" xmlns:r="http://schemas.openxmlformats.org/officeDocument/2006/relationships">
+  <a:themeElements>
+    <a:clrScheme name="Default">
+      <a:dk1>
+        <a:srgbClr val="000000"/>
+      </a:dk1>
+      <a:lt1>
+        <a:srgbClr val="FFFFFF"/>
+      </a:lt1>
+      <a:dk2>
+        <a:srgbClr val="158158"/>
+      </a:dk2>
+      <a:lt2>
+        <a:srgbClr val="F3F3F3"/>
+      </a:lt2>
+      <a:accent1>
+        <a:srgbClr val="058DC7"/>
+      </a:accent1>
+      <a:accent2>
+        <a:srgbClr val="50B432"/>
+      </a:accent2>
+      <a:accent3>
+        <a:srgbClr val="ED561B"/>
+      </a:accent3>
+      <a:accent4>
+        <a:srgbClr val="EDEF00"/>
+      </a:accent4>
+      <a:accent5>
+        <a:srgbClr val="24CBE5"/>
+      </a:accent5>
+      <a:accent6>
+        <a:srgbClr val="64E572"/>
+      </a:accent6>
+      <a:hlink>
+        <a:srgbClr val="2200CC"/>
+      </a:hlink>
+      <a:folHlink>
+        <a:srgbClr val="551A8B"/>
+      </a:folHlink>
+    </a:clrScheme>
+    <a:fontScheme name="Office">
+      <a:majorFont>
+        <a:latin typeface="Arial"/>
+        <a:ea typeface=""/>
+        <a:cs typeface=""/>
+        <a:font script="Jpan" typeface="ＭＳ Ｐゴシック"/>
+        <a:font script="Hang" typeface="맑은 고딕"/>
+        <a:font script="Hans" typeface="宋体"/>
+        <a:font script="Hant" typeface="新細明體"/>
+        <a:font script="Arab" typeface="Times New Roman"/>
+        <a:font script="Hebr" typeface="Times New Roman"/>
+        <a:font script="Thai" typeface="Angsana New"/>
+        <a:font script="Ethi" typeface="Nyala"/>
+        <a:font script="Beng" typeface="Vrinda"/>
+        <a:font script="Gujr" typeface="Shruti"/>
+        <a:font script="Khmr" typeface="MoolBoran"/>
+        <a:font script="Knda" typeface="Tunga"/>
+        <a:font script="Guru" typeface="Raavi"/>
+        <a:font script="Cans" typeface="Euphemia"/>
+        <a:font script="Cher" typeface="Plantagenet Cherokee"/>
+        <a:font script="Yiii" typeface="Microsoft Yi Baiti"/>
+        <a:font script="Tibt" typeface="Microsoft Himalaya"/>
+        <a:font script="Thaa" typeface="MV Boli"/>
+        <a:font script="Deva" typeface="Mangal"/>
+        <a:font script="Telu" typeface="Gautami"/>
+        <a:font script="Taml" typeface="Latha"/>
+        <a:font script="Syrc" typeface="Estrangelo Edessa"/>
+        <a:font script="Orya" typeface="Kalinga"/>
+        <a:font script="Mlym" typeface="Kartika"/>
+        <a:font script="Laoo" typeface="DokChampa"/>
+        <a:font script="Sinh" typeface="Iskoola Pota"/>
+        <a:font script="Mong" typeface="Mongolian Baiti"/>
+        <a:font script="Viet" typeface="Times New Roman"/>
+        <a:font script="Uigh" typeface="Microsoft Uighur"/>
+        <a:font script="Geor" typeface="Sylfaen"/>
+      </a:majorFont>
+      <a:minorFont>
+        <a:latin typeface="Arial"/>
+        <a:ea typeface=""/>
+        <a:cs typeface=""/>
+        <a:font script="Jpan" typeface="ＭＳ Ｐゴシック"/>
+        <a:font script="Hang" typeface="맑은 고딕"/>
+        <a:font script="Hans" typeface="宋体"/>
+        <a:font script="Hant" typeface="新細明體"/>
+        <a:font script="Arab" typeface="Arial"/>
+        <a:font script="Hebr" typeface="Arial"/>
+        <a:font script="Thai" typeface="Cordia New"/>
+        <a:font script="Ethi" typeface="Nyala"/>
+        <a:font script="Beng" typeface="Vrinda"/>
+        <a:font script="Gujr" typeface="Shruti"/>
+        <a:font script="Khmr" typeface="DaunPenh"/>
+        <a:font script="Knda" typeface="Tunga"/>
+        <a:font script="Guru" typeface="Raavi"/>
+        <a:font script="Cans" typeface="Euphemia"/>
+        <a:font script="Cher" typeface="Plantagenet Cherokee"/>
+        <a:font script="Yiii" typeface="Microsoft Yi Baiti"/>
+        <a:font script="Tibt" typeface="Microsoft Himalaya"/>
+        <a:font script="Thaa" typeface="MV Boli"/>
+        <a:font script="Deva" typeface="Mangal"/>
+        <a:font script="Telu" typeface="Gautami"/>
+        <a:font script="Taml" typeface="Latha"/>
+        <a:font script="Syrc" typeface="Estrangelo Edessa"/>
+        <a:font script="Orya" typeface="Kalinga"/>
+        <a:font script="Mlym" typeface="Kartika"/>
+        <a:font script="Laoo" typeface="DokChampa"/>
+        <a:font script="Sinh" typeface="Iskoola Pota"/>
+        <a:font script="Mong" typeface="Mongolian Baiti"/>
+        <a:font script="Viet" typeface="Arial"/>
+        <a:font script="Uigh" typeface="Microsoft Uighur"/>
+        <a:font script="Geor" typeface="Sylfaen"/>
+      </a:minorFont>
+    </a:fontScheme>
+    <a:fmtScheme name="Office">
+      <a:fillStyleLst>
+        <a:solidFill>
+          <a:schemeClr val="phClr"/>
+        </a:solidFill>
+        <a:gradFill rotWithShape="1">
+          <a:gsLst>
+            <a:gs pos="0">
+              <a:schemeClr val="phClr">
+                <a:tint val="50000"/>
+                <a:satMod val="300000"/>
+              </a:schemeClr>
+            </a:gs>
+            <a:gs pos="35000">
+              <a:schemeClr val="phClr">
+                <a:tint val="37000"/>
+                <a:satMod val="300000"/>
+              </a:schemeClr>
+            </a:gs>
+            <a:gs pos="100000">
+              <a:schemeClr val="phClr">
+                <a:tint val="15000"/>
+                <a:satMod val="350000"/>
+              </a:schemeClr>
+            </a:gs>
+          </a:gsLst>
+          <a:lin ang="16200000" scaled="1"/>
+        </a:gradFill>
+        <a:gradFill rotWithShape="1">
+          <a:gsLst>
+            <a:gs pos="0">
+              <a:schemeClr val="phClr">
+                <a:tint val="100000"/>
+                <a:shade val="100000"/>
+                <a:satMod val="130000"/>
+              </a:schemeClr>
+            </a:gs>
+            <a:gs pos="100000">
+              <a:schemeClr val="phClr">
+                <a:tint val="50000"/>
+                <a:shade val="100000"/>
+                <a:satMod val="350000"/>
+              </a:schemeClr>
+            </a:gs>
+          </a:gsLst>
+          <a:lin ang="16200000" scaled="0"/>
+        </a:gradFill>
+      </a:fillStyleLst>
+      <a:lnStyleLst>
+        <a:ln w="9525" cap="flat" cmpd="sng" algn="ctr">
+          <a:solidFill>
+            <a:schemeClr val="phClr">
+              <a:shade val="95000"/>
+              <a:satMod val="105000"/>
+            </a:schemeClr>
+          </a:solidFill>
+          <a:prstDash val="solid"/>
+        </a:ln>
+        <a:ln w="25400" cap="flat" cmpd="sng" algn="ctr">
+          <a:solidFill>
+            <a:schemeClr val="phClr"/>
+          </a:solidFill>
+          <a:prstDash val="solid"/>
+        </a:ln>
+        <a:ln w="38100" cap="flat" cmpd="sng" algn="ctr">
+          <a:solidFill>
+            <a:schemeClr val="phClr"/>
+          </a:solidFill>
+          <a:prstDash val="solid"/>
+        </a:ln>
+      </a:lnStyleLst>
+      <a:effectStyleLst>
+        <a:effectStyle>
+          <a:effectLst>
+            <a:outerShdw blurRad="40000" dist="20000" dir="5400000" rotWithShape="0">
+              <a:srgbClr val="000000">
+                <a:alpha val="38000"/>
+              </a:srgbClr>
+            </a:outerShdw>
+          </a:effectLst>
+        </a:effectStyle>
+        <a:effectStyle>
+          <a:effectLst>
+            <a:outerShdw blurRad="40000" dist="23000" dir="5400000" rotWithShape="0">
+              <a:srgbClr val="000000">
+                <a:alpha val="35000"/>
+              </a:srgbClr>
+            </a:outerShdw>
+          </a:effectLst>
+        </a:effectStyle>
+        <a:effectStyle>
+          <a:effectLst>
+            <a:outerShdw blurRad="40000" dist="23000" dir="5400000" rotWithShape="0">
+              <a:srgbClr val="000000">
+                <a:alpha val="35000"/>
+              </a:srgbClr>
+            </a:outerShdw>
+          </a:effectLst>
+          <a:scene3d>
+            <a:camera prst="orthographicFront">
+              <a:rot lat="0" lon="0" rev="0"/>
+            </a:camera>
+            <a:lightRig rig="threePt" dir="t">
+              <a:rot lat="0" lon="0" rev="1200000"/>
+            </a:lightRig>
+          </a:scene3d>
+          <a:sp3d>
+            <a:bevelT w="63500" h="25400"/>
+          </a:sp3d>
+        </a:effectStyle>
+      </a:effectStyleLst>
+      <a:bgFillStyleLst>
+        <a:solidFill>
+          <a:schemeClr val="phClr"/>
+        </a:solidFill>
+        <a:gradFill rotWithShape="1">
+          <a:gsLst>
+            <a:gs pos="0">
+              <a:schemeClr val="phClr">
+                <a:tint val="40000"/>
+                <a:satMod val="350000"/>
+              </a:schemeClr>
+            </a:gs>
+            <a:gs pos="40000">
+              <a:schemeClr val="phClr">
+                <a:tint val="45000"/>
+                <a:shade val="99000"/>
+                <a:satMod val="350000"/>
+              </a:schemeClr>
+            </a:gs>
+            <a:gs pos="100000">
+              <a:schemeClr val="phClr">
+                <a:shade val="20000"/>
+                <a:satMod val="255000"/>
+              </a:schemeClr>
+            </a:gs>
+          </a:gsLst>
+          <a:path path="circle">
+            <a:fillToRect l="50000" t="-80000" r="50000" b="180000"/>
+          </a:path>
+        </a:gradFill>
+        <a:gradFill rotWithShape="1">
+          <a:gsLst>
+            <a:gs pos="0">
+              <a:schemeClr val="phClr">
+                <a:tint val="80000"/>
+                <a:satMod val="300000"/>
+              </a:schemeClr>
+            </a:gs>
+            <a:gs pos="100000">
+              <a:schemeClr val="phClr">
+                <a:shade val="30000"/>
+                <a:satMod val="200000"/>
+              </a:schemeClr>
+            </a:gs>
+          </a:gsLst>
+          <a:path path="circle">
+            <a:fillToRect l="50000" t="50000" r="50000" b="50000"/>
+          </a:path>
+        </a:gradFill>
+      </a:bgFillStyleLst>
+    </a:fmtScheme>
+  </a:themeElements>
+</a:theme>
+</file>
+
+<file path=ppt/theme/theme2.xml><?xml version="1.0" encoding="utf-8"?>
 <a:theme xmlns:a="http://schemas.openxmlformats.org/drawingml/2006/main" xmlns:r="http://schemas.openxmlformats.org/officeDocument/2006/relationships" name="Simple Light">
   <a:themeElements>
     <a:clrScheme name="Simple Light">
@@ -14744,283 +15023,4 @@
     </a:fmtScheme>
   </a:themeElements>
 </a:theme>
-</file>
-
-<file path=ppt/theme/theme2.xml><?xml version="1.0" encoding="utf-8"?>
-<a:theme xmlns:a="http://schemas.openxmlformats.org/drawingml/2006/main" xmlns:r="http://schemas.openxmlformats.org/officeDocument/2006/relationships">
-  <a:themeElements>
-    <a:clrScheme name="Default">
-      <a:dk1>
-        <a:srgbClr val="000000"/>
-      </a:dk1>
-      <a:lt1>
-        <a:srgbClr val="FFFFFF"/>
-      </a:lt1>
-      <a:dk2>
-        <a:srgbClr val="158158"/>
-      </a:dk2>
-      <a:lt2>
-        <a:srgbClr val="F3F3F3"/>
-      </a:lt2>
-      <a:accent1>
-        <a:srgbClr val="058DC7"/>
-      </a:accent1>
-      <a:accent2>
-        <a:srgbClr val="50B432"/>
-      </a:accent2>
-      <a:accent3>
-        <a:srgbClr val="ED561B"/>
-      </a:accent3>
-      <a:accent4>
-        <a:srgbClr val="EDEF00"/>
-      </a:accent4>
-      <a:accent5>
-        <a:srgbClr val="24CBE5"/>
-      </a:accent5>
-      <a:accent6>
-        <a:srgbClr val="64E572"/>
-      </a:accent6>
-      <a:hlink>
-        <a:srgbClr val="2200CC"/>
-      </a:hlink>
-      <a:folHlink>
-        <a:srgbClr val="551A8B"/>
-      </a:folHlink>
-    </a:clrScheme>
-    <a:fontScheme name="Office">
-      <a:majorFont>
-        <a:latin typeface="Arial"/>
-        <a:ea typeface=""/>
-        <a:cs typeface=""/>
-        <a:font script="Jpan" typeface="ＭＳ Ｐゴシック"/>
-        <a:font script="Hang" typeface="맑은 고딕"/>
-        <a:font script="Hans" typeface="宋体"/>
-        <a:font script="Hant" typeface="新細明體"/>
-        <a:font script="Arab" typeface="Times New Roman"/>
-        <a:font script="Hebr" typeface="Times New Roman"/>
-        <a:font script="Thai" typeface="Angsana New"/>
-        <a:font script="Ethi" typeface="Nyala"/>
-        <a:font script="Beng" typeface="Vrinda"/>
-        <a:font script="Gujr" typeface="Shruti"/>
-        <a:font script="Khmr" typeface="MoolBoran"/>
-        <a:font script="Knda" typeface="Tunga"/>
-        <a:font script="Guru" typeface="Raavi"/>
-        <a:font script="Cans" typeface="Euphemia"/>
-        <a:font script="Cher" typeface="Plantagenet Cherokee"/>
-        <a:font script="Yiii" typeface="Microsoft Yi Baiti"/>
-        <a:font script="Tibt" typeface="Microsoft Himalaya"/>
-        <a:font script="Thaa" typeface="MV Boli"/>
-        <a:font script="Deva" typeface="Mangal"/>
-        <a:font script="Telu" typeface="Gautami"/>
-        <a:font script="Taml" typeface="Latha"/>
-        <a:font script="Syrc" typeface="Estrangelo Edessa"/>
-        <a:font script="Orya" typeface="Kalinga"/>
-        <a:font script="Mlym" typeface="Kartika"/>
-        <a:font script="Laoo" typeface="DokChampa"/>
-        <a:font script="Sinh" typeface="Iskoola Pota"/>
-        <a:font script="Mong" typeface="Mongolian Baiti"/>
-        <a:font script="Viet" typeface="Times New Roman"/>
-        <a:font script="Uigh" typeface="Microsoft Uighur"/>
-        <a:font script="Geor" typeface="Sylfaen"/>
-      </a:majorFont>
-      <a:minorFont>
-        <a:latin typeface="Arial"/>
-        <a:ea typeface=""/>
-        <a:cs typeface=""/>
-        <a:font script="Jpan" typeface="ＭＳ Ｐゴシック"/>
-        <a:font script="Hang" typeface="맑은 고딕"/>
-        <a:font script="Hans" typeface="宋体"/>
-        <a:font script="Hant" typeface="新細明體"/>
-        <a:font script="Arab" typeface="Arial"/>
-        <a:font script="Hebr" typeface="Arial"/>
-        <a:font script="Thai" typeface="Cordia New"/>
-        <a:font script="Ethi" typeface="Nyala"/>
-        <a:font script="Beng" typeface="Vrinda"/>
-        <a:font script="Gujr" typeface="Shruti"/>
-        <a:font script="Khmr" typeface="DaunPenh"/>
-        <a:font script="Knda" typeface="Tunga"/>
-        <a:font script="Guru" typeface="Raavi"/>
-        <a:font script="Cans" typeface="Euphemia"/>
-        <a:font script="Cher" typeface="Plantagenet Cherokee"/>
-        <a:font script="Yiii" typeface="Microsoft Yi Baiti"/>
-        <a:font script="Tibt" typeface="Microsoft Himalaya"/>
-        <a:font script="Thaa" typeface="MV Boli"/>
-        <a:font script="Deva" typeface="Mangal"/>
-        <a:font script="Telu" typeface="Gautami"/>
-        <a:font script="Taml" typeface="Latha"/>
-        <a:font script="Syrc" typeface="Estrangelo Edessa"/>
-        <a:font script="Orya" typeface="Kalinga"/>
-        <a:font script="Mlym" typeface="Kartika"/>
-        <a:font script="Laoo" typeface="DokChampa"/>
-        <a:font script="Sinh" typeface="Iskoola Pota"/>
-        <a:font script="Mong" typeface="Mongolian Baiti"/>
-        <a:font script="Viet" typeface="Arial"/>
-        <a:font script="Uigh" typeface="Microsoft Uighur"/>
-        <a:font script="Geor" typeface="Sylfaen"/>
-      </a:minorFont>
-    </a:fontScheme>
-    <a:fmtScheme name="Office">
-      <a:fillStyleLst>
-        <a:solidFill>
-          <a:schemeClr val="phClr"/>
-        </a:solidFill>
-        <a:gradFill rotWithShape="1">
-          <a:gsLst>
-            <a:gs pos="0">
-              <a:schemeClr val="phClr">
-                <a:tint val="50000"/>
-                <a:satMod val="300000"/>
-              </a:schemeClr>
-            </a:gs>
-            <a:gs pos="35000">
-              <a:schemeClr val="phClr">
-                <a:tint val="37000"/>
-                <a:satMod val="300000"/>
-              </a:schemeClr>
-            </a:gs>
-            <a:gs pos="100000">
-              <a:schemeClr val="phClr">
-                <a:tint val="15000"/>
-                <a:satMod val="350000"/>
-              </a:schemeClr>
-            </a:gs>
-          </a:gsLst>
-          <a:lin ang="16200000" scaled="1"/>
-        </a:gradFill>
-        <a:gradFill rotWithShape="1">
-          <a:gsLst>
-            <a:gs pos="0">
-              <a:schemeClr val="phClr">
-                <a:tint val="100000"/>
-                <a:shade val="100000"/>
-                <a:satMod val="130000"/>
-              </a:schemeClr>
-            </a:gs>
-            <a:gs pos="100000">
-              <a:schemeClr val="phClr">
-                <a:tint val="50000"/>
-                <a:shade val="100000"/>
-                <a:satMod val="350000"/>
-              </a:schemeClr>
-            </a:gs>
-          </a:gsLst>
-          <a:lin ang="16200000" scaled="0"/>
-        </a:gradFill>
-      </a:fillStyleLst>
-      <a:lnStyleLst>
-        <a:ln w="9525" cap="flat" cmpd="sng" algn="ctr">
-          <a:solidFill>
-            <a:schemeClr val="phClr">
-              <a:shade val="95000"/>
-              <a:satMod val="105000"/>
-            </a:schemeClr>
-          </a:solidFill>
-          <a:prstDash val="solid"/>
-        </a:ln>
-        <a:ln w="25400" cap="flat" cmpd="sng" algn="ctr">
-          <a:solidFill>
-            <a:schemeClr val="phClr"/>
-          </a:solidFill>
-          <a:prstDash val="solid"/>
-        </a:ln>
-        <a:ln w="38100" cap="flat" cmpd="sng" algn="ctr">
-          <a:solidFill>
-            <a:schemeClr val="phClr"/>
-          </a:solidFill>
-          <a:prstDash val="solid"/>
-        </a:ln>
-      </a:lnStyleLst>
-      <a:effectStyleLst>
-        <a:effectStyle>
-          <a:effectLst>
-            <a:outerShdw blurRad="40000" dist="20000" dir="5400000" rotWithShape="0">
-              <a:srgbClr val="000000">
-                <a:alpha val="38000"/>
-              </a:srgbClr>
-            </a:outerShdw>
-          </a:effectLst>
-        </a:effectStyle>
-        <a:effectStyle>
-          <a:effectLst>
-            <a:outerShdw blurRad="40000" dist="23000" dir="5400000" rotWithShape="0">
-              <a:srgbClr val="000000">
-                <a:alpha val="35000"/>
-              </a:srgbClr>
-            </a:outerShdw>
-          </a:effectLst>
-        </a:effectStyle>
-        <a:effectStyle>
-          <a:effectLst>
-            <a:outerShdw blurRad="40000" dist="23000" dir="5400000" rotWithShape="0">
-              <a:srgbClr val="000000">
-                <a:alpha val="35000"/>
-              </a:srgbClr>
-            </a:outerShdw>
-          </a:effectLst>
-          <a:scene3d>
-            <a:camera prst="orthographicFront">
-              <a:rot lat="0" lon="0" rev="0"/>
-            </a:camera>
-            <a:lightRig rig="threePt" dir="t">
-              <a:rot lat="0" lon="0" rev="1200000"/>
-            </a:lightRig>
-          </a:scene3d>
-          <a:sp3d>
-            <a:bevelT w="63500" h="25400"/>
-          </a:sp3d>
-        </a:effectStyle>
-      </a:effectStyleLst>
-      <a:bgFillStyleLst>
-        <a:solidFill>
-          <a:schemeClr val="phClr"/>
-        </a:solidFill>
-        <a:gradFill rotWithShape="1">
-          <a:gsLst>
-            <a:gs pos="0">
-              <a:schemeClr val="phClr">
-                <a:tint val="40000"/>
-                <a:satMod val="350000"/>
-              </a:schemeClr>
-            </a:gs>
-            <a:gs pos="40000">
-              <a:schemeClr val="phClr">
-                <a:tint val="45000"/>
-                <a:shade val="99000"/>
-                <a:satMod val="350000"/>
-              </a:schemeClr>
-            </a:gs>
-            <a:gs pos="100000">
-              <a:schemeClr val="phClr">
-                <a:shade val="20000"/>
-                <a:satMod val="255000"/>
-              </a:schemeClr>
-            </a:gs>
-          </a:gsLst>
-          <a:path path="circle">
-            <a:fillToRect l="50000" t="-80000" r="50000" b="180000"/>
-          </a:path>
-        </a:gradFill>
-        <a:gradFill rotWithShape="1">
-          <a:gsLst>
-            <a:gs pos="0">
-              <a:schemeClr val="phClr">
-                <a:tint val="80000"/>
-                <a:satMod val="300000"/>
-              </a:schemeClr>
-            </a:gs>
-            <a:gs pos="100000">
-              <a:schemeClr val="phClr">
-                <a:shade val="30000"/>
-                <a:satMod val="200000"/>
-              </a:schemeClr>
-            </a:gs>
-          </a:gsLst>
-          <a:path path="circle">
-            <a:fillToRect l="50000" t="50000" r="50000" b="50000"/>
-          </a:path>
-        </a:gradFill>
-      </a:bgFillStyleLst>
-    </a:fmtScheme>
-  </a:themeElements>
-</a:theme>
 </file>